--- a/презентация.pptx
+++ b/презентация.pptx
@@ -6,15 +6,18 @@
   </p:sldMasterIdLst>
   <p:sldIdLst>
     <p:sldId id="256" r:id="rId2"/>
-    <p:sldId id="257" r:id="rId3"/>
-    <p:sldId id="258" r:id="rId4"/>
-    <p:sldId id="259" r:id="rId5"/>
-    <p:sldId id="260" r:id="rId6"/>
-    <p:sldId id="261" r:id="rId7"/>
-    <p:sldId id="262" r:id="rId8"/>
-    <p:sldId id="263" r:id="rId9"/>
-    <p:sldId id="264" r:id="rId10"/>
-    <p:sldId id="265" r:id="rId11"/>
+    <p:sldId id="266" r:id="rId3"/>
+    <p:sldId id="257" r:id="rId4"/>
+    <p:sldId id="258" r:id="rId5"/>
+    <p:sldId id="259" r:id="rId6"/>
+    <p:sldId id="260" r:id="rId7"/>
+    <p:sldId id="261" r:id="rId8"/>
+    <p:sldId id="262" r:id="rId9"/>
+    <p:sldId id="267" r:id="rId10"/>
+    <p:sldId id="263" r:id="rId11"/>
+    <p:sldId id="264" r:id="rId12"/>
+    <p:sldId id="268" r:id="rId13"/>
+    <p:sldId id="265" r:id="rId14"/>
   </p:sldIdLst>
   <p:sldSz cx="12192000" cy="6858000"/>
   <p:notesSz cx="6858000" cy="9144000"/>
@@ -113,7 +116,2821 @@
       </a:defRPr>
     </a:lvl9pPr>
   </p:defaultTextStyle>
+  <p:extLst>
+    <p:ext uri="{EFAFB233-063F-42B5-8137-9DF3F51BA10A}">
+      <p15:sldGuideLst xmlns:p15="http://schemas.microsoft.com/office/powerpoint/2012/main"/>
+    </p:ext>
+  </p:extLst>
 </p:presentation>
+</file>
+
+<file path=ppt/diagrams/colors1.xml><?xml version="1.0" encoding="utf-8"?>
+<dgm:colorsDef xmlns:dgm="http://schemas.openxmlformats.org/drawingml/2006/diagram" xmlns:a="http://schemas.openxmlformats.org/drawingml/2006/main" uniqueId="urn:microsoft.com/office/officeart/2005/8/colors/colorful5">
+  <dgm:title val=""/>
+  <dgm:desc val=""/>
+  <dgm:catLst>
+    <dgm:cat type="colorful" pri="10500"/>
+  </dgm:catLst>
+  <dgm:styleLbl name="node0">
+    <dgm:fillClrLst meth="repeat">
+      <a:schemeClr val="accent4"/>
+    </dgm:fillClrLst>
+    <dgm:linClrLst meth="repeat">
+      <a:schemeClr val="lt1"/>
+    </dgm:linClrLst>
+    <dgm:effectClrLst/>
+    <dgm:txLinClrLst/>
+    <dgm:txFillClrLst/>
+    <dgm:txEffectClrLst/>
+  </dgm:styleLbl>
+  <dgm:styleLbl name="node1">
+    <dgm:fillClrLst>
+      <a:schemeClr val="accent5"/>
+      <a:schemeClr val="accent6"/>
+    </dgm:fillClrLst>
+    <dgm:linClrLst meth="repeat">
+      <a:schemeClr val="lt1"/>
+    </dgm:linClrLst>
+    <dgm:effectClrLst/>
+    <dgm:txLinClrLst/>
+    <dgm:txFillClrLst/>
+    <dgm:txEffectClrLst/>
+  </dgm:styleLbl>
+  <dgm:styleLbl name="alignNode1">
+    <dgm:fillClrLst>
+      <a:schemeClr val="accent5"/>
+      <a:schemeClr val="accent6"/>
+    </dgm:fillClrLst>
+    <dgm:linClrLst>
+      <a:schemeClr val="accent5"/>
+      <a:schemeClr val="accent6"/>
+    </dgm:linClrLst>
+    <dgm:effectClrLst/>
+    <dgm:txLinClrLst/>
+    <dgm:txFillClrLst/>
+    <dgm:txEffectClrLst/>
+  </dgm:styleLbl>
+  <dgm:styleLbl name="lnNode1">
+    <dgm:fillClrLst>
+      <a:schemeClr val="accent5"/>
+      <a:schemeClr val="accent6"/>
+    </dgm:fillClrLst>
+    <dgm:linClrLst meth="repeat">
+      <a:schemeClr val="lt1"/>
+    </dgm:linClrLst>
+    <dgm:effectClrLst/>
+    <dgm:txLinClrLst/>
+    <dgm:txFillClrLst/>
+    <dgm:txEffectClrLst/>
+  </dgm:styleLbl>
+  <dgm:styleLbl name="vennNode1">
+    <dgm:fillClrLst>
+      <a:schemeClr val="accent5">
+        <a:alpha val="50000"/>
+      </a:schemeClr>
+      <a:schemeClr val="accent6">
+        <a:alpha val="50000"/>
+      </a:schemeClr>
+    </dgm:fillClrLst>
+    <dgm:linClrLst meth="repeat">
+      <a:schemeClr val="lt1"/>
+    </dgm:linClrLst>
+    <dgm:effectClrLst/>
+    <dgm:txLinClrLst/>
+    <dgm:txFillClrLst/>
+    <dgm:txEffectClrLst/>
+  </dgm:styleLbl>
+  <dgm:styleLbl name="node2">
+    <dgm:fillClrLst>
+      <a:schemeClr val="accent6"/>
+    </dgm:fillClrLst>
+    <dgm:linClrLst meth="repeat">
+      <a:schemeClr val="lt1"/>
+    </dgm:linClrLst>
+    <dgm:effectClrLst/>
+    <dgm:txLinClrLst/>
+    <dgm:txFillClrLst/>
+    <dgm:txEffectClrLst/>
+  </dgm:styleLbl>
+  <dgm:styleLbl name="node3">
+    <dgm:fillClrLst>
+      <a:schemeClr val="accent1"/>
+    </dgm:fillClrLst>
+    <dgm:linClrLst meth="repeat">
+      <a:schemeClr val="lt1"/>
+    </dgm:linClrLst>
+    <dgm:effectClrLst/>
+    <dgm:txLinClrLst/>
+    <dgm:txFillClrLst/>
+    <dgm:txEffectClrLst/>
+  </dgm:styleLbl>
+  <dgm:styleLbl name="node4">
+    <dgm:fillClrLst>
+      <a:schemeClr val="accent2"/>
+    </dgm:fillClrLst>
+    <dgm:linClrLst meth="repeat">
+      <a:schemeClr val="lt1"/>
+    </dgm:linClrLst>
+    <dgm:effectClrLst/>
+    <dgm:txLinClrLst/>
+    <dgm:txFillClrLst/>
+    <dgm:txEffectClrLst/>
+  </dgm:styleLbl>
+  <dgm:styleLbl name="fgImgPlace1">
+    <dgm:fillClrLst>
+      <a:schemeClr val="accent5">
+        <a:tint val="50000"/>
+      </a:schemeClr>
+      <a:schemeClr val="accent6">
+        <a:tint val="50000"/>
+      </a:schemeClr>
+    </dgm:fillClrLst>
+    <dgm:linClrLst meth="repeat">
+      <a:schemeClr val="lt1"/>
+    </dgm:linClrLst>
+    <dgm:effectClrLst/>
+    <dgm:txLinClrLst/>
+    <dgm:txFillClrLst meth="repeat">
+      <a:schemeClr val="lt1"/>
+    </dgm:txFillClrLst>
+    <dgm:txEffectClrLst/>
+  </dgm:styleLbl>
+  <dgm:styleLbl name="alignImgPlace1">
+    <dgm:fillClrLst>
+      <a:schemeClr val="accent5">
+        <a:tint val="50000"/>
+      </a:schemeClr>
+      <a:schemeClr val="accent6">
+        <a:tint val="20000"/>
+      </a:schemeClr>
+    </dgm:fillClrLst>
+    <dgm:linClrLst meth="repeat">
+      <a:schemeClr val="lt1"/>
+    </dgm:linClrLst>
+    <dgm:effectClrLst/>
+    <dgm:txLinClrLst/>
+    <dgm:txFillClrLst meth="repeat">
+      <a:schemeClr val="lt1"/>
+    </dgm:txFillClrLst>
+    <dgm:txEffectClrLst/>
+  </dgm:styleLbl>
+  <dgm:styleLbl name="bgImgPlace1">
+    <dgm:fillClrLst>
+      <a:schemeClr val="accent5">
+        <a:tint val="50000"/>
+      </a:schemeClr>
+      <a:schemeClr val="accent6">
+        <a:tint val="20000"/>
+      </a:schemeClr>
+    </dgm:fillClrLst>
+    <dgm:linClrLst meth="repeat">
+      <a:schemeClr val="lt1"/>
+    </dgm:linClrLst>
+    <dgm:effectClrLst/>
+    <dgm:txLinClrLst/>
+    <dgm:txFillClrLst meth="repeat">
+      <a:schemeClr val="lt1"/>
+    </dgm:txFillClrLst>
+    <dgm:txEffectClrLst/>
+  </dgm:styleLbl>
+  <dgm:styleLbl name="sibTrans2D1">
+    <dgm:fillClrLst>
+      <a:schemeClr val="accent5"/>
+      <a:schemeClr val="accent6"/>
+    </dgm:fillClrLst>
+    <dgm:linClrLst meth="repeat">
+      <a:schemeClr val="lt1"/>
+    </dgm:linClrLst>
+    <dgm:effectClrLst/>
+    <dgm:txLinClrLst/>
+    <dgm:txFillClrLst/>
+    <dgm:txEffectClrLst/>
+  </dgm:styleLbl>
+  <dgm:styleLbl name="fgSibTrans2D1">
+    <dgm:fillClrLst>
+      <a:schemeClr val="accent5"/>
+      <a:schemeClr val="accent6"/>
+    </dgm:fillClrLst>
+    <dgm:linClrLst meth="repeat">
+      <a:schemeClr val="lt1"/>
+    </dgm:linClrLst>
+    <dgm:effectClrLst/>
+    <dgm:txLinClrLst/>
+    <dgm:txFillClrLst meth="repeat">
+      <a:schemeClr val="lt1"/>
+    </dgm:txFillClrLst>
+    <dgm:txEffectClrLst/>
+  </dgm:styleLbl>
+  <dgm:styleLbl name="bgSibTrans2D1">
+    <dgm:fillClrLst>
+      <a:schemeClr val="accent5"/>
+      <a:schemeClr val="accent6"/>
+    </dgm:fillClrLst>
+    <dgm:linClrLst meth="repeat">
+      <a:schemeClr val="lt1"/>
+    </dgm:linClrLst>
+    <dgm:effectClrLst/>
+    <dgm:txLinClrLst/>
+    <dgm:txFillClrLst meth="repeat">
+      <a:schemeClr val="lt1"/>
+    </dgm:txFillClrLst>
+    <dgm:txEffectClrLst/>
+  </dgm:styleLbl>
+  <dgm:styleLbl name="sibTrans1D1">
+    <dgm:fillClrLst/>
+    <dgm:linClrLst>
+      <a:schemeClr val="accent5"/>
+      <a:schemeClr val="accent6"/>
+    </dgm:linClrLst>
+    <dgm:effectClrLst/>
+    <dgm:txLinClrLst/>
+    <dgm:txFillClrLst meth="repeat">
+      <a:schemeClr val="tx1"/>
+    </dgm:txFillClrLst>
+    <dgm:txEffectClrLst/>
+  </dgm:styleLbl>
+  <dgm:styleLbl name="callout">
+    <dgm:fillClrLst meth="repeat">
+      <a:schemeClr val="accent5"/>
+    </dgm:fillClrLst>
+    <dgm:linClrLst meth="repeat">
+      <a:schemeClr val="accent5">
+        <a:tint val="50000"/>
+      </a:schemeClr>
+    </dgm:linClrLst>
+    <dgm:effectClrLst/>
+    <dgm:txLinClrLst/>
+    <dgm:txFillClrLst meth="repeat">
+      <a:schemeClr val="tx1"/>
+    </dgm:txFillClrLst>
+    <dgm:txEffectClrLst/>
+  </dgm:styleLbl>
+  <dgm:styleLbl name="asst0">
+    <dgm:fillClrLst meth="repeat">
+      <a:schemeClr val="accent5"/>
+    </dgm:fillClrLst>
+    <dgm:linClrLst meth="repeat">
+      <a:schemeClr val="lt1">
+        <a:shade val="80000"/>
+      </a:schemeClr>
+    </dgm:linClrLst>
+    <dgm:effectClrLst/>
+    <dgm:txLinClrLst/>
+    <dgm:txFillClrLst/>
+    <dgm:txEffectClrLst/>
+  </dgm:styleLbl>
+  <dgm:styleLbl name="asst1">
+    <dgm:fillClrLst meth="repeat">
+      <a:schemeClr val="accent6"/>
+    </dgm:fillClrLst>
+    <dgm:linClrLst meth="repeat">
+      <a:schemeClr val="lt1">
+        <a:shade val="80000"/>
+      </a:schemeClr>
+    </dgm:linClrLst>
+    <dgm:effectClrLst/>
+    <dgm:txLinClrLst/>
+    <dgm:txFillClrLst/>
+    <dgm:txEffectClrLst/>
+  </dgm:styleLbl>
+  <dgm:styleLbl name="asst2">
+    <dgm:fillClrLst>
+      <a:schemeClr val="accent1"/>
+    </dgm:fillClrLst>
+    <dgm:linClrLst meth="repeat">
+      <a:schemeClr val="lt1"/>
+    </dgm:linClrLst>
+    <dgm:effectClrLst/>
+    <dgm:txLinClrLst/>
+    <dgm:txFillClrLst/>
+    <dgm:txEffectClrLst/>
+  </dgm:styleLbl>
+  <dgm:styleLbl name="asst3">
+    <dgm:fillClrLst>
+      <a:schemeClr val="accent2"/>
+    </dgm:fillClrLst>
+    <dgm:linClrLst meth="repeat">
+      <a:schemeClr val="lt1"/>
+    </dgm:linClrLst>
+    <dgm:effectClrLst/>
+    <dgm:txLinClrLst/>
+    <dgm:txFillClrLst/>
+    <dgm:txEffectClrLst/>
+  </dgm:styleLbl>
+  <dgm:styleLbl name="asst4">
+    <dgm:fillClrLst>
+      <a:schemeClr val="accent3"/>
+    </dgm:fillClrLst>
+    <dgm:linClrLst meth="repeat">
+      <a:schemeClr val="lt1"/>
+    </dgm:linClrLst>
+    <dgm:effectClrLst/>
+    <dgm:txLinClrLst/>
+    <dgm:txFillClrLst/>
+    <dgm:txEffectClrLst/>
+  </dgm:styleLbl>
+  <dgm:styleLbl name="parChTrans2D1">
+    <dgm:fillClrLst meth="repeat">
+      <a:schemeClr val="accent5"/>
+    </dgm:fillClrLst>
+    <dgm:linClrLst meth="repeat">
+      <a:schemeClr val="lt1"/>
+    </dgm:linClrLst>
+    <dgm:effectClrLst/>
+    <dgm:txLinClrLst/>
+    <dgm:txFillClrLst meth="repeat">
+      <a:schemeClr val="lt1"/>
+    </dgm:txFillClrLst>
+    <dgm:txEffectClrLst/>
+  </dgm:styleLbl>
+  <dgm:styleLbl name="parChTrans2D2">
+    <dgm:fillClrLst meth="repeat">
+      <a:schemeClr val="accent6"/>
+    </dgm:fillClrLst>
+    <dgm:linClrLst meth="repeat">
+      <a:schemeClr val="lt1"/>
+    </dgm:linClrLst>
+    <dgm:effectClrLst/>
+    <dgm:txLinClrLst/>
+    <dgm:txFillClrLst/>
+    <dgm:txEffectClrLst/>
+  </dgm:styleLbl>
+  <dgm:styleLbl name="parChTrans2D3">
+    <dgm:fillClrLst meth="repeat">
+      <a:schemeClr val="accent6"/>
+    </dgm:fillClrLst>
+    <dgm:linClrLst meth="repeat">
+      <a:schemeClr val="lt1"/>
+    </dgm:linClrLst>
+    <dgm:effectClrLst/>
+    <dgm:txLinClrLst/>
+    <dgm:txFillClrLst/>
+    <dgm:txEffectClrLst/>
+  </dgm:styleLbl>
+  <dgm:styleLbl name="parChTrans2D4">
+    <dgm:fillClrLst meth="repeat">
+      <a:schemeClr val="accent1"/>
+    </dgm:fillClrLst>
+    <dgm:linClrLst meth="repeat">
+      <a:schemeClr val="lt1"/>
+    </dgm:linClrLst>
+    <dgm:effectClrLst/>
+    <dgm:txLinClrLst/>
+    <dgm:txFillClrLst meth="repeat">
+      <a:schemeClr val="lt1"/>
+    </dgm:txFillClrLst>
+    <dgm:txEffectClrLst/>
+  </dgm:styleLbl>
+  <dgm:styleLbl name="parChTrans1D1">
+    <dgm:fillClrLst meth="repeat">
+      <a:schemeClr val="accent5"/>
+    </dgm:fillClrLst>
+    <dgm:linClrLst meth="repeat">
+      <a:schemeClr val="accent5"/>
+    </dgm:linClrLst>
+    <dgm:effectClrLst/>
+    <dgm:txLinClrLst/>
+    <dgm:txFillClrLst meth="repeat">
+      <a:schemeClr val="tx1"/>
+    </dgm:txFillClrLst>
+    <dgm:txEffectClrLst/>
+  </dgm:styleLbl>
+  <dgm:styleLbl name="parChTrans1D2">
+    <dgm:fillClrLst meth="repeat">
+      <a:schemeClr val="accent6">
+        <a:tint val="90000"/>
+      </a:schemeClr>
+    </dgm:fillClrLst>
+    <dgm:linClrLst meth="repeat">
+      <a:schemeClr val="accent6"/>
+    </dgm:linClrLst>
+    <dgm:effectClrLst/>
+    <dgm:txLinClrLst/>
+    <dgm:txFillClrLst meth="repeat">
+      <a:schemeClr val="tx1"/>
+    </dgm:txFillClrLst>
+    <dgm:txEffectClrLst/>
+  </dgm:styleLbl>
+  <dgm:styleLbl name="parChTrans1D3">
+    <dgm:fillClrLst meth="repeat">
+      <a:schemeClr val="accent6">
+        <a:tint val="70000"/>
+      </a:schemeClr>
+    </dgm:fillClrLst>
+    <dgm:linClrLst meth="repeat">
+      <a:schemeClr val="accent1"/>
+    </dgm:linClrLst>
+    <dgm:effectClrLst/>
+    <dgm:txLinClrLst/>
+    <dgm:txFillClrLst meth="repeat">
+      <a:schemeClr val="tx1"/>
+    </dgm:txFillClrLst>
+    <dgm:txEffectClrLst/>
+  </dgm:styleLbl>
+  <dgm:styleLbl name="parChTrans1D4">
+    <dgm:fillClrLst meth="repeat">
+      <a:schemeClr val="accent6">
+        <a:tint val="50000"/>
+      </a:schemeClr>
+    </dgm:fillClrLst>
+    <dgm:linClrLst meth="repeat">
+      <a:schemeClr val="accent2"/>
+    </dgm:linClrLst>
+    <dgm:effectClrLst/>
+    <dgm:txLinClrLst/>
+    <dgm:txFillClrLst meth="repeat">
+      <a:schemeClr val="tx1"/>
+    </dgm:txFillClrLst>
+    <dgm:txEffectClrLst/>
+  </dgm:styleLbl>
+  <dgm:styleLbl name="fgAcc1">
+    <dgm:fillClrLst meth="repeat">
+      <a:schemeClr val="lt1">
+        <a:alpha val="90000"/>
+      </a:schemeClr>
+    </dgm:fillClrLst>
+    <dgm:linClrLst>
+      <a:schemeClr val="accent5"/>
+      <a:schemeClr val="accent6"/>
+    </dgm:linClrLst>
+    <dgm:effectClrLst/>
+    <dgm:txLinClrLst/>
+    <dgm:txFillClrLst meth="repeat">
+      <a:schemeClr val="dk1"/>
+    </dgm:txFillClrLst>
+    <dgm:txEffectClrLst/>
+  </dgm:styleLbl>
+  <dgm:styleLbl name="conFgAcc1">
+    <dgm:fillClrLst meth="repeat">
+      <a:schemeClr val="lt1">
+        <a:alpha val="90000"/>
+      </a:schemeClr>
+    </dgm:fillClrLst>
+    <dgm:linClrLst>
+      <a:schemeClr val="accent5"/>
+      <a:schemeClr val="accent6"/>
+    </dgm:linClrLst>
+    <dgm:effectClrLst/>
+    <dgm:txLinClrLst/>
+    <dgm:txFillClrLst meth="repeat">
+      <a:schemeClr val="dk1"/>
+    </dgm:txFillClrLst>
+    <dgm:txEffectClrLst/>
+  </dgm:styleLbl>
+  <dgm:styleLbl name="alignAcc1">
+    <dgm:fillClrLst meth="repeat">
+      <a:schemeClr val="lt1">
+        <a:alpha val="90000"/>
+      </a:schemeClr>
+    </dgm:fillClrLst>
+    <dgm:linClrLst>
+      <a:schemeClr val="accent5"/>
+      <a:schemeClr val="accent6"/>
+    </dgm:linClrLst>
+    <dgm:effectClrLst/>
+    <dgm:txLinClrLst/>
+    <dgm:txFillClrLst meth="repeat">
+      <a:schemeClr val="dk1"/>
+    </dgm:txFillClrLst>
+    <dgm:txEffectClrLst/>
+  </dgm:styleLbl>
+  <dgm:styleLbl name="trAlignAcc1">
+    <dgm:fillClrLst meth="repeat">
+      <a:schemeClr val="lt1">
+        <a:alpha val="40000"/>
+      </a:schemeClr>
+    </dgm:fillClrLst>
+    <dgm:linClrLst meth="repeat">
+      <a:schemeClr val="accent5"/>
+    </dgm:linClrLst>
+    <dgm:effectClrLst/>
+    <dgm:txLinClrLst/>
+    <dgm:txFillClrLst meth="repeat">
+      <a:schemeClr val="dk1"/>
+    </dgm:txFillClrLst>
+    <dgm:txEffectClrLst/>
+  </dgm:styleLbl>
+  <dgm:styleLbl name="bgAcc1">
+    <dgm:fillClrLst meth="repeat">
+      <a:schemeClr val="lt1">
+        <a:alpha val="90000"/>
+      </a:schemeClr>
+    </dgm:fillClrLst>
+    <dgm:linClrLst>
+      <a:schemeClr val="accent5"/>
+      <a:schemeClr val="accent6"/>
+    </dgm:linClrLst>
+    <dgm:effectClrLst/>
+    <dgm:txLinClrLst/>
+    <dgm:txFillClrLst meth="repeat">
+      <a:schemeClr val="dk1"/>
+    </dgm:txFillClrLst>
+    <dgm:txEffectClrLst/>
+  </dgm:styleLbl>
+  <dgm:styleLbl name="solidFgAcc1">
+    <dgm:fillClrLst meth="repeat">
+      <a:schemeClr val="lt1"/>
+    </dgm:fillClrLst>
+    <dgm:linClrLst>
+      <a:schemeClr val="accent5"/>
+      <a:schemeClr val="accent6"/>
+    </dgm:linClrLst>
+    <dgm:effectClrLst/>
+    <dgm:txLinClrLst/>
+    <dgm:txFillClrLst meth="repeat">
+      <a:schemeClr val="dk1"/>
+    </dgm:txFillClrLst>
+    <dgm:txEffectClrLst/>
+  </dgm:styleLbl>
+  <dgm:styleLbl name="solidAlignAcc1">
+    <dgm:fillClrLst meth="repeat">
+      <a:schemeClr val="lt1"/>
+    </dgm:fillClrLst>
+    <dgm:linClrLst>
+      <a:schemeClr val="accent5"/>
+      <a:schemeClr val="accent6"/>
+    </dgm:linClrLst>
+    <dgm:effectClrLst/>
+    <dgm:txLinClrLst/>
+    <dgm:txFillClrLst meth="repeat">
+      <a:schemeClr val="dk1"/>
+    </dgm:txFillClrLst>
+    <dgm:txEffectClrLst/>
+  </dgm:styleLbl>
+  <dgm:styleLbl name="solidBgAcc1">
+    <dgm:fillClrLst meth="repeat">
+      <a:schemeClr val="lt1"/>
+    </dgm:fillClrLst>
+    <dgm:linClrLst>
+      <a:schemeClr val="accent5"/>
+      <a:schemeClr val="accent6"/>
+    </dgm:linClrLst>
+    <dgm:effectClrLst/>
+    <dgm:txLinClrLst/>
+    <dgm:txFillClrLst meth="repeat">
+      <a:schemeClr val="dk1"/>
+    </dgm:txFillClrLst>
+    <dgm:txEffectClrLst/>
+  </dgm:styleLbl>
+  <dgm:styleLbl name="fgAccFollowNode1">
+    <dgm:fillClrLst>
+      <a:schemeClr val="accent5">
+        <a:tint val="40000"/>
+        <a:alpha val="90000"/>
+      </a:schemeClr>
+      <a:schemeClr val="accent6">
+        <a:tint val="40000"/>
+        <a:alpha val="90000"/>
+      </a:schemeClr>
+    </dgm:fillClrLst>
+    <dgm:linClrLst>
+      <a:schemeClr val="accent5">
+        <a:tint val="40000"/>
+        <a:alpha val="90000"/>
+      </a:schemeClr>
+      <a:schemeClr val="accent5">
+        <a:tint val="40000"/>
+        <a:alpha val="90000"/>
+      </a:schemeClr>
+    </dgm:linClrLst>
+    <dgm:effectClrLst/>
+    <dgm:txLinClrLst/>
+    <dgm:txFillClrLst meth="repeat">
+      <a:schemeClr val="dk1"/>
+    </dgm:txFillClrLst>
+    <dgm:txEffectClrLst/>
+  </dgm:styleLbl>
+  <dgm:styleLbl name="alignAccFollowNode1">
+    <dgm:fillClrLst>
+      <a:schemeClr val="accent5">
+        <a:tint val="40000"/>
+        <a:alpha val="90000"/>
+      </a:schemeClr>
+      <a:schemeClr val="accent6">
+        <a:tint val="40000"/>
+        <a:alpha val="90000"/>
+      </a:schemeClr>
+    </dgm:fillClrLst>
+    <dgm:linClrLst>
+      <a:schemeClr val="accent5">
+        <a:tint val="40000"/>
+        <a:alpha val="90000"/>
+      </a:schemeClr>
+      <a:schemeClr val="accent6">
+        <a:tint val="40000"/>
+        <a:alpha val="90000"/>
+      </a:schemeClr>
+    </dgm:linClrLst>
+    <dgm:effectClrLst/>
+    <dgm:txLinClrLst/>
+    <dgm:txFillClrLst meth="repeat">
+      <a:schemeClr val="dk1"/>
+    </dgm:txFillClrLst>
+    <dgm:txEffectClrLst/>
+  </dgm:styleLbl>
+  <dgm:styleLbl name="bgAccFollowNode1">
+    <dgm:fillClrLst>
+      <a:schemeClr val="accent5">
+        <a:tint val="40000"/>
+        <a:alpha val="90000"/>
+      </a:schemeClr>
+      <a:schemeClr val="accent6">
+        <a:tint val="40000"/>
+        <a:alpha val="90000"/>
+      </a:schemeClr>
+    </dgm:fillClrLst>
+    <dgm:linClrLst>
+      <a:schemeClr val="accent5">
+        <a:tint val="40000"/>
+        <a:alpha val="90000"/>
+      </a:schemeClr>
+      <a:schemeClr val="accent6">
+        <a:tint val="40000"/>
+        <a:alpha val="90000"/>
+      </a:schemeClr>
+    </dgm:linClrLst>
+    <dgm:effectClrLst/>
+    <dgm:txLinClrLst/>
+    <dgm:txFillClrLst meth="repeat">
+      <a:schemeClr val="dk1"/>
+    </dgm:txFillClrLst>
+    <dgm:txEffectClrLst/>
+  </dgm:styleLbl>
+  <dgm:styleLbl name="fgAcc0">
+    <dgm:fillClrLst meth="repeat">
+      <a:schemeClr val="lt1">
+        <a:alpha val="90000"/>
+      </a:schemeClr>
+    </dgm:fillClrLst>
+    <dgm:linClrLst>
+      <a:schemeClr val="accent4"/>
+    </dgm:linClrLst>
+    <dgm:effectClrLst/>
+    <dgm:txLinClrLst/>
+    <dgm:txFillClrLst meth="repeat">
+      <a:schemeClr val="dk1"/>
+    </dgm:txFillClrLst>
+    <dgm:txEffectClrLst/>
+  </dgm:styleLbl>
+  <dgm:styleLbl name="fgAcc2">
+    <dgm:fillClrLst meth="repeat">
+      <a:schemeClr val="lt1">
+        <a:alpha val="90000"/>
+      </a:schemeClr>
+    </dgm:fillClrLst>
+    <dgm:linClrLst>
+      <a:schemeClr val="accent6"/>
+    </dgm:linClrLst>
+    <dgm:effectClrLst/>
+    <dgm:txLinClrLst/>
+    <dgm:txFillClrLst meth="repeat">
+      <a:schemeClr val="dk1"/>
+    </dgm:txFillClrLst>
+    <dgm:txEffectClrLst/>
+  </dgm:styleLbl>
+  <dgm:styleLbl name="fgAcc3">
+    <dgm:fillClrLst meth="repeat">
+      <a:schemeClr val="lt1">
+        <a:alpha val="90000"/>
+      </a:schemeClr>
+    </dgm:fillClrLst>
+    <dgm:linClrLst>
+      <a:schemeClr val="accent1"/>
+    </dgm:linClrLst>
+    <dgm:effectClrLst/>
+    <dgm:txLinClrLst/>
+    <dgm:txFillClrLst meth="repeat">
+      <a:schemeClr val="dk1"/>
+    </dgm:txFillClrLst>
+    <dgm:txEffectClrLst/>
+  </dgm:styleLbl>
+  <dgm:styleLbl name="fgAcc4">
+    <dgm:fillClrLst meth="repeat">
+      <a:schemeClr val="lt1">
+        <a:alpha val="90000"/>
+      </a:schemeClr>
+    </dgm:fillClrLst>
+    <dgm:linClrLst>
+      <a:schemeClr val="accent2"/>
+    </dgm:linClrLst>
+    <dgm:effectClrLst/>
+    <dgm:txLinClrLst/>
+    <dgm:txFillClrLst meth="repeat">
+      <a:schemeClr val="dk1"/>
+    </dgm:txFillClrLst>
+    <dgm:txEffectClrLst/>
+  </dgm:styleLbl>
+  <dgm:styleLbl name="bgShp">
+    <dgm:fillClrLst meth="repeat">
+      <a:schemeClr val="accent5">
+        <a:tint val="40000"/>
+      </a:schemeClr>
+    </dgm:fillClrLst>
+    <dgm:linClrLst meth="repeat">
+      <a:schemeClr val="dk1"/>
+    </dgm:linClrLst>
+    <dgm:effectClrLst/>
+    <dgm:txLinClrLst/>
+    <dgm:txFillClrLst meth="repeat">
+      <a:schemeClr val="dk1"/>
+    </dgm:txFillClrLst>
+    <dgm:txEffectClrLst/>
+  </dgm:styleLbl>
+  <dgm:styleLbl name="dkBgShp">
+    <dgm:fillClrLst meth="repeat">
+      <a:schemeClr val="accent5">
+        <a:shade val="90000"/>
+      </a:schemeClr>
+    </dgm:fillClrLst>
+    <dgm:linClrLst meth="repeat">
+      <a:schemeClr val="dk1"/>
+    </dgm:linClrLst>
+    <dgm:effectClrLst/>
+    <dgm:txLinClrLst/>
+    <dgm:txFillClrLst meth="repeat">
+      <a:schemeClr val="lt1"/>
+    </dgm:txFillClrLst>
+    <dgm:txEffectClrLst/>
+  </dgm:styleLbl>
+  <dgm:styleLbl name="trBgShp">
+    <dgm:fillClrLst meth="repeat">
+      <a:schemeClr val="accent5">
+        <a:tint val="50000"/>
+        <a:alpha val="40000"/>
+      </a:schemeClr>
+    </dgm:fillClrLst>
+    <dgm:linClrLst meth="repeat">
+      <a:schemeClr val="accent5"/>
+    </dgm:linClrLst>
+    <dgm:effectClrLst/>
+    <dgm:txLinClrLst/>
+    <dgm:txFillClrLst meth="repeat">
+      <a:schemeClr val="lt1"/>
+    </dgm:txFillClrLst>
+    <dgm:txEffectClrLst/>
+  </dgm:styleLbl>
+  <dgm:styleLbl name="fgShp">
+    <dgm:fillClrLst meth="repeat">
+      <a:schemeClr val="accent5">
+        <a:tint val="40000"/>
+      </a:schemeClr>
+    </dgm:fillClrLst>
+    <dgm:linClrLst meth="repeat">
+      <a:schemeClr val="lt1"/>
+    </dgm:linClrLst>
+    <dgm:effectClrLst/>
+    <dgm:txLinClrLst/>
+    <dgm:txFillClrLst meth="repeat">
+      <a:schemeClr val="dk1"/>
+    </dgm:txFillClrLst>
+    <dgm:txEffectClrLst/>
+  </dgm:styleLbl>
+  <dgm:styleLbl name="revTx">
+    <dgm:fillClrLst meth="repeat">
+      <a:schemeClr val="lt1">
+        <a:alpha val="0"/>
+      </a:schemeClr>
+    </dgm:fillClrLst>
+    <dgm:linClrLst meth="repeat">
+      <a:schemeClr val="dk1">
+        <a:alpha val="0"/>
+      </a:schemeClr>
+    </dgm:linClrLst>
+    <dgm:effectClrLst/>
+    <dgm:txLinClrLst/>
+    <dgm:txFillClrLst meth="repeat">
+      <a:schemeClr val="tx1"/>
+    </dgm:txFillClrLst>
+    <dgm:txEffectClrLst/>
+  </dgm:styleLbl>
+</dgm:colorsDef>
+</file>
+
+<file path=ppt/diagrams/data1.xml><?xml version="1.0" encoding="utf-8"?>
+<dgm:dataModel xmlns:dgm="http://schemas.openxmlformats.org/drawingml/2006/diagram" xmlns:a="http://schemas.openxmlformats.org/drawingml/2006/main">
+  <dgm:ptLst>
+    <dgm:pt modelId="{9A82EB0C-4F0F-4A8C-A146-43F008FB0072}" type="doc">
+      <dgm:prSet loTypeId="urn:microsoft.com/office/officeart/2005/8/layout/vList2" loCatId="list" qsTypeId="urn:microsoft.com/office/officeart/2005/8/quickstyle/simple4" qsCatId="simple" csTypeId="urn:microsoft.com/office/officeart/2005/8/colors/colorful5" csCatId="colorful"/>
+      <dgm:spPr/>
+      <dgm:t>
+        <a:bodyPr/>
+        <a:lstStyle/>
+        <a:p>
+          <a:endParaRPr lang="en-US"/>
+        </a:p>
+      </dgm:t>
+    </dgm:pt>
+    <dgm:pt modelId="{421213B0-2C55-49B1-9424-1173DB01277A}">
+      <dgm:prSet/>
+      <dgm:spPr/>
+      <dgm:t>
+        <a:bodyPr/>
+        <a:lstStyle/>
+        <a:p>
+          <a:r>
+            <a:rPr lang="ru-RU"/>
+            <a:t>Написан на </a:t>
+          </a:r>
+          <a:r>
+            <a:rPr lang="en-US"/>
+            <a:t>Flask, python</a:t>
+          </a:r>
+        </a:p>
+      </dgm:t>
+    </dgm:pt>
+    <dgm:pt modelId="{BD115C03-2408-4F6B-A407-0E823143E699}" type="parTrans" cxnId="{6AA23789-A235-42F7-B986-783A454B88C8}">
+      <dgm:prSet/>
+      <dgm:spPr/>
+      <dgm:t>
+        <a:bodyPr/>
+        <a:lstStyle/>
+        <a:p>
+          <a:endParaRPr lang="en-US"/>
+        </a:p>
+      </dgm:t>
+    </dgm:pt>
+    <dgm:pt modelId="{85394067-7F85-4547-9C01-80C5D0B9C279}" type="sibTrans" cxnId="{6AA23789-A235-42F7-B986-783A454B88C8}">
+      <dgm:prSet/>
+      <dgm:spPr/>
+      <dgm:t>
+        <a:bodyPr/>
+        <a:lstStyle/>
+        <a:p>
+          <a:endParaRPr lang="en-US"/>
+        </a:p>
+      </dgm:t>
+    </dgm:pt>
+    <dgm:pt modelId="{5190D876-915B-410F-A6DD-C03B8114C280}">
+      <dgm:prSet/>
+      <dgm:spPr/>
+      <dgm:t>
+        <a:bodyPr/>
+        <a:lstStyle/>
+        <a:p>
+          <a:r>
+            <a:rPr lang="ru-RU"/>
+            <a:t>Использован также </a:t>
+          </a:r>
+          <a:r>
+            <a:rPr lang="en-US"/>
+            <a:t>html, css</a:t>
+          </a:r>
+        </a:p>
+      </dgm:t>
+    </dgm:pt>
+    <dgm:pt modelId="{5250AE90-5ED8-4394-951C-BB11D72FADBF}" type="parTrans" cxnId="{1298FF95-2FE9-450E-8FC8-D73577ECA07B}">
+      <dgm:prSet/>
+      <dgm:spPr/>
+      <dgm:t>
+        <a:bodyPr/>
+        <a:lstStyle/>
+        <a:p>
+          <a:endParaRPr lang="en-US"/>
+        </a:p>
+      </dgm:t>
+    </dgm:pt>
+    <dgm:pt modelId="{EC91BA93-2550-477E-BF2B-BD1EE0F4833D}" type="sibTrans" cxnId="{1298FF95-2FE9-450E-8FC8-D73577ECA07B}">
+      <dgm:prSet/>
+      <dgm:spPr/>
+      <dgm:t>
+        <a:bodyPr/>
+        <a:lstStyle/>
+        <a:p>
+          <a:endParaRPr lang="en-US"/>
+        </a:p>
+      </dgm:t>
+    </dgm:pt>
+    <dgm:pt modelId="{D6BB9CFE-BAFE-41E8-8F7C-5E772E0479BA}">
+      <dgm:prSet/>
+      <dgm:spPr/>
+      <dgm:t>
+        <a:bodyPr/>
+        <a:lstStyle/>
+        <a:p>
+          <a:r>
+            <a:rPr lang="ru-RU"/>
+            <a:t>Корректная работа тестирующей системы на всех тестах(есть защита)</a:t>
+          </a:r>
+          <a:endParaRPr lang="en-US"/>
+        </a:p>
+      </dgm:t>
+    </dgm:pt>
+    <dgm:pt modelId="{64947138-496F-4258-98F4-D96F9BF2AF27}" type="parTrans" cxnId="{71FC21AD-9603-4F33-8C8E-3813A32B54CF}">
+      <dgm:prSet/>
+      <dgm:spPr/>
+      <dgm:t>
+        <a:bodyPr/>
+        <a:lstStyle/>
+        <a:p>
+          <a:endParaRPr lang="en-US"/>
+        </a:p>
+      </dgm:t>
+    </dgm:pt>
+    <dgm:pt modelId="{9FDEB85C-ACCF-44ED-92AF-CD1EFD8DC1F4}" type="sibTrans" cxnId="{71FC21AD-9603-4F33-8C8E-3813A32B54CF}">
+      <dgm:prSet/>
+      <dgm:spPr/>
+      <dgm:t>
+        <a:bodyPr/>
+        <a:lstStyle/>
+        <a:p>
+          <a:endParaRPr lang="en-US"/>
+        </a:p>
+      </dgm:t>
+    </dgm:pt>
+    <dgm:pt modelId="{BA9253DE-B773-4E94-9245-E6E6E8D30D6C}">
+      <dgm:prSet/>
+      <dgm:spPr/>
+      <dgm:t>
+        <a:bodyPr/>
+        <a:lstStyle/>
+        <a:p>
+          <a:r>
+            <a:rPr lang="ru-RU"/>
+            <a:t>Есть регистрация</a:t>
+          </a:r>
+          <a:endParaRPr lang="en-US"/>
+        </a:p>
+      </dgm:t>
+    </dgm:pt>
+    <dgm:pt modelId="{11250181-274C-49DB-B2C6-02A3F0710DE9}" type="parTrans" cxnId="{D50AA9A1-2100-49E3-BE36-C1DD1BFC8E69}">
+      <dgm:prSet/>
+      <dgm:spPr/>
+      <dgm:t>
+        <a:bodyPr/>
+        <a:lstStyle/>
+        <a:p>
+          <a:endParaRPr lang="en-US"/>
+        </a:p>
+      </dgm:t>
+    </dgm:pt>
+    <dgm:pt modelId="{0CBB6FED-E22D-4BDF-9F96-B018CB00618A}" type="sibTrans" cxnId="{D50AA9A1-2100-49E3-BE36-C1DD1BFC8E69}">
+      <dgm:prSet/>
+      <dgm:spPr/>
+      <dgm:t>
+        <a:bodyPr/>
+        <a:lstStyle/>
+        <a:p>
+          <a:endParaRPr lang="en-US"/>
+        </a:p>
+      </dgm:t>
+    </dgm:pt>
+    <dgm:pt modelId="{03EDBFAE-D2DE-4CF8-A066-DDC5CD25AEB2}">
+      <dgm:prSet/>
+      <dgm:spPr/>
+      <dgm:t>
+        <a:bodyPr/>
+        <a:lstStyle/>
+        <a:p>
+          <a:r>
+            <a:rPr lang="ru-RU"/>
+            <a:t>Добавлен обработчик ошибок</a:t>
+          </a:r>
+          <a:endParaRPr lang="en-US"/>
+        </a:p>
+      </dgm:t>
+    </dgm:pt>
+    <dgm:pt modelId="{0E23EAA9-B45A-4742-A39E-C04BEA3DB12F}" type="parTrans" cxnId="{A43F5AFA-1B75-49BA-9785-1D10EA2F888D}">
+      <dgm:prSet/>
+      <dgm:spPr/>
+      <dgm:t>
+        <a:bodyPr/>
+        <a:lstStyle/>
+        <a:p>
+          <a:endParaRPr lang="en-US"/>
+        </a:p>
+      </dgm:t>
+    </dgm:pt>
+    <dgm:pt modelId="{0FC0913E-7365-4499-9205-1B0DCEAEBB5A}" type="sibTrans" cxnId="{A43F5AFA-1B75-49BA-9785-1D10EA2F888D}">
+      <dgm:prSet/>
+      <dgm:spPr/>
+      <dgm:t>
+        <a:bodyPr/>
+        <a:lstStyle/>
+        <a:p>
+          <a:endParaRPr lang="en-US"/>
+        </a:p>
+      </dgm:t>
+    </dgm:pt>
+    <dgm:pt modelId="{F6AE0635-64D4-4D02-BAFA-8E9CEF070C33}" type="pres">
+      <dgm:prSet presAssocID="{9A82EB0C-4F0F-4A8C-A146-43F008FB0072}" presName="linear" presStyleCnt="0">
+        <dgm:presLayoutVars>
+          <dgm:animLvl val="lvl"/>
+          <dgm:resizeHandles val="exact"/>
+        </dgm:presLayoutVars>
+      </dgm:prSet>
+      <dgm:spPr/>
+    </dgm:pt>
+    <dgm:pt modelId="{A872BA03-CD4D-453C-9593-B676DD5EA7EC}" type="pres">
+      <dgm:prSet presAssocID="{421213B0-2C55-49B1-9424-1173DB01277A}" presName="parentText" presStyleLbl="node1" presStyleIdx="0" presStyleCnt="5">
+        <dgm:presLayoutVars>
+          <dgm:chMax val="0"/>
+          <dgm:bulletEnabled val="1"/>
+        </dgm:presLayoutVars>
+      </dgm:prSet>
+      <dgm:spPr/>
+    </dgm:pt>
+    <dgm:pt modelId="{8D7A16B8-62FC-44CB-9FAF-171AFE32916C}" type="pres">
+      <dgm:prSet presAssocID="{85394067-7F85-4547-9C01-80C5D0B9C279}" presName="spacer" presStyleCnt="0"/>
+      <dgm:spPr/>
+    </dgm:pt>
+    <dgm:pt modelId="{3131C164-CB62-45CC-8C36-347663EFAD82}" type="pres">
+      <dgm:prSet presAssocID="{5190D876-915B-410F-A6DD-C03B8114C280}" presName="parentText" presStyleLbl="node1" presStyleIdx="1" presStyleCnt="5">
+        <dgm:presLayoutVars>
+          <dgm:chMax val="0"/>
+          <dgm:bulletEnabled val="1"/>
+        </dgm:presLayoutVars>
+      </dgm:prSet>
+      <dgm:spPr/>
+    </dgm:pt>
+    <dgm:pt modelId="{56AB22F7-93D5-4965-A104-6B48DCE027C9}" type="pres">
+      <dgm:prSet presAssocID="{EC91BA93-2550-477E-BF2B-BD1EE0F4833D}" presName="spacer" presStyleCnt="0"/>
+      <dgm:spPr/>
+    </dgm:pt>
+    <dgm:pt modelId="{DEDD7306-121C-4C6B-9BB4-34995BE25721}" type="pres">
+      <dgm:prSet presAssocID="{D6BB9CFE-BAFE-41E8-8F7C-5E772E0479BA}" presName="parentText" presStyleLbl="node1" presStyleIdx="2" presStyleCnt="5">
+        <dgm:presLayoutVars>
+          <dgm:chMax val="0"/>
+          <dgm:bulletEnabled val="1"/>
+        </dgm:presLayoutVars>
+      </dgm:prSet>
+      <dgm:spPr/>
+    </dgm:pt>
+    <dgm:pt modelId="{12305021-709C-4216-A57B-D6142C2324F8}" type="pres">
+      <dgm:prSet presAssocID="{9FDEB85C-ACCF-44ED-92AF-CD1EFD8DC1F4}" presName="spacer" presStyleCnt="0"/>
+      <dgm:spPr/>
+    </dgm:pt>
+    <dgm:pt modelId="{598E8C84-9FF8-485A-8975-0DC46CC0E2AE}" type="pres">
+      <dgm:prSet presAssocID="{BA9253DE-B773-4E94-9245-E6E6E8D30D6C}" presName="parentText" presStyleLbl="node1" presStyleIdx="3" presStyleCnt="5">
+        <dgm:presLayoutVars>
+          <dgm:chMax val="0"/>
+          <dgm:bulletEnabled val="1"/>
+        </dgm:presLayoutVars>
+      </dgm:prSet>
+      <dgm:spPr/>
+    </dgm:pt>
+    <dgm:pt modelId="{C92E36D0-D49F-4D61-B44F-C19C33F0B565}" type="pres">
+      <dgm:prSet presAssocID="{0CBB6FED-E22D-4BDF-9F96-B018CB00618A}" presName="spacer" presStyleCnt="0"/>
+      <dgm:spPr/>
+    </dgm:pt>
+    <dgm:pt modelId="{66DF2624-32AC-4A2F-A72B-940E52C41D2C}" type="pres">
+      <dgm:prSet presAssocID="{03EDBFAE-D2DE-4CF8-A066-DDC5CD25AEB2}" presName="parentText" presStyleLbl="node1" presStyleIdx="4" presStyleCnt="5">
+        <dgm:presLayoutVars>
+          <dgm:chMax val="0"/>
+          <dgm:bulletEnabled val="1"/>
+        </dgm:presLayoutVars>
+      </dgm:prSet>
+      <dgm:spPr/>
+    </dgm:pt>
+  </dgm:ptLst>
+  <dgm:cxnLst>
+    <dgm:cxn modelId="{88E85302-67AF-4149-AA44-D599FAE7D7F6}" type="presOf" srcId="{03EDBFAE-D2DE-4CF8-A066-DDC5CD25AEB2}" destId="{66DF2624-32AC-4A2F-A72B-940E52C41D2C}" srcOrd="0" destOrd="0" presId="urn:microsoft.com/office/officeart/2005/8/layout/vList2"/>
+    <dgm:cxn modelId="{7C2F930E-65CF-4E50-91E4-EABB9ED2C186}" type="presOf" srcId="{5190D876-915B-410F-A6DD-C03B8114C280}" destId="{3131C164-CB62-45CC-8C36-347663EFAD82}" srcOrd="0" destOrd="0" presId="urn:microsoft.com/office/officeart/2005/8/layout/vList2"/>
+    <dgm:cxn modelId="{F6AC322C-B4EE-4D50-AA63-BFEE673762E6}" type="presOf" srcId="{9A82EB0C-4F0F-4A8C-A146-43F008FB0072}" destId="{F6AE0635-64D4-4D02-BAFA-8E9CEF070C33}" srcOrd="0" destOrd="0" presId="urn:microsoft.com/office/officeart/2005/8/layout/vList2"/>
+    <dgm:cxn modelId="{91BB666F-8C7D-4EB4-A643-D8115E4A2901}" type="presOf" srcId="{BA9253DE-B773-4E94-9245-E6E6E8D30D6C}" destId="{598E8C84-9FF8-485A-8975-0DC46CC0E2AE}" srcOrd="0" destOrd="0" presId="urn:microsoft.com/office/officeart/2005/8/layout/vList2"/>
+    <dgm:cxn modelId="{1600A254-16DE-4017-A9D1-6E4862D708A3}" type="presOf" srcId="{421213B0-2C55-49B1-9424-1173DB01277A}" destId="{A872BA03-CD4D-453C-9593-B676DD5EA7EC}" srcOrd="0" destOrd="0" presId="urn:microsoft.com/office/officeart/2005/8/layout/vList2"/>
+    <dgm:cxn modelId="{6AA23789-A235-42F7-B986-783A454B88C8}" srcId="{9A82EB0C-4F0F-4A8C-A146-43F008FB0072}" destId="{421213B0-2C55-49B1-9424-1173DB01277A}" srcOrd="0" destOrd="0" parTransId="{BD115C03-2408-4F6B-A407-0E823143E699}" sibTransId="{85394067-7F85-4547-9C01-80C5D0B9C279}"/>
+    <dgm:cxn modelId="{3B9F2092-5836-401F-B79B-4AA8588CD23D}" type="presOf" srcId="{D6BB9CFE-BAFE-41E8-8F7C-5E772E0479BA}" destId="{DEDD7306-121C-4C6B-9BB4-34995BE25721}" srcOrd="0" destOrd="0" presId="urn:microsoft.com/office/officeart/2005/8/layout/vList2"/>
+    <dgm:cxn modelId="{1298FF95-2FE9-450E-8FC8-D73577ECA07B}" srcId="{9A82EB0C-4F0F-4A8C-A146-43F008FB0072}" destId="{5190D876-915B-410F-A6DD-C03B8114C280}" srcOrd="1" destOrd="0" parTransId="{5250AE90-5ED8-4394-951C-BB11D72FADBF}" sibTransId="{EC91BA93-2550-477E-BF2B-BD1EE0F4833D}"/>
+    <dgm:cxn modelId="{D50AA9A1-2100-49E3-BE36-C1DD1BFC8E69}" srcId="{9A82EB0C-4F0F-4A8C-A146-43F008FB0072}" destId="{BA9253DE-B773-4E94-9245-E6E6E8D30D6C}" srcOrd="3" destOrd="0" parTransId="{11250181-274C-49DB-B2C6-02A3F0710DE9}" sibTransId="{0CBB6FED-E22D-4BDF-9F96-B018CB00618A}"/>
+    <dgm:cxn modelId="{71FC21AD-9603-4F33-8C8E-3813A32B54CF}" srcId="{9A82EB0C-4F0F-4A8C-A146-43F008FB0072}" destId="{D6BB9CFE-BAFE-41E8-8F7C-5E772E0479BA}" srcOrd="2" destOrd="0" parTransId="{64947138-496F-4258-98F4-D96F9BF2AF27}" sibTransId="{9FDEB85C-ACCF-44ED-92AF-CD1EFD8DC1F4}"/>
+    <dgm:cxn modelId="{A43F5AFA-1B75-49BA-9785-1D10EA2F888D}" srcId="{9A82EB0C-4F0F-4A8C-A146-43F008FB0072}" destId="{03EDBFAE-D2DE-4CF8-A066-DDC5CD25AEB2}" srcOrd="4" destOrd="0" parTransId="{0E23EAA9-B45A-4742-A39E-C04BEA3DB12F}" sibTransId="{0FC0913E-7365-4499-9205-1B0DCEAEBB5A}"/>
+    <dgm:cxn modelId="{ED702942-5579-4DF0-8C8C-0831DC3C895E}" type="presParOf" srcId="{F6AE0635-64D4-4D02-BAFA-8E9CEF070C33}" destId="{A872BA03-CD4D-453C-9593-B676DD5EA7EC}" srcOrd="0" destOrd="0" presId="urn:microsoft.com/office/officeart/2005/8/layout/vList2"/>
+    <dgm:cxn modelId="{74C3E061-6812-4F2A-B97B-372D3E3C0FD2}" type="presParOf" srcId="{F6AE0635-64D4-4D02-BAFA-8E9CEF070C33}" destId="{8D7A16B8-62FC-44CB-9FAF-171AFE32916C}" srcOrd="1" destOrd="0" presId="urn:microsoft.com/office/officeart/2005/8/layout/vList2"/>
+    <dgm:cxn modelId="{29E501F1-E228-4D5D-9A27-DC9C43146926}" type="presParOf" srcId="{F6AE0635-64D4-4D02-BAFA-8E9CEF070C33}" destId="{3131C164-CB62-45CC-8C36-347663EFAD82}" srcOrd="2" destOrd="0" presId="urn:microsoft.com/office/officeart/2005/8/layout/vList2"/>
+    <dgm:cxn modelId="{3BC584E8-608C-4877-884A-29416F857678}" type="presParOf" srcId="{F6AE0635-64D4-4D02-BAFA-8E9CEF070C33}" destId="{56AB22F7-93D5-4965-A104-6B48DCE027C9}" srcOrd="3" destOrd="0" presId="urn:microsoft.com/office/officeart/2005/8/layout/vList2"/>
+    <dgm:cxn modelId="{A3698822-52F9-4D49-B243-5DDDAB7849F1}" type="presParOf" srcId="{F6AE0635-64D4-4D02-BAFA-8E9CEF070C33}" destId="{DEDD7306-121C-4C6B-9BB4-34995BE25721}" srcOrd="4" destOrd="0" presId="urn:microsoft.com/office/officeart/2005/8/layout/vList2"/>
+    <dgm:cxn modelId="{D29876F9-8611-414D-AAE9-1031FE720998}" type="presParOf" srcId="{F6AE0635-64D4-4D02-BAFA-8E9CEF070C33}" destId="{12305021-709C-4216-A57B-D6142C2324F8}" srcOrd="5" destOrd="0" presId="urn:microsoft.com/office/officeart/2005/8/layout/vList2"/>
+    <dgm:cxn modelId="{40CF8149-5559-4CA7-B26D-22D227A84E50}" type="presParOf" srcId="{F6AE0635-64D4-4D02-BAFA-8E9CEF070C33}" destId="{598E8C84-9FF8-485A-8975-0DC46CC0E2AE}" srcOrd="6" destOrd="0" presId="urn:microsoft.com/office/officeart/2005/8/layout/vList2"/>
+    <dgm:cxn modelId="{62E98E54-23D1-4E8F-9E85-D5E129CC77B6}" type="presParOf" srcId="{F6AE0635-64D4-4D02-BAFA-8E9CEF070C33}" destId="{C92E36D0-D49F-4D61-B44F-C19C33F0B565}" srcOrd="7" destOrd="0" presId="urn:microsoft.com/office/officeart/2005/8/layout/vList2"/>
+    <dgm:cxn modelId="{002C34D7-7C4C-496F-A8B3-A83D470C8E6B}" type="presParOf" srcId="{F6AE0635-64D4-4D02-BAFA-8E9CEF070C33}" destId="{66DF2624-32AC-4A2F-A72B-940E52C41D2C}" srcOrd="8" destOrd="0" presId="urn:microsoft.com/office/officeart/2005/8/layout/vList2"/>
+  </dgm:cxnLst>
+  <dgm:bg/>
+  <dgm:whole/>
+  <dgm:extLst>
+    <a:ext uri="http://schemas.microsoft.com/office/drawing/2008/diagram">
+      <dsp:dataModelExt xmlns:dsp="http://schemas.microsoft.com/office/drawing/2008/diagram" relId="rId6" minVer="http://schemas.openxmlformats.org/drawingml/2006/diagram"/>
+    </a:ext>
+  </dgm:extLst>
+</dgm:dataModel>
+</file>
+
+<file path=ppt/diagrams/drawing1.xml><?xml version="1.0" encoding="utf-8"?>
+<dsp:drawing xmlns:dgm="http://schemas.openxmlformats.org/drawingml/2006/diagram" xmlns:dsp="http://schemas.microsoft.com/office/drawing/2008/diagram" xmlns:a="http://schemas.openxmlformats.org/drawingml/2006/main">
+  <dsp:spTree>
+    <dsp:nvGrpSpPr>
+      <dsp:cNvPr id="0" name=""/>
+      <dsp:cNvGrpSpPr/>
+    </dsp:nvGrpSpPr>
+    <dsp:grpSpPr/>
+    <dsp:sp modelId="{A872BA03-CD4D-453C-9593-B676DD5EA7EC}">
+      <dsp:nvSpPr>
+        <dsp:cNvPr id="0" name=""/>
+        <dsp:cNvSpPr/>
+      </dsp:nvSpPr>
+      <dsp:spPr>
+        <a:xfrm>
+          <a:off x="0" y="87569"/>
+          <a:ext cx="6666833" cy="998156"/>
+        </a:xfrm>
+        <a:prstGeom prst="roundRect">
+          <a:avLst/>
+        </a:prstGeom>
+        <a:gradFill rotWithShape="0">
+          <a:gsLst>
+            <a:gs pos="0">
+              <a:schemeClr val="accent5">
+                <a:hueOff val="0"/>
+                <a:satOff val="0"/>
+                <a:lumOff val="0"/>
+                <a:alphaOff val="0"/>
+                <a:satMod val="103000"/>
+                <a:lumMod val="102000"/>
+                <a:tint val="94000"/>
+              </a:schemeClr>
+            </a:gs>
+            <a:gs pos="50000">
+              <a:schemeClr val="accent5">
+                <a:hueOff val="0"/>
+                <a:satOff val="0"/>
+                <a:lumOff val="0"/>
+                <a:alphaOff val="0"/>
+                <a:satMod val="110000"/>
+                <a:lumMod val="100000"/>
+                <a:shade val="100000"/>
+              </a:schemeClr>
+            </a:gs>
+            <a:gs pos="100000">
+              <a:schemeClr val="accent5">
+                <a:hueOff val="0"/>
+                <a:satOff val="0"/>
+                <a:lumOff val="0"/>
+                <a:alphaOff val="0"/>
+                <a:lumMod val="99000"/>
+                <a:satMod val="120000"/>
+                <a:shade val="78000"/>
+              </a:schemeClr>
+            </a:gs>
+          </a:gsLst>
+          <a:lin ang="5400000" scaled="0"/>
+        </a:gradFill>
+        <a:ln>
+          <a:noFill/>
+        </a:ln>
+        <a:effectLst/>
+      </dsp:spPr>
+      <dsp:style>
+        <a:lnRef idx="0">
+          <a:scrgbClr r="0" g="0" b="0"/>
+        </a:lnRef>
+        <a:fillRef idx="3">
+          <a:scrgbClr r="0" g="0" b="0"/>
+        </a:fillRef>
+        <a:effectRef idx="2">
+          <a:scrgbClr r="0" g="0" b="0"/>
+        </a:effectRef>
+        <a:fontRef idx="minor">
+          <a:schemeClr val="lt1"/>
+        </a:fontRef>
+      </dsp:style>
+      <dsp:txBody>
+        <a:bodyPr spcFirstLastPara="0" vert="horz" wrap="square" lIns="95250" tIns="95250" rIns="95250" bIns="95250" numCol="1" spcCol="1270" anchor="ctr" anchorCtr="0">
+          <a:noAutofit/>
+        </a:bodyPr>
+        <a:lstStyle/>
+        <a:p>
+          <a:pPr marL="0" lvl="0" indent="0" algn="l" defTabSz="1111250">
+            <a:lnSpc>
+              <a:spcPct val="90000"/>
+            </a:lnSpc>
+            <a:spcBef>
+              <a:spcPct val="0"/>
+            </a:spcBef>
+            <a:spcAft>
+              <a:spcPct val="35000"/>
+            </a:spcAft>
+            <a:buNone/>
+          </a:pPr>
+          <a:r>
+            <a:rPr lang="ru-RU" sz="2500" kern="1200"/>
+            <a:t>Написан на </a:t>
+          </a:r>
+          <a:r>
+            <a:rPr lang="en-US" sz="2500" kern="1200"/>
+            <a:t>Flask, python</a:t>
+          </a:r>
+        </a:p>
+      </dsp:txBody>
+      <dsp:txXfrm>
+        <a:off x="48726" y="136295"/>
+        <a:ext cx="6569381" cy="900704"/>
+      </dsp:txXfrm>
+    </dsp:sp>
+    <dsp:sp modelId="{3131C164-CB62-45CC-8C36-347663EFAD82}">
+      <dsp:nvSpPr>
+        <dsp:cNvPr id="0" name=""/>
+        <dsp:cNvSpPr/>
+      </dsp:nvSpPr>
+      <dsp:spPr>
+        <a:xfrm>
+          <a:off x="0" y="1157725"/>
+          <a:ext cx="6666833" cy="998156"/>
+        </a:xfrm>
+        <a:prstGeom prst="roundRect">
+          <a:avLst/>
+        </a:prstGeom>
+        <a:gradFill rotWithShape="0">
+          <a:gsLst>
+            <a:gs pos="0">
+              <a:schemeClr val="accent5">
+                <a:hueOff val="-3038037"/>
+                <a:satOff val="-207"/>
+                <a:lumOff val="490"/>
+                <a:alphaOff val="0"/>
+                <a:satMod val="103000"/>
+                <a:lumMod val="102000"/>
+                <a:tint val="94000"/>
+              </a:schemeClr>
+            </a:gs>
+            <a:gs pos="50000">
+              <a:schemeClr val="accent5">
+                <a:hueOff val="-3038037"/>
+                <a:satOff val="-207"/>
+                <a:lumOff val="490"/>
+                <a:alphaOff val="0"/>
+                <a:satMod val="110000"/>
+                <a:lumMod val="100000"/>
+                <a:shade val="100000"/>
+              </a:schemeClr>
+            </a:gs>
+            <a:gs pos="100000">
+              <a:schemeClr val="accent5">
+                <a:hueOff val="-3038037"/>
+                <a:satOff val="-207"/>
+                <a:lumOff val="490"/>
+                <a:alphaOff val="0"/>
+                <a:lumMod val="99000"/>
+                <a:satMod val="120000"/>
+                <a:shade val="78000"/>
+              </a:schemeClr>
+            </a:gs>
+          </a:gsLst>
+          <a:lin ang="5400000" scaled="0"/>
+        </a:gradFill>
+        <a:ln>
+          <a:noFill/>
+        </a:ln>
+        <a:effectLst/>
+      </dsp:spPr>
+      <dsp:style>
+        <a:lnRef idx="0">
+          <a:scrgbClr r="0" g="0" b="0"/>
+        </a:lnRef>
+        <a:fillRef idx="3">
+          <a:scrgbClr r="0" g="0" b="0"/>
+        </a:fillRef>
+        <a:effectRef idx="2">
+          <a:scrgbClr r="0" g="0" b="0"/>
+        </a:effectRef>
+        <a:fontRef idx="minor">
+          <a:schemeClr val="lt1"/>
+        </a:fontRef>
+      </dsp:style>
+      <dsp:txBody>
+        <a:bodyPr spcFirstLastPara="0" vert="horz" wrap="square" lIns="95250" tIns="95250" rIns="95250" bIns="95250" numCol="1" spcCol="1270" anchor="ctr" anchorCtr="0">
+          <a:noAutofit/>
+        </a:bodyPr>
+        <a:lstStyle/>
+        <a:p>
+          <a:pPr marL="0" lvl="0" indent="0" algn="l" defTabSz="1111250">
+            <a:lnSpc>
+              <a:spcPct val="90000"/>
+            </a:lnSpc>
+            <a:spcBef>
+              <a:spcPct val="0"/>
+            </a:spcBef>
+            <a:spcAft>
+              <a:spcPct val="35000"/>
+            </a:spcAft>
+            <a:buNone/>
+          </a:pPr>
+          <a:r>
+            <a:rPr lang="ru-RU" sz="2500" kern="1200"/>
+            <a:t>Использован также </a:t>
+          </a:r>
+          <a:r>
+            <a:rPr lang="en-US" sz="2500" kern="1200"/>
+            <a:t>html, css</a:t>
+          </a:r>
+        </a:p>
+      </dsp:txBody>
+      <dsp:txXfrm>
+        <a:off x="48726" y="1206451"/>
+        <a:ext cx="6569381" cy="900704"/>
+      </dsp:txXfrm>
+    </dsp:sp>
+    <dsp:sp modelId="{DEDD7306-121C-4C6B-9BB4-34995BE25721}">
+      <dsp:nvSpPr>
+        <dsp:cNvPr id="0" name=""/>
+        <dsp:cNvSpPr/>
+      </dsp:nvSpPr>
+      <dsp:spPr>
+        <a:xfrm>
+          <a:off x="0" y="2227881"/>
+          <a:ext cx="6666833" cy="998156"/>
+        </a:xfrm>
+        <a:prstGeom prst="roundRect">
+          <a:avLst/>
+        </a:prstGeom>
+        <a:gradFill rotWithShape="0">
+          <a:gsLst>
+            <a:gs pos="0">
+              <a:schemeClr val="accent5">
+                <a:hueOff val="-6076075"/>
+                <a:satOff val="-413"/>
+                <a:lumOff val="981"/>
+                <a:alphaOff val="0"/>
+                <a:satMod val="103000"/>
+                <a:lumMod val="102000"/>
+                <a:tint val="94000"/>
+              </a:schemeClr>
+            </a:gs>
+            <a:gs pos="50000">
+              <a:schemeClr val="accent5">
+                <a:hueOff val="-6076075"/>
+                <a:satOff val="-413"/>
+                <a:lumOff val="981"/>
+                <a:alphaOff val="0"/>
+                <a:satMod val="110000"/>
+                <a:lumMod val="100000"/>
+                <a:shade val="100000"/>
+              </a:schemeClr>
+            </a:gs>
+            <a:gs pos="100000">
+              <a:schemeClr val="accent5">
+                <a:hueOff val="-6076075"/>
+                <a:satOff val="-413"/>
+                <a:lumOff val="981"/>
+                <a:alphaOff val="0"/>
+                <a:lumMod val="99000"/>
+                <a:satMod val="120000"/>
+                <a:shade val="78000"/>
+              </a:schemeClr>
+            </a:gs>
+          </a:gsLst>
+          <a:lin ang="5400000" scaled="0"/>
+        </a:gradFill>
+        <a:ln>
+          <a:noFill/>
+        </a:ln>
+        <a:effectLst/>
+      </dsp:spPr>
+      <dsp:style>
+        <a:lnRef idx="0">
+          <a:scrgbClr r="0" g="0" b="0"/>
+        </a:lnRef>
+        <a:fillRef idx="3">
+          <a:scrgbClr r="0" g="0" b="0"/>
+        </a:fillRef>
+        <a:effectRef idx="2">
+          <a:scrgbClr r="0" g="0" b="0"/>
+        </a:effectRef>
+        <a:fontRef idx="minor">
+          <a:schemeClr val="lt1"/>
+        </a:fontRef>
+      </dsp:style>
+      <dsp:txBody>
+        <a:bodyPr spcFirstLastPara="0" vert="horz" wrap="square" lIns="95250" tIns="95250" rIns="95250" bIns="95250" numCol="1" spcCol="1270" anchor="ctr" anchorCtr="0">
+          <a:noAutofit/>
+        </a:bodyPr>
+        <a:lstStyle/>
+        <a:p>
+          <a:pPr marL="0" lvl="0" indent="0" algn="l" defTabSz="1111250">
+            <a:lnSpc>
+              <a:spcPct val="90000"/>
+            </a:lnSpc>
+            <a:spcBef>
+              <a:spcPct val="0"/>
+            </a:spcBef>
+            <a:spcAft>
+              <a:spcPct val="35000"/>
+            </a:spcAft>
+            <a:buNone/>
+          </a:pPr>
+          <a:r>
+            <a:rPr lang="ru-RU" sz="2500" kern="1200"/>
+            <a:t>Корректная работа тестирующей системы на всех тестах(есть защита)</a:t>
+          </a:r>
+          <a:endParaRPr lang="en-US" sz="2500" kern="1200"/>
+        </a:p>
+      </dsp:txBody>
+      <dsp:txXfrm>
+        <a:off x="48726" y="2276607"/>
+        <a:ext cx="6569381" cy="900704"/>
+      </dsp:txXfrm>
+    </dsp:sp>
+    <dsp:sp modelId="{598E8C84-9FF8-485A-8975-0DC46CC0E2AE}">
+      <dsp:nvSpPr>
+        <dsp:cNvPr id="0" name=""/>
+        <dsp:cNvSpPr/>
+      </dsp:nvSpPr>
+      <dsp:spPr>
+        <a:xfrm>
+          <a:off x="0" y="3298038"/>
+          <a:ext cx="6666833" cy="998156"/>
+        </a:xfrm>
+        <a:prstGeom prst="roundRect">
+          <a:avLst/>
+        </a:prstGeom>
+        <a:gradFill rotWithShape="0">
+          <a:gsLst>
+            <a:gs pos="0">
+              <a:schemeClr val="accent5">
+                <a:hueOff val="-9114112"/>
+                <a:satOff val="-620"/>
+                <a:lumOff val="1471"/>
+                <a:alphaOff val="0"/>
+                <a:satMod val="103000"/>
+                <a:lumMod val="102000"/>
+                <a:tint val="94000"/>
+              </a:schemeClr>
+            </a:gs>
+            <a:gs pos="50000">
+              <a:schemeClr val="accent5">
+                <a:hueOff val="-9114112"/>
+                <a:satOff val="-620"/>
+                <a:lumOff val="1471"/>
+                <a:alphaOff val="0"/>
+                <a:satMod val="110000"/>
+                <a:lumMod val="100000"/>
+                <a:shade val="100000"/>
+              </a:schemeClr>
+            </a:gs>
+            <a:gs pos="100000">
+              <a:schemeClr val="accent5">
+                <a:hueOff val="-9114112"/>
+                <a:satOff val="-620"/>
+                <a:lumOff val="1471"/>
+                <a:alphaOff val="0"/>
+                <a:lumMod val="99000"/>
+                <a:satMod val="120000"/>
+                <a:shade val="78000"/>
+              </a:schemeClr>
+            </a:gs>
+          </a:gsLst>
+          <a:lin ang="5400000" scaled="0"/>
+        </a:gradFill>
+        <a:ln>
+          <a:noFill/>
+        </a:ln>
+        <a:effectLst/>
+      </dsp:spPr>
+      <dsp:style>
+        <a:lnRef idx="0">
+          <a:scrgbClr r="0" g="0" b="0"/>
+        </a:lnRef>
+        <a:fillRef idx="3">
+          <a:scrgbClr r="0" g="0" b="0"/>
+        </a:fillRef>
+        <a:effectRef idx="2">
+          <a:scrgbClr r="0" g="0" b="0"/>
+        </a:effectRef>
+        <a:fontRef idx="minor">
+          <a:schemeClr val="lt1"/>
+        </a:fontRef>
+      </dsp:style>
+      <dsp:txBody>
+        <a:bodyPr spcFirstLastPara="0" vert="horz" wrap="square" lIns="95250" tIns="95250" rIns="95250" bIns="95250" numCol="1" spcCol="1270" anchor="ctr" anchorCtr="0">
+          <a:noAutofit/>
+        </a:bodyPr>
+        <a:lstStyle/>
+        <a:p>
+          <a:pPr marL="0" lvl="0" indent="0" algn="l" defTabSz="1111250">
+            <a:lnSpc>
+              <a:spcPct val="90000"/>
+            </a:lnSpc>
+            <a:spcBef>
+              <a:spcPct val="0"/>
+            </a:spcBef>
+            <a:spcAft>
+              <a:spcPct val="35000"/>
+            </a:spcAft>
+            <a:buNone/>
+          </a:pPr>
+          <a:r>
+            <a:rPr lang="ru-RU" sz="2500" kern="1200"/>
+            <a:t>Есть регистрация</a:t>
+          </a:r>
+          <a:endParaRPr lang="en-US" sz="2500" kern="1200"/>
+        </a:p>
+      </dsp:txBody>
+      <dsp:txXfrm>
+        <a:off x="48726" y="3346764"/>
+        <a:ext cx="6569381" cy="900704"/>
+      </dsp:txXfrm>
+    </dsp:sp>
+    <dsp:sp modelId="{66DF2624-32AC-4A2F-A72B-940E52C41D2C}">
+      <dsp:nvSpPr>
+        <dsp:cNvPr id="0" name=""/>
+        <dsp:cNvSpPr/>
+      </dsp:nvSpPr>
+      <dsp:spPr>
+        <a:xfrm>
+          <a:off x="0" y="4368194"/>
+          <a:ext cx="6666833" cy="998156"/>
+        </a:xfrm>
+        <a:prstGeom prst="roundRect">
+          <a:avLst/>
+        </a:prstGeom>
+        <a:gradFill rotWithShape="0">
+          <a:gsLst>
+            <a:gs pos="0">
+              <a:schemeClr val="accent5">
+                <a:hueOff val="-12152150"/>
+                <a:satOff val="-826"/>
+                <a:lumOff val="1961"/>
+                <a:alphaOff val="0"/>
+                <a:satMod val="103000"/>
+                <a:lumMod val="102000"/>
+                <a:tint val="94000"/>
+              </a:schemeClr>
+            </a:gs>
+            <a:gs pos="50000">
+              <a:schemeClr val="accent5">
+                <a:hueOff val="-12152150"/>
+                <a:satOff val="-826"/>
+                <a:lumOff val="1961"/>
+                <a:alphaOff val="0"/>
+                <a:satMod val="110000"/>
+                <a:lumMod val="100000"/>
+                <a:shade val="100000"/>
+              </a:schemeClr>
+            </a:gs>
+            <a:gs pos="100000">
+              <a:schemeClr val="accent5">
+                <a:hueOff val="-12152150"/>
+                <a:satOff val="-826"/>
+                <a:lumOff val="1961"/>
+                <a:alphaOff val="0"/>
+                <a:lumMod val="99000"/>
+                <a:satMod val="120000"/>
+                <a:shade val="78000"/>
+              </a:schemeClr>
+            </a:gs>
+          </a:gsLst>
+          <a:lin ang="5400000" scaled="0"/>
+        </a:gradFill>
+        <a:ln>
+          <a:noFill/>
+        </a:ln>
+        <a:effectLst/>
+      </dsp:spPr>
+      <dsp:style>
+        <a:lnRef idx="0">
+          <a:scrgbClr r="0" g="0" b="0"/>
+        </a:lnRef>
+        <a:fillRef idx="3">
+          <a:scrgbClr r="0" g="0" b="0"/>
+        </a:fillRef>
+        <a:effectRef idx="2">
+          <a:scrgbClr r="0" g="0" b="0"/>
+        </a:effectRef>
+        <a:fontRef idx="minor">
+          <a:schemeClr val="lt1"/>
+        </a:fontRef>
+      </dsp:style>
+      <dsp:txBody>
+        <a:bodyPr spcFirstLastPara="0" vert="horz" wrap="square" lIns="95250" tIns="95250" rIns="95250" bIns="95250" numCol="1" spcCol="1270" anchor="ctr" anchorCtr="0">
+          <a:noAutofit/>
+        </a:bodyPr>
+        <a:lstStyle/>
+        <a:p>
+          <a:pPr marL="0" lvl="0" indent="0" algn="l" defTabSz="1111250">
+            <a:lnSpc>
+              <a:spcPct val="90000"/>
+            </a:lnSpc>
+            <a:spcBef>
+              <a:spcPct val="0"/>
+            </a:spcBef>
+            <a:spcAft>
+              <a:spcPct val="35000"/>
+            </a:spcAft>
+            <a:buNone/>
+          </a:pPr>
+          <a:r>
+            <a:rPr lang="ru-RU" sz="2500" kern="1200"/>
+            <a:t>Добавлен обработчик ошибок</a:t>
+          </a:r>
+          <a:endParaRPr lang="en-US" sz="2500" kern="1200"/>
+        </a:p>
+      </dsp:txBody>
+      <dsp:txXfrm>
+        <a:off x="48726" y="4416920"/>
+        <a:ext cx="6569381" cy="900704"/>
+      </dsp:txXfrm>
+    </dsp:sp>
+  </dsp:spTree>
+</dsp:drawing>
+</file>
+
+<file path=ppt/diagrams/layout1.xml><?xml version="1.0" encoding="utf-8"?>
+<dgm:layoutDef xmlns:dgm="http://schemas.openxmlformats.org/drawingml/2006/diagram" xmlns:a="http://schemas.openxmlformats.org/drawingml/2006/main" uniqueId="urn:microsoft.com/office/officeart/2005/8/layout/vList2">
+  <dgm:title val=""/>
+  <dgm:desc val=""/>
+  <dgm:catLst>
+    <dgm:cat type="list" pri="3000"/>
+    <dgm:cat type="convert" pri="1000"/>
+  </dgm:catLst>
+  <dgm:sampData>
+    <dgm:dataModel>
+      <dgm:ptLst>
+        <dgm:pt modelId="0" type="doc"/>
+        <dgm:pt modelId="1">
+          <dgm:prSet phldr="1"/>
+        </dgm:pt>
+        <dgm:pt modelId="11">
+          <dgm:prSet phldr="1"/>
+        </dgm:pt>
+        <dgm:pt modelId="2">
+          <dgm:prSet phldr="1"/>
+        </dgm:pt>
+        <dgm:pt modelId="21">
+          <dgm:prSet phldr="1"/>
+        </dgm:pt>
+      </dgm:ptLst>
+      <dgm:cxnLst>
+        <dgm:cxn modelId="4" srcId="0" destId="1" srcOrd="0" destOrd="0"/>
+        <dgm:cxn modelId="5" srcId="0" destId="2" srcOrd="1" destOrd="0"/>
+        <dgm:cxn modelId="12" srcId="1" destId="11" srcOrd="0" destOrd="0"/>
+        <dgm:cxn modelId="23" srcId="2" destId="21" srcOrd="0" destOrd="0"/>
+      </dgm:cxnLst>
+      <dgm:bg/>
+      <dgm:whole/>
+    </dgm:dataModel>
+  </dgm:sampData>
+  <dgm:styleData>
+    <dgm:dataModel>
+      <dgm:ptLst>
+        <dgm:pt modelId="0" type="doc"/>
+        <dgm:pt modelId="1"/>
+        <dgm:pt modelId="2"/>
+      </dgm:ptLst>
+      <dgm:cxnLst>
+        <dgm:cxn modelId="3" srcId="0" destId="1" srcOrd="0" destOrd="0"/>
+        <dgm:cxn modelId="4" srcId="0" destId="2" srcOrd="1" destOrd="0"/>
+      </dgm:cxnLst>
+      <dgm:bg/>
+      <dgm:whole/>
+    </dgm:dataModel>
+  </dgm:styleData>
+  <dgm:clrData>
+    <dgm:dataModel>
+      <dgm:ptLst>
+        <dgm:pt modelId="0" type="doc"/>
+        <dgm:pt modelId="1"/>
+        <dgm:pt modelId="2"/>
+        <dgm:pt modelId="3"/>
+        <dgm:pt modelId="4"/>
+      </dgm:ptLst>
+      <dgm:cxnLst>
+        <dgm:cxn modelId="5" srcId="0" destId="1" srcOrd="0" destOrd="0"/>
+        <dgm:cxn modelId="6" srcId="0" destId="2" srcOrd="1" destOrd="0"/>
+        <dgm:cxn modelId="7" srcId="0" destId="3" srcOrd="2" destOrd="0"/>
+        <dgm:cxn modelId="8" srcId="0" destId="4" srcOrd="3" destOrd="0"/>
+      </dgm:cxnLst>
+      <dgm:bg/>
+      <dgm:whole/>
+    </dgm:dataModel>
+  </dgm:clrData>
+  <dgm:layoutNode name="linear">
+    <dgm:varLst>
+      <dgm:animLvl val="lvl"/>
+      <dgm:resizeHandles val="exact"/>
+    </dgm:varLst>
+    <dgm:alg type="lin">
+      <dgm:param type="linDir" val="fromT"/>
+      <dgm:param type="vertAlign" val="mid"/>
+    </dgm:alg>
+    <dgm:shape xmlns:r="http://schemas.openxmlformats.org/officeDocument/2006/relationships" r:blip="">
+      <dgm:adjLst/>
+    </dgm:shape>
+    <dgm:presOf/>
+    <dgm:constrLst>
+      <dgm:constr type="w" for="ch" forName="parentText" refType="w"/>
+      <dgm:constr type="h" for="ch" forName="parentText" refType="primFontSz" refFor="ch" refForName="parentText" fact="0.52"/>
+      <dgm:constr type="w" for="ch" forName="childText" refType="w"/>
+      <dgm:constr type="h" for="ch" forName="childText" refType="primFontSz" refFor="ch" refForName="parentText" fact="0.46"/>
+      <dgm:constr type="h" for="ch" forName="parentText" op="equ"/>
+      <dgm:constr type="primFontSz" for="ch" forName="parentText" op="equ" val="65"/>
+      <dgm:constr type="primFontSz" for="ch" forName="childText" refType="primFontSz" refFor="ch" refForName="parentText" op="equ"/>
+      <dgm:constr type="h" for="ch" forName="spacer" refType="primFontSz" refFor="ch" refForName="parentText" fact="0.08"/>
+    </dgm:constrLst>
+    <dgm:ruleLst>
+      <dgm:rule type="primFontSz" for="ch" forName="parentText" val="5" fact="NaN" max="NaN"/>
+    </dgm:ruleLst>
+    <dgm:forEach name="Name0" axis="ch" ptType="node">
+      <dgm:layoutNode name="parentText" styleLbl="node1">
+        <dgm:varLst>
+          <dgm:chMax val="0"/>
+          <dgm:bulletEnabled val="1"/>
+        </dgm:varLst>
+        <dgm:alg type="tx">
+          <dgm:param type="parTxLTRAlign" val="l"/>
+          <dgm:param type="parTxRTLAlign" val="r"/>
+        </dgm:alg>
+        <dgm:shape xmlns:r="http://schemas.openxmlformats.org/officeDocument/2006/relationships" type="roundRect" r:blip="">
+          <dgm:adjLst/>
+        </dgm:shape>
+        <dgm:presOf axis="self"/>
+        <dgm:constrLst>
+          <dgm:constr type="tMarg" refType="primFontSz" fact="0.3"/>
+          <dgm:constr type="bMarg" refType="primFontSz" fact="0.3"/>
+          <dgm:constr type="lMarg" refType="primFontSz" fact="0.3"/>
+          <dgm:constr type="rMarg" refType="primFontSz" fact="0.3"/>
+        </dgm:constrLst>
+        <dgm:ruleLst>
+          <dgm:rule type="h" val="INF" fact="NaN" max="NaN"/>
+        </dgm:ruleLst>
+      </dgm:layoutNode>
+      <dgm:choose name="Name1">
+        <dgm:if name="Name2" axis="ch" ptType="node" func="cnt" op="gte" val="1">
+          <dgm:layoutNode name="childText" styleLbl="revTx">
+            <dgm:varLst>
+              <dgm:bulletEnabled val="1"/>
+            </dgm:varLst>
+            <dgm:alg type="tx">
+              <dgm:param type="stBulletLvl" val="1"/>
+              <dgm:param type="lnSpAfChP" val="20"/>
+            </dgm:alg>
+            <dgm:shape xmlns:r="http://schemas.openxmlformats.org/officeDocument/2006/relationships" type="rect" r:blip="">
+              <dgm:adjLst/>
+            </dgm:shape>
+            <dgm:presOf axis="des" ptType="node"/>
+            <dgm:constrLst>
+              <dgm:constr type="tMarg" refType="primFontSz" fact="0.1"/>
+              <dgm:constr type="bMarg" refType="primFontSz" fact="0.1"/>
+              <dgm:constr type="lMarg" refType="w" fact="0.09"/>
+            </dgm:constrLst>
+            <dgm:ruleLst>
+              <dgm:rule type="h" val="INF" fact="NaN" max="NaN"/>
+            </dgm:ruleLst>
+          </dgm:layoutNode>
+        </dgm:if>
+        <dgm:else name="Name3">
+          <dgm:choose name="Name4">
+            <dgm:if name="Name5" axis="par ch" ptType="doc node" func="cnt" op="gte" val="2">
+              <dgm:forEach name="Name6" axis="followSib" ptType="sibTrans" cnt="1">
+                <dgm:layoutNode name="spacer">
+                  <dgm:alg type="sp"/>
+                  <dgm:shape xmlns:r="http://schemas.openxmlformats.org/officeDocument/2006/relationships" r:blip="">
+                    <dgm:adjLst/>
+                  </dgm:shape>
+                  <dgm:presOf/>
+                  <dgm:constrLst/>
+                  <dgm:ruleLst/>
+                </dgm:layoutNode>
+              </dgm:forEach>
+            </dgm:if>
+            <dgm:else name="Name7"/>
+          </dgm:choose>
+        </dgm:else>
+      </dgm:choose>
+    </dgm:forEach>
+  </dgm:layoutNode>
+</dgm:layoutDef>
+</file>
+
+<file path=ppt/diagrams/quickStyle1.xml><?xml version="1.0" encoding="utf-8"?>
+<dgm:styleDef xmlns:dgm="http://schemas.openxmlformats.org/drawingml/2006/diagram" xmlns:a="http://schemas.openxmlformats.org/drawingml/2006/main" uniqueId="urn:microsoft.com/office/officeart/2005/8/quickstyle/simple4">
+  <dgm:title val=""/>
+  <dgm:desc val=""/>
+  <dgm:catLst>
+    <dgm:cat type="simple" pri="10400"/>
+  </dgm:catLst>
+  <dgm:scene3d>
+    <a:camera prst="orthographicFront"/>
+    <a:lightRig rig="threePt" dir="t"/>
+  </dgm:scene3d>
+  <dgm:styleLbl name="node0">
+    <dgm:scene3d>
+      <a:camera prst="orthographicFront"/>
+      <a:lightRig rig="threePt" dir="t"/>
+    </dgm:scene3d>
+    <dgm:sp3d/>
+    <dgm:txPr/>
+    <dgm:style>
+      <a:lnRef idx="0">
+        <a:scrgbClr r="0" g="0" b="0"/>
+      </a:lnRef>
+      <a:fillRef idx="3">
+        <a:scrgbClr r="0" g="0" b="0"/>
+      </a:fillRef>
+      <a:effectRef idx="2">
+        <a:scrgbClr r="0" g="0" b="0"/>
+      </a:effectRef>
+      <a:fontRef idx="minor">
+        <a:schemeClr val="lt1"/>
+      </a:fontRef>
+    </dgm:style>
+  </dgm:styleLbl>
+  <dgm:styleLbl name="lnNode1">
+    <dgm:scene3d>
+      <a:camera prst="orthographicFront"/>
+      <a:lightRig rig="threePt" dir="t"/>
+    </dgm:scene3d>
+    <dgm:sp3d/>
+    <dgm:txPr/>
+    <dgm:style>
+      <a:lnRef idx="1">
+        <a:scrgbClr r="0" g="0" b="0"/>
+      </a:lnRef>
+      <a:fillRef idx="3">
+        <a:scrgbClr r="0" g="0" b="0"/>
+      </a:fillRef>
+      <a:effectRef idx="2">
+        <a:scrgbClr r="0" g="0" b="0"/>
+      </a:effectRef>
+      <a:fontRef idx="minor">
+        <a:schemeClr val="lt1"/>
+      </a:fontRef>
+    </dgm:style>
+  </dgm:styleLbl>
+  <dgm:styleLbl name="vennNode1">
+    <dgm:scene3d>
+      <a:camera prst="orthographicFront"/>
+      <a:lightRig rig="threePt" dir="t"/>
+    </dgm:scene3d>
+    <dgm:sp3d/>
+    <dgm:txPr/>
+    <dgm:style>
+      <a:lnRef idx="0">
+        <a:scrgbClr r="0" g="0" b="0"/>
+      </a:lnRef>
+      <a:fillRef idx="3">
+        <a:scrgbClr r="0" g="0" b="0"/>
+      </a:fillRef>
+      <a:effectRef idx="0">
+        <a:scrgbClr r="0" g="0" b="0"/>
+      </a:effectRef>
+      <a:fontRef idx="minor">
+        <a:schemeClr val="tx1"/>
+      </a:fontRef>
+    </dgm:style>
+  </dgm:styleLbl>
+  <dgm:styleLbl name="alignNode1">
+    <dgm:scene3d>
+      <a:camera prst="orthographicFront"/>
+      <a:lightRig rig="threePt" dir="t"/>
+    </dgm:scene3d>
+    <dgm:sp3d/>
+    <dgm:txPr/>
+    <dgm:style>
+      <a:lnRef idx="1">
+        <a:scrgbClr r="0" g="0" b="0"/>
+      </a:lnRef>
+      <a:fillRef idx="3">
+        <a:scrgbClr r="0" g="0" b="0"/>
+      </a:fillRef>
+      <a:effectRef idx="2">
+        <a:scrgbClr r="0" g="0" b="0"/>
+      </a:effectRef>
+      <a:fontRef idx="minor">
+        <a:schemeClr val="lt1"/>
+      </a:fontRef>
+    </dgm:style>
+  </dgm:styleLbl>
+  <dgm:styleLbl name="node1">
+    <dgm:scene3d>
+      <a:camera prst="orthographicFront"/>
+      <a:lightRig rig="threePt" dir="t"/>
+    </dgm:scene3d>
+    <dgm:sp3d/>
+    <dgm:txPr/>
+    <dgm:style>
+      <a:lnRef idx="0">
+        <a:scrgbClr r="0" g="0" b="0"/>
+      </a:lnRef>
+      <a:fillRef idx="3">
+        <a:scrgbClr r="0" g="0" b="0"/>
+      </a:fillRef>
+      <a:effectRef idx="2">
+        <a:scrgbClr r="0" g="0" b="0"/>
+      </a:effectRef>
+      <a:fontRef idx="minor">
+        <a:schemeClr val="lt1"/>
+      </a:fontRef>
+    </dgm:style>
+  </dgm:styleLbl>
+  <dgm:styleLbl name="node2">
+    <dgm:scene3d>
+      <a:camera prst="orthographicFront"/>
+      <a:lightRig rig="threePt" dir="t"/>
+    </dgm:scene3d>
+    <dgm:sp3d/>
+    <dgm:txPr/>
+    <dgm:style>
+      <a:lnRef idx="0">
+        <a:scrgbClr r="0" g="0" b="0"/>
+      </a:lnRef>
+      <a:fillRef idx="3">
+        <a:scrgbClr r="0" g="0" b="0"/>
+      </a:fillRef>
+      <a:effectRef idx="2">
+        <a:scrgbClr r="0" g="0" b="0"/>
+      </a:effectRef>
+      <a:fontRef idx="minor">
+        <a:schemeClr val="lt1"/>
+      </a:fontRef>
+    </dgm:style>
+  </dgm:styleLbl>
+  <dgm:styleLbl name="node3">
+    <dgm:scene3d>
+      <a:camera prst="orthographicFront"/>
+      <a:lightRig rig="threePt" dir="t"/>
+    </dgm:scene3d>
+    <dgm:sp3d/>
+    <dgm:txPr/>
+    <dgm:style>
+      <a:lnRef idx="0">
+        <a:scrgbClr r="0" g="0" b="0"/>
+      </a:lnRef>
+      <a:fillRef idx="3">
+        <a:scrgbClr r="0" g="0" b="0"/>
+      </a:fillRef>
+      <a:effectRef idx="2">
+        <a:scrgbClr r="0" g="0" b="0"/>
+      </a:effectRef>
+      <a:fontRef idx="minor">
+        <a:schemeClr val="lt1"/>
+      </a:fontRef>
+    </dgm:style>
+  </dgm:styleLbl>
+  <dgm:styleLbl name="node4">
+    <dgm:scene3d>
+      <a:camera prst="orthographicFront"/>
+      <a:lightRig rig="threePt" dir="t"/>
+    </dgm:scene3d>
+    <dgm:sp3d/>
+    <dgm:txPr/>
+    <dgm:style>
+      <a:lnRef idx="0">
+        <a:scrgbClr r="0" g="0" b="0"/>
+      </a:lnRef>
+      <a:fillRef idx="3">
+        <a:scrgbClr r="0" g="0" b="0"/>
+      </a:fillRef>
+      <a:effectRef idx="2">
+        <a:scrgbClr r="0" g="0" b="0"/>
+      </a:effectRef>
+      <a:fontRef idx="minor">
+        <a:schemeClr val="lt1"/>
+      </a:fontRef>
+    </dgm:style>
+  </dgm:styleLbl>
+  <dgm:styleLbl name="fgImgPlace1">
+    <dgm:scene3d>
+      <a:camera prst="orthographicFront"/>
+      <a:lightRig rig="threePt" dir="t"/>
+    </dgm:scene3d>
+    <dgm:sp3d/>
+    <dgm:txPr/>
+    <dgm:style>
+      <a:lnRef idx="0">
+        <a:scrgbClr r="0" g="0" b="0"/>
+      </a:lnRef>
+      <a:fillRef idx="1">
+        <a:scrgbClr r="0" g="0" b="0"/>
+      </a:fillRef>
+      <a:effectRef idx="2">
+        <a:scrgbClr r="0" g="0" b="0"/>
+      </a:effectRef>
+      <a:fontRef idx="minor"/>
+    </dgm:style>
+  </dgm:styleLbl>
+  <dgm:styleLbl name="alignImgPlace1">
+    <dgm:scene3d>
+      <a:camera prst="orthographicFront"/>
+      <a:lightRig rig="threePt" dir="t"/>
+    </dgm:scene3d>
+    <dgm:sp3d/>
+    <dgm:txPr/>
+    <dgm:style>
+      <a:lnRef idx="0">
+        <a:scrgbClr r="0" g="0" b="0"/>
+      </a:lnRef>
+      <a:fillRef idx="1">
+        <a:scrgbClr r="0" g="0" b="0"/>
+      </a:fillRef>
+      <a:effectRef idx="2">
+        <a:scrgbClr r="0" g="0" b="0"/>
+      </a:effectRef>
+      <a:fontRef idx="minor"/>
+    </dgm:style>
+  </dgm:styleLbl>
+  <dgm:styleLbl name="bgImgPlace1">
+    <dgm:scene3d>
+      <a:camera prst="orthographicFront"/>
+      <a:lightRig rig="threePt" dir="t"/>
+    </dgm:scene3d>
+    <dgm:sp3d/>
+    <dgm:txPr/>
+    <dgm:style>
+      <a:lnRef idx="0">
+        <a:scrgbClr r="0" g="0" b="0"/>
+      </a:lnRef>
+      <a:fillRef idx="1">
+        <a:scrgbClr r="0" g="0" b="0"/>
+      </a:fillRef>
+      <a:effectRef idx="2">
+        <a:scrgbClr r="0" g="0" b="0"/>
+      </a:effectRef>
+      <a:fontRef idx="minor"/>
+    </dgm:style>
+  </dgm:styleLbl>
+  <dgm:styleLbl name="sibTrans2D1">
+    <dgm:scene3d>
+      <a:camera prst="orthographicFront"/>
+      <a:lightRig rig="threePt" dir="t"/>
+    </dgm:scene3d>
+    <dgm:sp3d/>
+    <dgm:txPr/>
+    <dgm:style>
+      <a:lnRef idx="0">
+        <a:scrgbClr r="0" g="0" b="0"/>
+      </a:lnRef>
+      <a:fillRef idx="3">
+        <a:scrgbClr r="0" g="0" b="0"/>
+      </a:fillRef>
+      <a:effectRef idx="2">
+        <a:scrgbClr r="0" g="0" b="0"/>
+      </a:effectRef>
+      <a:fontRef idx="minor">
+        <a:schemeClr val="lt1"/>
+      </a:fontRef>
+    </dgm:style>
+  </dgm:styleLbl>
+  <dgm:styleLbl name="fgSibTrans2D1">
+    <dgm:scene3d>
+      <a:camera prst="orthographicFront"/>
+      <a:lightRig rig="threePt" dir="t"/>
+    </dgm:scene3d>
+    <dgm:sp3d/>
+    <dgm:txPr/>
+    <dgm:style>
+      <a:lnRef idx="0">
+        <a:scrgbClr r="0" g="0" b="0"/>
+      </a:lnRef>
+      <a:fillRef idx="3">
+        <a:scrgbClr r="0" g="0" b="0"/>
+      </a:fillRef>
+      <a:effectRef idx="2">
+        <a:scrgbClr r="0" g="0" b="0"/>
+      </a:effectRef>
+      <a:fontRef idx="minor">
+        <a:schemeClr val="lt1"/>
+      </a:fontRef>
+    </dgm:style>
+  </dgm:styleLbl>
+  <dgm:styleLbl name="bgSibTrans2D1">
+    <dgm:scene3d>
+      <a:camera prst="orthographicFront"/>
+      <a:lightRig rig="threePt" dir="t"/>
+    </dgm:scene3d>
+    <dgm:sp3d/>
+    <dgm:txPr/>
+    <dgm:style>
+      <a:lnRef idx="0">
+        <a:scrgbClr r="0" g="0" b="0"/>
+      </a:lnRef>
+      <a:fillRef idx="3">
+        <a:scrgbClr r="0" g="0" b="0"/>
+      </a:fillRef>
+      <a:effectRef idx="2">
+        <a:scrgbClr r="0" g="0" b="0"/>
+      </a:effectRef>
+      <a:fontRef idx="minor">
+        <a:schemeClr val="lt1"/>
+      </a:fontRef>
+    </dgm:style>
+  </dgm:styleLbl>
+  <dgm:styleLbl name="sibTrans1D1">
+    <dgm:scene3d>
+      <a:camera prst="orthographicFront"/>
+      <a:lightRig rig="threePt" dir="t"/>
+    </dgm:scene3d>
+    <dgm:sp3d/>
+    <dgm:txPr/>
+    <dgm:style>
+      <a:lnRef idx="1">
+        <a:scrgbClr r="0" g="0" b="0"/>
+      </a:lnRef>
+      <a:fillRef idx="0">
+        <a:scrgbClr r="0" g="0" b="0"/>
+      </a:fillRef>
+      <a:effectRef idx="0">
+        <a:scrgbClr r="0" g="0" b="0"/>
+      </a:effectRef>
+      <a:fontRef idx="minor"/>
+    </dgm:style>
+  </dgm:styleLbl>
+  <dgm:styleLbl name="callout">
+    <dgm:scene3d>
+      <a:camera prst="orthographicFront"/>
+      <a:lightRig rig="threePt" dir="t"/>
+    </dgm:scene3d>
+    <dgm:sp3d/>
+    <dgm:txPr/>
+    <dgm:style>
+      <a:lnRef idx="2">
+        <a:scrgbClr r="0" g="0" b="0"/>
+      </a:lnRef>
+      <a:fillRef idx="1">
+        <a:scrgbClr r="0" g="0" b="0"/>
+      </a:fillRef>
+      <a:effectRef idx="1">
+        <a:scrgbClr r="0" g="0" b="0"/>
+      </a:effectRef>
+      <a:fontRef idx="minor"/>
+    </dgm:style>
+  </dgm:styleLbl>
+  <dgm:styleLbl name="asst0">
+    <dgm:scene3d>
+      <a:camera prst="orthographicFront"/>
+      <a:lightRig rig="threePt" dir="t"/>
+    </dgm:scene3d>
+    <dgm:sp3d/>
+    <dgm:txPr/>
+    <dgm:style>
+      <a:lnRef idx="0">
+        <a:scrgbClr r="0" g="0" b="0"/>
+      </a:lnRef>
+      <a:fillRef idx="3">
+        <a:scrgbClr r="0" g="0" b="0"/>
+      </a:fillRef>
+      <a:effectRef idx="2">
+        <a:scrgbClr r="0" g="0" b="0"/>
+      </a:effectRef>
+      <a:fontRef idx="minor">
+        <a:schemeClr val="lt1"/>
+      </a:fontRef>
+    </dgm:style>
+  </dgm:styleLbl>
+  <dgm:styleLbl name="asst1">
+    <dgm:scene3d>
+      <a:camera prst="orthographicFront"/>
+      <a:lightRig rig="threePt" dir="t"/>
+    </dgm:scene3d>
+    <dgm:sp3d/>
+    <dgm:txPr/>
+    <dgm:style>
+      <a:lnRef idx="0">
+        <a:scrgbClr r="0" g="0" b="0"/>
+      </a:lnRef>
+      <a:fillRef idx="3">
+        <a:scrgbClr r="0" g="0" b="0"/>
+      </a:fillRef>
+      <a:effectRef idx="2">
+        <a:scrgbClr r="0" g="0" b="0"/>
+      </a:effectRef>
+      <a:fontRef idx="minor">
+        <a:schemeClr val="lt1"/>
+      </a:fontRef>
+    </dgm:style>
+  </dgm:styleLbl>
+  <dgm:styleLbl name="asst2">
+    <dgm:scene3d>
+      <a:camera prst="orthographicFront"/>
+      <a:lightRig rig="threePt" dir="t"/>
+    </dgm:scene3d>
+    <dgm:sp3d/>
+    <dgm:txPr/>
+    <dgm:style>
+      <a:lnRef idx="0">
+        <a:scrgbClr r="0" g="0" b="0"/>
+      </a:lnRef>
+      <a:fillRef idx="3">
+        <a:scrgbClr r="0" g="0" b="0"/>
+      </a:fillRef>
+      <a:effectRef idx="2">
+        <a:scrgbClr r="0" g="0" b="0"/>
+      </a:effectRef>
+      <a:fontRef idx="minor">
+        <a:schemeClr val="lt1"/>
+      </a:fontRef>
+    </dgm:style>
+  </dgm:styleLbl>
+  <dgm:styleLbl name="asst3">
+    <dgm:scene3d>
+      <a:camera prst="orthographicFront"/>
+      <a:lightRig rig="threePt" dir="t"/>
+    </dgm:scene3d>
+    <dgm:sp3d/>
+    <dgm:txPr/>
+    <dgm:style>
+      <a:lnRef idx="0">
+        <a:scrgbClr r="0" g="0" b="0"/>
+      </a:lnRef>
+      <a:fillRef idx="3">
+        <a:scrgbClr r="0" g="0" b="0"/>
+      </a:fillRef>
+      <a:effectRef idx="2">
+        <a:scrgbClr r="0" g="0" b="0"/>
+      </a:effectRef>
+      <a:fontRef idx="minor">
+        <a:schemeClr val="lt1"/>
+      </a:fontRef>
+    </dgm:style>
+  </dgm:styleLbl>
+  <dgm:styleLbl name="asst4">
+    <dgm:scene3d>
+      <a:camera prst="orthographicFront"/>
+      <a:lightRig rig="threePt" dir="t"/>
+    </dgm:scene3d>
+    <dgm:sp3d/>
+    <dgm:txPr/>
+    <dgm:style>
+      <a:lnRef idx="0">
+        <a:scrgbClr r="0" g="0" b="0"/>
+      </a:lnRef>
+      <a:fillRef idx="3">
+        <a:scrgbClr r="0" g="0" b="0"/>
+      </a:fillRef>
+      <a:effectRef idx="2">
+        <a:scrgbClr r="0" g="0" b="0"/>
+      </a:effectRef>
+      <a:fontRef idx="minor">
+        <a:schemeClr val="lt1"/>
+      </a:fontRef>
+    </dgm:style>
+  </dgm:styleLbl>
+  <dgm:styleLbl name="parChTrans2D1">
+    <dgm:scene3d>
+      <a:camera prst="orthographicFront"/>
+      <a:lightRig rig="threePt" dir="t"/>
+    </dgm:scene3d>
+    <dgm:sp3d/>
+    <dgm:txPr/>
+    <dgm:style>
+      <a:lnRef idx="0">
+        <a:scrgbClr r="0" g="0" b="0"/>
+      </a:lnRef>
+      <a:fillRef idx="3">
+        <a:scrgbClr r="0" g="0" b="0"/>
+      </a:fillRef>
+      <a:effectRef idx="2">
+        <a:scrgbClr r="0" g="0" b="0"/>
+      </a:effectRef>
+      <a:fontRef idx="minor">
+        <a:schemeClr val="lt1"/>
+      </a:fontRef>
+    </dgm:style>
+  </dgm:styleLbl>
+  <dgm:styleLbl name="parChTrans2D2">
+    <dgm:scene3d>
+      <a:camera prst="orthographicFront"/>
+      <a:lightRig rig="threePt" dir="t"/>
+    </dgm:scene3d>
+    <dgm:sp3d/>
+    <dgm:txPr/>
+    <dgm:style>
+      <a:lnRef idx="0">
+        <a:scrgbClr r="0" g="0" b="0"/>
+      </a:lnRef>
+      <a:fillRef idx="3">
+        <a:scrgbClr r="0" g="0" b="0"/>
+      </a:fillRef>
+      <a:effectRef idx="2">
+        <a:scrgbClr r="0" g="0" b="0"/>
+      </a:effectRef>
+      <a:fontRef idx="minor">
+        <a:schemeClr val="lt1"/>
+      </a:fontRef>
+    </dgm:style>
+  </dgm:styleLbl>
+  <dgm:styleLbl name="parChTrans2D3">
+    <dgm:scene3d>
+      <a:camera prst="orthographicFront"/>
+      <a:lightRig rig="threePt" dir="t"/>
+    </dgm:scene3d>
+    <dgm:sp3d/>
+    <dgm:txPr/>
+    <dgm:style>
+      <a:lnRef idx="1">
+        <a:scrgbClr r="0" g="0" b="0"/>
+      </a:lnRef>
+      <a:fillRef idx="3">
+        <a:scrgbClr r="0" g="0" b="0"/>
+      </a:fillRef>
+      <a:effectRef idx="2">
+        <a:scrgbClr r="0" g="0" b="0"/>
+      </a:effectRef>
+      <a:fontRef idx="minor">
+        <a:schemeClr val="lt1"/>
+      </a:fontRef>
+    </dgm:style>
+  </dgm:styleLbl>
+  <dgm:styleLbl name="parChTrans2D4">
+    <dgm:scene3d>
+      <a:camera prst="orthographicFront"/>
+      <a:lightRig rig="threePt" dir="t"/>
+    </dgm:scene3d>
+    <dgm:sp3d/>
+    <dgm:txPr/>
+    <dgm:style>
+      <a:lnRef idx="1">
+        <a:scrgbClr r="0" g="0" b="0"/>
+      </a:lnRef>
+      <a:fillRef idx="3">
+        <a:scrgbClr r="0" g="0" b="0"/>
+      </a:fillRef>
+      <a:effectRef idx="2">
+        <a:scrgbClr r="0" g="0" b="0"/>
+      </a:effectRef>
+      <a:fontRef idx="minor">
+        <a:schemeClr val="lt1"/>
+      </a:fontRef>
+    </dgm:style>
+  </dgm:styleLbl>
+  <dgm:styleLbl name="parChTrans1D1">
+    <dgm:scene3d>
+      <a:camera prst="orthographicFront"/>
+      <a:lightRig rig="threePt" dir="t"/>
+    </dgm:scene3d>
+    <dgm:sp3d/>
+    <dgm:txPr/>
+    <dgm:style>
+      <a:lnRef idx="1">
+        <a:scrgbClr r="0" g="0" b="0"/>
+      </a:lnRef>
+      <a:fillRef idx="0">
+        <a:scrgbClr r="0" g="0" b="0"/>
+      </a:fillRef>
+      <a:effectRef idx="0">
+        <a:scrgbClr r="0" g="0" b="0"/>
+      </a:effectRef>
+      <a:fontRef idx="minor"/>
+    </dgm:style>
+  </dgm:styleLbl>
+  <dgm:styleLbl name="parChTrans1D2">
+    <dgm:scene3d>
+      <a:camera prst="orthographicFront"/>
+      <a:lightRig rig="threePt" dir="t"/>
+    </dgm:scene3d>
+    <dgm:sp3d/>
+    <dgm:txPr/>
+    <dgm:style>
+      <a:lnRef idx="1">
+        <a:scrgbClr r="0" g="0" b="0"/>
+      </a:lnRef>
+      <a:fillRef idx="0">
+        <a:scrgbClr r="0" g="0" b="0"/>
+      </a:fillRef>
+      <a:effectRef idx="0">
+        <a:scrgbClr r="0" g="0" b="0"/>
+      </a:effectRef>
+      <a:fontRef idx="minor"/>
+    </dgm:style>
+  </dgm:styleLbl>
+  <dgm:styleLbl name="parChTrans1D3">
+    <dgm:scene3d>
+      <a:camera prst="orthographicFront"/>
+      <a:lightRig rig="threePt" dir="t"/>
+    </dgm:scene3d>
+    <dgm:sp3d/>
+    <dgm:txPr/>
+    <dgm:style>
+      <a:lnRef idx="1">
+        <a:scrgbClr r="0" g="0" b="0"/>
+      </a:lnRef>
+      <a:fillRef idx="0">
+        <a:scrgbClr r="0" g="0" b="0"/>
+      </a:fillRef>
+      <a:effectRef idx="0">
+        <a:scrgbClr r="0" g="0" b="0"/>
+      </a:effectRef>
+      <a:fontRef idx="minor"/>
+    </dgm:style>
+  </dgm:styleLbl>
+  <dgm:styleLbl name="parChTrans1D4">
+    <dgm:scene3d>
+      <a:camera prst="orthographicFront"/>
+      <a:lightRig rig="threePt" dir="t"/>
+    </dgm:scene3d>
+    <dgm:sp3d/>
+    <dgm:txPr/>
+    <dgm:style>
+      <a:lnRef idx="1">
+        <a:scrgbClr r="0" g="0" b="0"/>
+      </a:lnRef>
+      <a:fillRef idx="0">
+        <a:scrgbClr r="0" g="0" b="0"/>
+      </a:fillRef>
+      <a:effectRef idx="0">
+        <a:scrgbClr r="0" g="0" b="0"/>
+      </a:effectRef>
+      <a:fontRef idx="minor"/>
+    </dgm:style>
+  </dgm:styleLbl>
+  <dgm:styleLbl name="fgAcc1">
+    <dgm:scene3d>
+      <a:camera prst="orthographicFront"/>
+      <a:lightRig rig="threePt" dir="t"/>
+    </dgm:scene3d>
+    <dgm:sp3d/>
+    <dgm:txPr/>
+    <dgm:style>
+      <a:lnRef idx="1">
+        <a:scrgbClr r="0" g="0" b="0"/>
+      </a:lnRef>
+      <a:fillRef idx="1">
+        <a:scrgbClr r="0" g="0" b="0"/>
+      </a:fillRef>
+      <a:effectRef idx="0">
+        <a:scrgbClr r="0" g="0" b="0"/>
+      </a:effectRef>
+      <a:fontRef idx="minor"/>
+    </dgm:style>
+  </dgm:styleLbl>
+  <dgm:styleLbl name="conFgAcc1">
+    <dgm:scene3d>
+      <a:camera prst="orthographicFront"/>
+      <a:lightRig rig="threePt" dir="t"/>
+    </dgm:scene3d>
+    <dgm:sp3d/>
+    <dgm:txPr/>
+    <dgm:style>
+      <a:lnRef idx="1">
+        <a:scrgbClr r="0" g="0" b="0"/>
+      </a:lnRef>
+      <a:fillRef idx="1">
+        <a:scrgbClr r="0" g="0" b="0"/>
+      </a:fillRef>
+      <a:effectRef idx="0">
+        <a:scrgbClr r="0" g="0" b="0"/>
+      </a:effectRef>
+      <a:fontRef idx="minor"/>
+    </dgm:style>
+  </dgm:styleLbl>
+  <dgm:styleLbl name="alignAcc1">
+    <dgm:scene3d>
+      <a:camera prst="orthographicFront"/>
+      <a:lightRig rig="threePt" dir="t"/>
+    </dgm:scene3d>
+    <dgm:sp3d/>
+    <dgm:txPr/>
+    <dgm:style>
+      <a:lnRef idx="1">
+        <a:scrgbClr r="0" g="0" b="0"/>
+      </a:lnRef>
+      <a:fillRef idx="1">
+        <a:scrgbClr r="0" g="0" b="0"/>
+      </a:fillRef>
+      <a:effectRef idx="0">
+        <a:scrgbClr r="0" g="0" b="0"/>
+      </a:effectRef>
+      <a:fontRef idx="minor"/>
+    </dgm:style>
+  </dgm:styleLbl>
+  <dgm:styleLbl name="trAlignAcc1">
+    <dgm:scene3d>
+      <a:camera prst="orthographicFront"/>
+      <a:lightRig rig="threePt" dir="t"/>
+    </dgm:scene3d>
+    <dgm:sp3d/>
+    <dgm:txPr/>
+    <dgm:style>
+      <a:lnRef idx="1">
+        <a:scrgbClr r="0" g="0" b="0"/>
+      </a:lnRef>
+      <a:fillRef idx="1">
+        <a:scrgbClr r="0" g="0" b="0"/>
+      </a:fillRef>
+      <a:effectRef idx="0">
+        <a:scrgbClr r="0" g="0" b="0"/>
+      </a:effectRef>
+      <a:fontRef idx="minor"/>
+    </dgm:style>
+  </dgm:styleLbl>
+  <dgm:styleLbl name="bgAcc1">
+    <dgm:scene3d>
+      <a:camera prst="orthographicFront"/>
+      <a:lightRig rig="threePt" dir="t"/>
+    </dgm:scene3d>
+    <dgm:sp3d/>
+    <dgm:txPr/>
+    <dgm:style>
+      <a:lnRef idx="1">
+        <a:scrgbClr r="0" g="0" b="0"/>
+      </a:lnRef>
+      <a:fillRef idx="1">
+        <a:scrgbClr r="0" g="0" b="0"/>
+      </a:fillRef>
+      <a:effectRef idx="0">
+        <a:scrgbClr r="0" g="0" b="0"/>
+      </a:effectRef>
+      <a:fontRef idx="minor"/>
+    </dgm:style>
+  </dgm:styleLbl>
+  <dgm:styleLbl name="solidFgAcc1">
+    <dgm:scene3d>
+      <a:camera prst="orthographicFront"/>
+      <a:lightRig rig="threePt" dir="t"/>
+    </dgm:scene3d>
+    <dgm:sp3d/>
+    <dgm:txPr/>
+    <dgm:style>
+      <a:lnRef idx="1">
+        <a:scrgbClr r="0" g="0" b="0"/>
+      </a:lnRef>
+      <a:fillRef idx="1">
+        <a:scrgbClr r="0" g="0" b="0"/>
+      </a:fillRef>
+      <a:effectRef idx="0">
+        <a:scrgbClr r="0" g="0" b="0"/>
+      </a:effectRef>
+      <a:fontRef idx="minor"/>
+    </dgm:style>
+  </dgm:styleLbl>
+  <dgm:styleLbl name="solidAlignAcc1">
+    <dgm:scene3d>
+      <a:camera prst="orthographicFront"/>
+      <a:lightRig rig="threePt" dir="t"/>
+    </dgm:scene3d>
+    <dgm:sp3d/>
+    <dgm:txPr/>
+    <dgm:style>
+      <a:lnRef idx="1">
+        <a:scrgbClr r="0" g="0" b="0"/>
+      </a:lnRef>
+      <a:fillRef idx="1">
+        <a:scrgbClr r="0" g="0" b="0"/>
+      </a:fillRef>
+      <a:effectRef idx="0">
+        <a:scrgbClr r="0" g="0" b="0"/>
+      </a:effectRef>
+      <a:fontRef idx="minor"/>
+    </dgm:style>
+  </dgm:styleLbl>
+  <dgm:styleLbl name="solidBgAcc1">
+    <dgm:scene3d>
+      <a:camera prst="orthographicFront"/>
+      <a:lightRig rig="threePt" dir="t"/>
+    </dgm:scene3d>
+    <dgm:sp3d/>
+    <dgm:txPr/>
+    <dgm:style>
+      <a:lnRef idx="1">
+        <a:scrgbClr r="0" g="0" b="0"/>
+      </a:lnRef>
+      <a:fillRef idx="1">
+        <a:scrgbClr r="0" g="0" b="0"/>
+      </a:fillRef>
+      <a:effectRef idx="0">
+        <a:scrgbClr r="0" g="0" b="0"/>
+      </a:effectRef>
+      <a:fontRef idx="minor"/>
+    </dgm:style>
+  </dgm:styleLbl>
+  <dgm:styleLbl name="fgAccFollowNode1">
+    <dgm:scene3d>
+      <a:camera prst="orthographicFront"/>
+      <a:lightRig rig="threePt" dir="t"/>
+    </dgm:scene3d>
+    <dgm:sp3d/>
+    <dgm:txPr/>
+    <dgm:style>
+      <a:lnRef idx="1">
+        <a:scrgbClr r="0" g="0" b="0"/>
+      </a:lnRef>
+      <a:fillRef idx="1">
+        <a:scrgbClr r="0" g="0" b="0"/>
+      </a:fillRef>
+      <a:effectRef idx="0">
+        <a:scrgbClr r="0" g="0" b="0"/>
+      </a:effectRef>
+      <a:fontRef idx="minor"/>
+    </dgm:style>
+  </dgm:styleLbl>
+  <dgm:styleLbl name="alignAccFollowNode1">
+    <dgm:scene3d>
+      <a:camera prst="orthographicFront"/>
+      <a:lightRig rig="threePt" dir="t"/>
+    </dgm:scene3d>
+    <dgm:sp3d/>
+    <dgm:txPr/>
+    <dgm:style>
+      <a:lnRef idx="1">
+        <a:scrgbClr r="0" g="0" b="0"/>
+      </a:lnRef>
+      <a:fillRef idx="1">
+        <a:scrgbClr r="0" g="0" b="0"/>
+      </a:fillRef>
+      <a:effectRef idx="0">
+        <a:scrgbClr r="0" g="0" b="0"/>
+      </a:effectRef>
+      <a:fontRef idx="minor"/>
+    </dgm:style>
+  </dgm:styleLbl>
+  <dgm:styleLbl name="bgAccFollowNode1">
+    <dgm:scene3d>
+      <a:camera prst="orthographicFront"/>
+      <a:lightRig rig="threePt" dir="t"/>
+    </dgm:scene3d>
+    <dgm:sp3d/>
+    <dgm:txPr/>
+    <dgm:style>
+      <a:lnRef idx="1">
+        <a:scrgbClr r="0" g="0" b="0"/>
+      </a:lnRef>
+      <a:fillRef idx="1">
+        <a:scrgbClr r="0" g="0" b="0"/>
+      </a:fillRef>
+      <a:effectRef idx="0">
+        <a:scrgbClr r="0" g="0" b="0"/>
+      </a:effectRef>
+      <a:fontRef idx="minor"/>
+    </dgm:style>
+  </dgm:styleLbl>
+  <dgm:styleLbl name="fgAcc0">
+    <dgm:scene3d>
+      <a:camera prst="orthographicFront"/>
+      <a:lightRig rig="threePt" dir="t"/>
+    </dgm:scene3d>
+    <dgm:sp3d/>
+    <dgm:txPr/>
+    <dgm:style>
+      <a:lnRef idx="1">
+        <a:scrgbClr r="0" g="0" b="0"/>
+      </a:lnRef>
+      <a:fillRef idx="1">
+        <a:scrgbClr r="0" g="0" b="0"/>
+      </a:fillRef>
+      <a:effectRef idx="0">
+        <a:scrgbClr r="0" g="0" b="0"/>
+      </a:effectRef>
+      <a:fontRef idx="minor"/>
+    </dgm:style>
+  </dgm:styleLbl>
+  <dgm:styleLbl name="fgAcc2">
+    <dgm:scene3d>
+      <a:camera prst="orthographicFront"/>
+      <a:lightRig rig="threePt" dir="t"/>
+    </dgm:scene3d>
+    <dgm:sp3d/>
+    <dgm:txPr/>
+    <dgm:style>
+      <a:lnRef idx="1">
+        <a:scrgbClr r="0" g="0" b="0"/>
+      </a:lnRef>
+      <a:fillRef idx="1">
+        <a:scrgbClr r="0" g="0" b="0"/>
+      </a:fillRef>
+      <a:effectRef idx="0">
+        <a:scrgbClr r="0" g="0" b="0"/>
+      </a:effectRef>
+      <a:fontRef idx="minor"/>
+    </dgm:style>
+  </dgm:styleLbl>
+  <dgm:styleLbl name="fgAcc3">
+    <dgm:scene3d>
+      <a:camera prst="orthographicFront"/>
+      <a:lightRig rig="threePt" dir="t"/>
+    </dgm:scene3d>
+    <dgm:sp3d/>
+    <dgm:txPr/>
+    <dgm:style>
+      <a:lnRef idx="1">
+        <a:scrgbClr r="0" g="0" b="0"/>
+      </a:lnRef>
+      <a:fillRef idx="1">
+        <a:scrgbClr r="0" g="0" b="0"/>
+      </a:fillRef>
+      <a:effectRef idx="0">
+        <a:scrgbClr r="0" g="0" b="0"/>
+      </a:effectRef>
+      <a:fontRef idx="minor"/>
+    </dgm:style>
+  </dgm:styleLbl>
+  <dgm:styleLbl name="fgAcc4">
+    <dgm:scene3d>
+      <a:camera prst="orthographicFront"/>
+      <a:lightRig rig="threePt" dir="t"/>
+    </dgm:scene3d>
+    <dgm:sp3d/>
+    <dgm:txPr/>
+    <dgm:style>
+      <a:lnRef idx="1">
+        <a:scrgbClr r="0" g="0" b="0"/>
+      </a:lnRef>
+      <a:fillRef idx="1">
+        <a:scrgbClr r="0" g="0" b="0"/>
+      </a:fillRef>
+      <a:effectRef idx="0">
+        <a:scrgbClr r="0" g="0" b="0"/>
+      </a:effectRef>
+      <a:fontRef idx="minor"/>
+    </dgm:style>
+  </dgm:styleLbl>
+  <dgm:styleLbl name="bgShp">
+    <dgm:scene3d>
+      <a:camera prst="orthographicFront"/>
+      <a:lightRig rig="threePt" dir="t"/>
+    </dgm:scene3d>
+    <dgm:sp3d/>
+    <dgm:txPr/>
+    <dgm:style>
+      <a:lnRef idx="0">
+        <a:scrgbClr r="0" g="0" b="0"/>
+      </a:lnRef>
+      <a:fillRef idx="1">
+        <a:scrgbClr r="0" g="0" b="0"/>
+      </a:fillRef>
+      <a:effectRef idx="2">
+        <a:scrgbClr r="0" g="0" b="0"/>
+      </a:effectRef>
+      <a:fontRef idx="minor"/>
+    </dgm:style>
+  </dgm:styleLbl>
+  <dgm:styleLbl name="dkBgShp">
+    <dgm:scene3d>
+      <a:camera prst="orthographicFront"/>
+      <a:lightRig rig="threePt" dir="t"/>
+    </dgm:scene3d>
+    <dgm:sp3d/>
+    <dgm:txPr/>
+    <dgm:style>
+      <a:lnRef idx="0">
+        <a:scrgbClr r="0" g="0" b="0"/>
+      </a:lnRef>
+      <a:fillRef idx="1">
+        <a:scrgbClr r="0" g="0" b="0"/>
+      </a:fillRef>
+      <a:effectRef idx="2">
+        <a:scrgbClr r="0" g="0" b="0"/>
+      </a:effectRef>
+      <a:fontRef idx="minor"/>
+    </dgm:style>
+  </dgm:styleLbl>
+  <dgm:styleLbl name="trBgShp">
+    <dgm:scene3d>
+      <a:camera prst="orthographicFront"/>
+      <a:lightRig rig="threePt" dir="t"/>
+    </dgm:scene3d>
+    <dgm:sp3d/>
+    <dgm:txPr/>
+    <dgm:style>
+      <a:lnRef idx="0">
+        <a:scrgbClr r="0" g="0" b="0"/>
+      </a:lnRef>
+      <a:fillRef idx="1">
+        <a:scrgbClr r="0" g="0" b="0"/>
+      </a:fillRef>
+      <a:effectRef idx="0">
+        <a:scrgbClr r="0" g="0" b="0"/>
+      </a:effectRef>
+      <a:fontRef idx="minor"/>
+    </dgm:style>
+  </dgm:styleLbl>
+  <dgm:styleLbl name="fgShp">
+    <dgm:scene3d>
+      <a:camera prst="orthographicFront"/>
+      <a:lightRig rig="threePt" dir="t"/>
+    </dgm:scene3d>
+    <dgm:sp3d/>
+    <dgm:txPr/>
+    <dgm:style>
+      <a:lnRef idx="0">
+        <a:scrgbClr r="0" g="0" b="0"/>
+      </a:lnRef>
+      <a:fillRef idx="3">
+        <a:scrgbClr r="0" g="0" b="0"/>
+      </a:fillRef>
+      <a:effectRef idx="2">
+        <a:scrgbClr r="0" g="0" b="0"/>
+      </a:effectRef>
+      <a:fontRef idx="minor"/>
+    </dgm:style>
+  </dgm:styleLbl>
+  <dgm:styleLbl name="revTx">
+    <dgm:scene3d>
+      <a:camera prst="orthographicFront"/>
+      <a:lightRig rig="threePt" dir="t"/>
+    </dgm:scene3d>
+    <dgm:sp3d/>
+    <dgm:txPr/>
+    <dgm:style>
+      <a:lnRef idx="0">
+        <a:scrgbClr r="0" g="0" b="0"/>
+      </a:lnRef>
+      <a:fillRef idx="0">
+        <a:scrgbClr r="0" g="0" b="0"/>
+      </a:fillRef>
+      <a:effectRef idx="0">
+        <a:scrgbClr r="0" g="0" b="0"/>
+      </a:effectRef>
+      <a:fontRef idx="minor"/>
+    </dgm:style>
+  </dgm:styleLbl>
+</dgm:styleDef>
 </file>
 
 <file path=ppt/ink/ink1.xml><?xml version="1.0" encoding="utf-8"?>
@@ -398,7 +3215,7 @@
           <a:p>
             <a:fld id="{CF5967DA-C75E-42D3-84A9-ED4873999114}" type="datetimeFigureOut">
               <a:rPr lang="ru-RU" smtClean="0"/>
-              <a:t>13.05.2025</a:t>
+              <a:t>16.05.2025</a:t>
             </a:fld>
             <a:endParaRPr lang="ru-RU"/>
           </a:p>
@@ -596,7 +3413,7 @@
           <a:p>
             <a:fld id="{CF5967DA-C75E-42D3-84A9-ED4873999114}" type="datetimeFigureOut">
               <a:rPr lang="ru-RU" smtClean="0"/>
-              <a:t>13.05.2025</a:t>
+              <a:t>16.05.2025</a:t>
             </a:fld>
             <a:endParaRPr lang="ru-RU"/>
           </a:p>
@@ -804,7 +3621,7 @@
           <a:p>
             <a:fld id="{CF5967DA-C75E-42D3-84A9-ED4873999114}" type="datetimeFigureOut">
               <a:rPr lang="ru-RU" smtClean="0"/>
-              <a:t>13.05.2025</a:t>
+              <a:t>16.05.2025</a:t>
             </a:fld>
             <a:endParaRPr lang="ru-RU"/>
           </a:p>
@@ -1002,7 +3819,7 @@
           <a:p>
             <a:fld id="{CF5967DA-C75E-42D3-84A9-ED4873999114}" type="datetimeFigureOut">
               <a:rPr lang="ru-RU" smtClean="0"/>
-              <a:t>13.05.2025</a:t>
+              <a:t>16.05.2025</a:t>
             </a:fld>
             <a:endParaRPr lang="ru-RU"/>
           </a:p>
@@ -1277,7 +4094,7 @@
           <a:p>
             <a:fld id="{CF5967DA-C75E-42D3-84A9-ED4873999114}" type="datetimeFigureOut">
               <a:rPr lang="ru-RU" smtClean="0"/>
-              <a:t>13.05.2025</a:t>
+              <a:t>16.05.2025</a:t>
             </a:fld>
             <a:endParaRPr lang="ru-RU"/>
           </a:p>
@@ -1542,7 +4359,7 @@
           <a:p>
             <a:fld id="{CF5967DA-C75E-42D3-84A9-ED4873999114}" type="datetimeFigureOut">
               <a:rPr lang="ru-RU" smtClean="0"/>
-              <a:t>13.05.2025</a:t>
+              <a:t>16.05.2025</a:t>
             </a:fld>
             <a:endParaRPr lang="ru-RU"/>
           </a:p>
@@ -1954,7 +4771,7 @@
           <a:p>
             <a:fld id="{CF5967DA-C75E-42D3-84A9-ED4873999114}" type="datetimeFigureOut">
               <a:rPr lang="ru-RU" smtClean="0"/>
-              <a:t>13.05.2025</a:t>
+              <a:t>16.05.2025</a:t>
             </a:fld>
             <a:endParaRPr lang="ru-RU"/>
           </a:p>
@@ -2095,7 +4912,7 @@
           <a:p>
             <a:fld id="{CF5967DA-C75E-42D3-84A9-ED4873999114}" type="datetimeFigureOut">
               <a:rPr lang="ru-RU" smtClean="0"/>
-              <a:t>13.05.2025</a:t>
+              <a:t>16.05.2025</a:t>
             </a:fld>
             <a:endParaRPr lang="ru-RU"/>
           </a:p>
@@ -2208,7 +5025,7 @@
           <a:p>
             <a:fld id="{CF5967DA-C75E-42D3-84A9-ED4873999114}" type="datetimeFigureOut">
               <a:rPr lang="ru-RU" smtClean="0"/>
-              <a:t>13.05.2025</a:t>
+              <a:t>16.05.2025</a:t>
             </a:fld>
             <a:endParaRPr lang="ru-RU"/>
           </a:p>
@@ -2519,7 +5336,7 @@
           <a:p>
             <a:fld id="{CF5967DA-C75E-42D3-84A9-ED4873999114}" type="datetimeFigureOut">
               <a:rPr lang="ru-RU" smtClean="0"/>
-              <a:t>13.05.2025</a:t>
+              <a:t>16.05.2025</a:t>
             </a:fld>
             <a:endParaRPr lang="ru-RU"/>
           </a:p>
@@ -2807,7 +5624,7 @@
           <a:p>
             <a:fld id="{CF5967DA-C75E-42D3-84A9-ED4873999114}" type="datetimeFigureOut">
               <a:rPr lang="ru-RU" smtClean="0"/>
-              <a:t>13.05.2025</a:t>
+              <a:t>16.05.2025</a:t>
             </a:fld>
             <a:endParaRPr lang="ru-RU"/>
           </a:p>
@@ -3048,7 +5865,7 @@
           <a:p>
             <a:fld id="{CF5967DA-C75E-42D3-84A9-ED4873999114}" type="datetimeFigureOut">
               <a:rPr lang="ru-RU" smtClean="0"/>
-              <a:t>13.05.2025</a:t>
+              <a:t>16.05.2025</a:t>
             </a:fld>
             <a:endParaRPr lang="ru-RU"/>
           </a:p>
@@ -3520,10 +6337,70 @@
         </p:nvSpPr>
         <p:spPr/>
         <p:txBody>
-          <a:bodyPr/>
+          <a:bodyPr>
+            <a:normAutofit fontScale="92500" lnSpcReduction="20000"/>
+          </a:bodyPr>
           <a:lstStyle/>
           <a:p>
-            <a:endParaRPr lang="ru-RU"/>
+            <a:r>
+              <a:rPr lang="ru-RU" dirty="0"/>
+              <a:t>Выполнили:</a:t>
+            </a:r>
+          </a:p>
+          <a:p>
+            <a:r>
+              <a:rPr lang="ru-RU" dirty="0" err="1"/>
+              <a:t>Грибель</a:t>
+            </a:r>
+            <a:r>
+              <a:rPr lang="ru-RU" dirty="0"/>
+              <a:t> Ярослав</a:t>
+            </a:r>
+            <a:br>
+              <a:rPr lang="ru-RU" dirty="0"/>
+            </a:br>
+            <a:r>
+              <a:rPr lang="ru-RU" dirty="0"/>
+              <a:t>Карташов Григорий</a:t>
+            </a:r>
+            <a:br>
+              <a:rPr lang="ru-RU" dirty="0"/>
+            </a:br>
+            <a:r>
+              <a:rPr lang="ru-RU" dirty="0"/>
+              <a:t>Научный руководитель:</a:t>
+            </a:r>
+            <a:br>
+              <a:rPr lang="ru-RU" dirty="0"/>
+            </a:br>
+            <a:r>
+              <a:rPr lang="ru-RU" dirty="0" err="1"/>
+              <a:t>Хузиахметов</a:t>
+            </a:r>
+            <a:r>
+              <a:rPr lang="ru-RU" dirty="0"/>
+              <a:t> Артур </a:t>
+            </a:r>
+            <a:r>
+              <a:rPr lang="ru-RU" dirty="0" err="1"/>
+              <a:t>Хатипович</a:t>
+            </a:r>
+            <a:br>
+              <a:rPr lang="ru-RU" dirty="0"/>
+            </a:br>
+            <a:r>
+              <a:rPr lang="ru-RU" dirty="0" err="1"/>
+              <a:t>г.Череповец</a:t>
+            </a:r>
+            <a:r>
+              <a:rPr lang="ru-RU" dirty="0"/>
+              <a:t>, </a:t>
+            </a:r>
+            <a:r>
+              <a:rPr lang="ru-RU" dirty="0" err="1"/>
+              <a:t>Кванториум</a:t>
+            </a:r>
+            <a:endParaRPr lang="ru-RU" dirty="0"/>
           </a:p>
         </p:txBody>
       </p:sp>
@@ -3562,7 +6439,7 @@
           <p:cNvPr id="2" name="Заголовок 1">
             <a:extLst>
               <a:ext uri="{FF2B5EF4-FFF2-40B4-BE49-F238E27FC236}">
-                <a16:creationId xmlns:a16="http://schemas.microsoft.com/office/drawing/2014/main" id="{4DC97E54-DD60-BF53-56F2-0134C51F8423}"/>
+                <a16:creationId xmlns:a16="http://schemas.microsoft.com/office/drawing/2014/main" id="{C87D4BE9-456D-E340-C014-0BB04C3A1B12}"/>
               </a:ext>
             </a:extLst>
           </p:cNvPr>
@@ -3570,7 +6447,7 @@
             <a:spLocks noGrp="1"/>
           </p:cNvSpPr>
           <p:nvPr>
-            <p:ph type="ctrTitle"/>
+            <p:ph type="title"/>
           </p:nvPr>
         </p:nvSpPr>
         <p:spPr/>
@@ -3579,41 +6456,97 @@
           <a:lstStyle/>
           <a:p>
             <a:r>
-              <a:rPr lang="ru-RU"/>
-              <a:t>Все</a:t>
+              <a:rPr lang="ru-RU" dirty="0"/>
+              <a:t>Она сдалась</a:t>
             </a:r>
           </a:p>
         </p:txBody>
       </p:sp>
       <p:sp>
         <p:nvSpPr>
-          <p:cNvPr id="3" name="Подзаголовок 2">
-            <a:extLst>
-              <a:ext uri="{FF2B5EF4-FFF2-40B4-BE49-F238E27FC236}">
-                <a16:creationId xmlns:a16="http://schemas.microsoft.com/office/drawing/2014/main" id="{7E24B534-FE16-D140-A3D0-69F8FC635477}"/>
-              </a:ext>
-            </a:extLst>
-          </p:cNvPr>
-          <p:cNvSpPr>
-            <a:spLocks noGrp="1"/>
-          </p:cNvSpPr>
-          <p:nvPr>
-            <p:ph type="subTitle" idx="1"/>
-          </p:nvPr>
+          <p:cNvPr id="8" name="Прямоугольник 7">
+            <a:extLst>
+              <a:ext uri="{FF2B5EF4-FFF2-40B4-BE49-F238E27FC236}">
+                <a16:creationId xmlns:a16="http://schemas.microsoft.com/office/drawing/2014/main" id="{AB0A79A8-B4D7-BAB8-C3C0-341482C9F4DE}"/>
+              </a:ext>
+            </a:extLst>
+          </p:cNvPr>
+          <p:cNvSpPr/>
+          <p:nvPr/>
         </p:nvSpPr>
-        <p:spPr/>
+        <p:spPr>
+          <a:xfrm>
+            <a:off x="2501291" y="1850927"/>
+            <a:ext cx="5417024" cy="172425"/>
+          </a:xfrm>
+          <a:prstGeom prst="rect">
+            <a:avLst/>
+          </a:prstGeom>
+        </p:spPr>
+        <p:style>
+          <a:lnRef idx="2">
+            <a:schemeClr val="accent1">
+              <a:shade val="15000"/>
+            </a:schemeClr>
+          </a:lnRef>
+          <a:fillRef idx="1">
+            <a:schemeClr val="accent1"/>
+          </a:fillRef>
+          <a:effectRef idx="0">
+            <a:schemeClr val="accent1"/>
+          </a:effectRef>
+          <a:fontRef idx="minor">
+            <a:schemeClr val="lt1"/>
+          </a:fontRef>
+        </p:style>
         <p:txBody>
-          <a:bodyPr/>
+          <a:bodyPr rtlCol="0" anchor="ctr"/>
           <a:lstStyle/>
           <a:p>
+            <a:pPr algn="ctr"/>
             <a:endParaRPr lang="ru-RU"/>
           </a:p>
         </p:txBody>
       </p:sp>
+      <p:pic>
+        <p:nvPicPr>
+          <p:cNvPr id="12" name="Объект 11" descr="Изображение выглядит как текст, снимок экрана, программное обеспечение, Значок на компьютере&#10;&#10;Контент, сгенерированный ИИ, может содержать ошибки.">
+            <a:extLst>
+              <a:ext uri="{FF2B5EF4-FFF2-40B4-BE49-F238E27FC236}">
+                <a16:creationId xmlns:a16="http://schemas.microsoft.com/office/drawing/2014/main" id="{1C11338E-37B7-B373-8BE7-A40F6F326190}"/>
+              </a:ext>
+            </a:extLst>
+          </p:cNvPr>
+          <p:cNvPicPr>
+            <a:picLocks noGrp="1" noChangeAspect="1"/>
+          </p:cNvPicPr>
+          <p:nvPr>
+            <p:ph idx="1"/>
+          </p:nvPr>
+        </p:nvPicPr>
+        <p:blipFill>
+          <a:blip r:embed="rId2">
+            <a:extLst>
+              <a:ext uri="{28A0092B-C50C-407E-A947-70E740481C1C}">
+                <a14:useLocalDpi xmlns:a14="http://schemas.microsoft.com/office/drawing/2010/main" val="0"/>
+              </a:ext>
+            </a:extLst>
+          </a:blip>
+          <a:stretch>
+            <a:fillRect/>
+          </a:stretch>
+        </p:blipFill>
+        <p:spPr>
+          <a:xfrm>
+            <a:off x="2228144" y="1825625"/>
+            <a:ext cx="7735712" cy="4351338"/>
+          </a:xfrm>
+        </p:spPr>
+      </p:pic>
     </p:spTree>
     <p:extLst>
       <p:ext uri="{BB962C8B-B14F-4D97-AF65-F5344CB8AC3E}">
-        <p14:creationId xmlns:p14="http://schemas.microsoft.com/office/powerpoint/2010/main" val="3713237873"/>
+        <p14:creationId xmlns:p14="http://schemas.microsoft.com/office/powerpoint/2010/main" val="2335608656"/>
       </p:ext>
     </p:extLst>
   </p:cSld>
@@ -3623,7 +6556,7 @@
 </p:sld>
 </file>
 
-<file path=ppt/slides/slide2.xml><?xml version="1.0" encoding="utf-8"?>
+<file path=ppt/slides/slide11.xml><?xml version="1.0" encoding="utf-8"?>
 <p:sld xmlns:a="http://schemas.openxmlformats.org/drawingml/2006/main" xmlns:r="http://schemas.openxmlformats.org/officeDocument/2006/relationships" xmlns:p="http://schemas.openxmlformats.org/presentationml/2006/main">
   <p:cSld>
     <p:spTree>
@@ -3645,7 +6578,7 @@
           <p:cNvPr id="2" name="Заголовок 1">
             <a:extLst>
               <a:ext uri="{FF2B5EF4-FFF2-40B4-BE49-F238E27FC236}">
-                <a16:creationId xmlns:a16="http://schemas.microsoft.com/office/drawing/2014/main" id="{F8F64E0F-E5BE-53DE-301B-4D61C559AC6B}"/>
+                <a16:creationId xmlns:a16="http://schemas.microsoft.com/office/drawing/2014/main" id="{94A5F694-1417-F1B2-C1D1-35344825C1DA}"/>
               </a:ext>
             </a:extLst>
           </p:cNvPr>
@@ -3662,80 +6595,182 @@
           <a:lstStyle/>
           <a:p>
             <a:r>
+              <a:rPr lang="ru-RU" dirty="0" err="1"/>
+              <a:t>Лидерборд</a:t>
+            </a:r>
+            <a:r>
               <a:rPr lang="ru-RU" dirty="0"/>
-              <a:t>Строки кода</a:t>
+              <a:t> адекватный</a:t>
             </a:r>
           </a:p>
         </p:txBody>
       </p:sp>
       <p:sp>
         <p:nvSpPr>
-          <p:cNvPr id="3" name="Объект 2">
-            <a:extLst>
-              <a:ext uri="{FF2B5EF4-FFF2-40B4-BE49-F238E27FC236}">
-                <a16:creationId xmlns:a16="http://schemas.microsoft.com/office/drawing/2014/main" id="{E2450A41-BF74-A307-7EEB-7C8713D625D7}"/>
-              </a:ext>
-            </a:extLst>
-          </p:cNvPr>
-          <p:cNvSpPr>
-            <a:spLocks noGrp="1"/>
-          </p:cNvSpPr>
-          <p:nvPr>
-            <p:ph idx="1"/>
-          </p:nvPr>
+          <p:cNvPr id="9" name="Прямоугольник 8">
+            <a:extLst>
+              <a:ext uri="{FF2B5EF4-FFF2-40B4-BE49-F238E27FC236}">
+                <a16:creationId xmlns:a16="http://schemas.microsoft.com/office/drawing/2014/main" id="{6A83AA91-22B5-0D6E-9D0A-2C8CFED2FBF7}"/>
+              </a:ext>
+            </a:extLst>
+          </p:cNvPr>
+          <p:cNvSpPr/>
+          <p:nvPr/>
         </p:nvSpPr>
-        <p:spPr/>
+        <p:spPr>
+          <a:xfrm>
+            <a:off x="954593" y="2522136"/>
+            <a:ext cx="3647552" cy="150726"/>
+          </a:xfrm>
+          <a:prstGeom prst="rect">
+            <a:avLst/>
+          </a:prstGeom>
+        </p:spPr>
+        <p:style>
+          <a:lnRef idx="2">
+            <a:schemeClr val="accent1">
+              <a:shade val="15000"/>
+            </a:schemeClr>
+          </a:lnRef>
+          <a:fillRef idx="1">
+            <a:schemeClr val="accent1"/>
+          </a:fillRef>
+          <a:effectRef idx="0">
+            <a:schemeClr val="accent1"/>
+          </a:effectRef>
+          <a:fontRef idx="minor">
+            <a:schemeClr val="lt1"/>
+          </a:fontRef>
+        </p:style>
         <p:txBody>
-          <a:bodyPr/>
+          <a:bodyPr rtlCol="0" anchor="ctr"/>
           <a:lstStyle/>
           <a:p>
-            <a:r>
-              <a:rPr lang="ru-RU" dirty="0"/>
-              <a:t>Их точно больше 500, т.к. только два файла </a:t>
-            </a:r>
-            <a:r>
-              <a:rPr lang="en-US" dirty="0"/>
-              <a:t>*.</a:t>
-            </a:r>
-            <a:r>
-              <a:rPr lang="en-US" dirty="0" err="1"/>
-              <a:t>py</a:t>
-            </a:r>
-            <a:r>
-              <a:rPr lang="en-US" dirty="0"/>
-              <a:t> </a:t>
-            </a:r>
-            <a:r>
-              <a:rPr lang="ru-RU" dirty="0"/>
-              <a:t>и </a:t>
-            </a:r>
-            <a:r>
-              <a:rPr lang="en-US" dirty="0"/>
-              <a:t>*.</a:t>
-            </a:r>
-            <a:r>
-              <a:rPr lang="en-US" dirty="0" err="1"/>
-              <a:t>py</a:t>
-            </a:r>
-            <a:r>
-              <a:rPr lang="en-US" dirty="0"/>
-              <a:t> </a:t>
-            </a:r>
-            <a:r>
-              <a:rPr lang="ru-RU" dirty="0"/>
-              <a:t>уже дают больше 600 строк</a:t>
-            </a:r>
-            <a:br>
-              <a:rPr lang="ru-RU" dirty="0"/>
-            </a:br>
-            <a:endParaRPr lang="ru-RU" dirty="0"/>
+            <a:pPr algn="ctr"/>
+            <a:endParaRPr lang="ru-RU"/>
           </a:p>
         </p:txBody>
       </p:sp>
+      <p:sp>
+        <p:nvSpPr>
+          <p:cNvPr id="10" name="Прямоугольник 9">
+            <a:extLst>
+              <a:ext uri="{FF2B5EF4-FFF2-40B4-BE49-F238E27FC236}">
+                <a16:creationId xmlns:a16="http://schemas.microsoft.com/office/drawing/2014/main" id="{957BCBD0-F253-348B-836C-BB31787F5850}"/>
+              </a:ext>
+            </a:extLst>
+          </p:cNvPr>
+          <p:cNvSpPr/>
+          <p:nvPr/>
+        </p:nvSpPr>
+        <p:spPr>
+          <a:xfrm>
+            <a:off x="6369656" y="2548077"/>
+            <a:ext cx="3647552" cy="150726"/>
+          </a:xfrm>
+          <a:prstGeom prst="rect">
+            <a:avLst/>
+          </a:prstGeom>
+        </p:spPr>
+        <p:style>
+          <a:lnRef idx="2">
+            <a:schemeClr val="accent1">
+              <a:shade val="15000"/>
+            </a:schemeClr>
+          </a:lnRef>
+          <a:fillRef idx="1">
+            <a:schemeClr val="accent1"/>
+          </a:fillRef>
+          <a:effectRef idx="0">
+            <a:schemeClr val="accent1"/>
+          </a:effectRef>
+          <a:fontRef idx="minor">
+            <a:schemeClr val="lt1"/>
+          </a:fontRef>
+        </p:style>
+        <p:txBody>
+          <a:bodyPr rtlCol="0" anchor="ctr"/>
+          <a:lstStyle/>
+          <a:p>
+            <a:pPr algn="ctr"/>
+            <a:endParaRPr lang="ru-RU"/>
+          </a:p>
+        </p:txBody>
+      </p:sp>
+      <p:pic>
+        <p:nvPicPr>
+          <p:cNvPr id="14" name="Объект 13" descr="Изображение выглядит как текст, снимок экрана, программное обеспечение, Значок на компьютере&#10;&#10;Контент, сгенерированный ИИ, может содержать ошибки.">
+            <a:extLst>
+              <a:ext uri="{FF2B5EF4-FFF2-40B4-BE49-F238E27FC236}">
+                <a16:creationId xmlns:a16="http://schemas.microsoft.com/office/drawing/2014/main" id="{8BA4C3CF-D796-F6F1-D735-9157984887B8}"/>
+              </a:ext>
+            </a:extLst>
+          </p:cNvPr>
+          <p:cNvPicPr>
+            <a:picLocks noGrp="1" noChangeAspect="1"/>
+          </p:cNvPicPr>
+          <p:nvPr>
+            <p:ph sz="half" idx="1"/>
+          </p:nvPr>
+        </p:nvPicPr>
+        <p:blipFill>
+          <a:blip r:embed="rId2">
+            <a:extLst>
+              <a:ext uri="{28A0092B-C50C-407E-A947-70E740481C1C}">
+                <a14:useLocalDpi xmlns:a14="http://schemas.microsoft.com/office/drawing/2010/main" val="0"/>
+              </a:ext>
+            </a:extLst>
+          </a:blip>
+          <a:stretch>
+            <a:fillRect/>
+          </a:stretch>
+        </p:blipFill>
+        <p:spPr>
+          <a:xfrm>
+            <a:off x="564204" y="2110902"/>
+            <a:ext cx="5455596" cy="4007796"/>
+          </a:xfrm>
+        </p:spPr>
+      </p:pic>
+      <p:pic>
+        <p:nvPicPr>
+          <p:cNvPr id="16" name="Объект 15" descr="Изображение выглядит как текст, снимок экрана, программное обеспечение, Значок на компьютере&#10;&#10;Контент, сгенерированный ИИ, может содержать ошибки.">
+            <a:extLst>
+              <a:ext uri="{FF2B5EF4-FFF2-40B4-BE49-F238E27FC236}">
+                <a16:creationId xmlns:a16="http://schemas.microsoft.com/office/drawing/2014/main" id="{6AC0B759-2EBF-1740-8862-36F9B2BD93A4}"/>
+              </a:ext>
+            </a:extLst>
+          </p:cNvPr>
+          <p:cNvPicPr>
+            <a:picLocks noGrp="1" noChangeAspect="1"/>
+          </p:cNvPicPr>
+          <p:nvPr>
+            <p:ph sz="half" idx="2"/>
+          </p:nvPr>
+        </p:nvPicPr>
+        <p:blipFill>
+          <a:blip r:embed="rId3">
+            <a:extLst>
+              <a:ext uri="{28A0092B-C50C-407E-A947-70E740481C1C}">
+                <a14:useLocalDpi xmlns:a14="http://schemas.microsoft.com/office/drawing/2010/main" val="0"/>
+              </a:ext>
+            </a:extLst>
+          </a:blip>
+          <a:stretch>
+            <a:fillRect/>
+          </a:stretch>
+        </p:blipFill>
+        <p:spPr>
+          <a:xfrm>
+            <a:off x="6172200" y="2130358"/>
+            <a:ext cx="5181600" cy="3978612"/>
+          </a:xfrm>
+        </p:spPr>
+      </p:pic>
     </p:spTree>
     <p:extLst>
       <p:ext uri="{BB962C8B-B14F-4D97-AF65-F5344CB8AC3E}">
-        <p14:creationId xmlns:p14="http://schemas.microsoft.com/office/powerpoint/2010/main" val="1319883804"/>
+        <p14:creationId xmlns:p14="http://schemas.microsoft.com/office/powerpoint/2010/main" val="2913436065"/>
       </p:ext>
     </p:extLst>
   </p:cSld>
@@ -3745,7 +6780,7 @@
 </p:sld>
 </file>
 
-<file path=ppt/slides/slide3.xml><?xml version="1.0" encoding="utf-8"?>
+<file path=ppt/slides/slide12.xml><?xml version="1.0" encoding="utf-8"?>
 <p:sld xmlns:a="http://schemas.openxmlformats.org/drawingml/2006/main" xmlns:r="http://schemas.openxmlformats.org/officeDocument/2006/relationships" xmlns:p="http://schemas.openxmlformats.org/presentationml/2006/main">
   <p:cSld>
     <p:spTree>
@@ -3767,7 +6802,7 @@
           <p:cNvPr id="2" name="Заголовок 1">
             <a:extLst>
               <a:ext uri="{FF2B5EF4-FFF2-40B4-BE49-F238E27FC236}">
-                <a16:creationId xmlns:a16="http://schemas.microsoft.com/office/drawing/2014/main" id="{213DB23A-761E-24A5-0BF2-C86585163EBF}"/>
+                <a16:creationId xmlns:a16="http://schemas.microsoft.com/office/drawing/2014/main" id="{4BFD9B74-1E89-410C-F4A0-7BE2669DB42D}"/>
               </a:ext>
             </a:extLst>
           </p:cNvPr>
@@ -3785,17 +6820,17 @@
           <a:p>
             <a:r>
               <a:rPr lang="ru-RU" dirty="0"/>
-              <a:t>Структура</a:t>
+              <a:t>Можно удалить аккаунт</a:t>
             </a:r>
           </a:p>
         </p:txBody>
       </p:sp>
       <p:pic>
         <p:nvPicPr>
-          <p:cNvPr id="5" name="Объект 4" descr="Изображение выглядит как текст, снимок экрана, дисплей, программное обеспечение&#10;&#10;Контент, сгенерированный ИИ, может содержать ошибки.">
-            <a:extLst>
-              <a:ext uri="{FF2B5EF4-FFF2-40B4-BE49-F238E27FC236}">
-                <a16:creationId xmlns:a16="http://schemas.microsoft.com/office/drawing/2014/main" id="{5A944E30-BE87-60C5-9819-DE7D7D0A4539}"/>
+          <p:cNvPr id="5" name="Объект 4" descr="Изображение выглядит как текст, снимок экрана, программное обеспечение, Значок на компьютере&#10;&#10;Контент, сгенерированный ИИ, может содержать ошибки.">
+            <a:extLst>
+              <a:ext uri="{FF2B5EF4-FFF2-40B4-BE49-F238E27FC236}">
+                <a16:creationId xmlns:a16="http://schemas.microsoft.com/office/drawing/2014/main" id="{0CB0B2C8-9B04-3913-1C1B-DBF92C6E7403}"/>
               </a:ext>
             </a:extLst>
           </p:cNvPr>
@@ -3825,8 +6860,1694 @@
           </a:xfrm>
         </p:spPr>
       </p:pic>
-      <mc:AlternateContent xmlns:mc="http://schemas.openxmlformats.org/markup-compatibility/2006">
-        <mc:Choice xmlns:p14="http://schemas.microsoft.com/office/powerpoint/2010/main" Requires="p14">
+    </p:spTree>
+    <p:extLst>
+      <p:ext uri="{BB962C8B-B14F-4D97-AF65-F5344CB8AC3E}">
+        <p14:creationId xmlns:p14="http://schemas.microsoft.com/office/powerpoint/2010/main" val="4200014537"/>
+      </p:ext>
+    </p:extLst>
+  </p:cSld>
+  <p:clrMapOvr>
+    <a:masterClrMapping/>
+  </p:clrMapOvr>
+</p:sld>
+</file>
+
+<file path=ppt/slides/slide13.xml><?xml version="1.0" encoding="utf-8"?>
+<p:sld xmlns:a="http://schemas.openxmlformats.org/drawingml/2006/main" xmlns:r="http://schemas.openxmlformats.org/officeDocument/2006/relationships" xmlns:p="http://schemas.openxmlformats.org/presentationml/2006/main">
+  <p:cSld>
+    <p:spTree>
+      <p:nvGrpSpPr>
+        <p:cNvPr id="1" name=""/>
+        <p:cNvGrpSpPr/>
+        <p:nvPr/>
+      </p:nvGrpSpPr>
+      <p:grpSpPr>
+        <a:xfrm>
+          <a:off x="0" y="0"/>
+          <a:ext cx="0" cy="0"/>
+          <a:chOff x="0" y="0"/>
+          <a:chExt cx="0" cy="0"/>
+        </a:xfrm>
+      </p:grpSpPr>
+      <p:sp>
+        <p:nvSpPr>
+          <p:cNvPr id="2" name="Заголовок 1">
+            <a:extLst>
+              <a:ext uri="{FF2B5EF4-FFF2-40B4-BE49-F238E27FC236}">
+                <a16:creationId xmlns:a16="http://schemas.microsoft.com/office/drawing/2014/main" id="{4DC97E54-DD60-BF53-56F2-0134C51F8423}"/>
+              </a:ext>
+            </a:extLst>
+          </p:cNvPr>
+          <p:cNvSpPr>
+            <a:spLocks noGrp="1"/>
+          </p:cNvSpPr>
+          <p:nvPr>
+            <p:ph type="ctrTitle"/>
+          </p:nvPr>
+        </p:nvSpPr>
+        <p:spPr/>
+        <p:txBody>
+          <a:bodyPr/>
+          <a:lstStyle/>
+          <a:p>
+            <a:r>
+              <a:rPr lang="ru-RU"/>
+              <a:t>Все</a:t>
+            </a:r>
+          </a:p>
+        </p:txBody>
+      </p:sp>
+      <p:sp>
+        <p:nvSpPr>
+          <p:cNvPr id="3" name="Подзаголовок 2">
+            <a:extLst>
+              <a:ext uri="{FF2B5EF4-FFF2-40B4-BE49-F238E27FC236}">
+                <a16:creationId xmlns:a16="http://schemas.microsoft.com/office/drawing/2014/main" id="{7E24B534-FE16-D140-A3D0-69F8FC635477}"/>
+              </a:ext>
+            </a:extLst>
+          </p:cNvPr>
+          <p:cNvSpPr>
+            <a:spLocks noGrp="1"/>
+          </p:cNvSpPr>
+          <p:nvPr>
+            <p:ph type="subTitle" idx="1"/>
+          </p:nvPr>
+        </p:nvSpPr>
+        <p:spPr/>
+        <p:txBody>
+          <a:bodyPr/>
+          <a:lstStyle/>
+          <a:p>
+            <a:endParaRPr lang="ru-RU"/>
+          </a:p>
+        </p:txBody>
+      </p:sp>
+    </p:spTree>
+    <p:extLst>
+      <p:ext uri="{BB962C8B-B14F-4D97-AF65-F5344CB8AC3E}">
+        <p14:creationId xmlns:p14="http://schemas.microsoft.com/office/powerpoint/2010/main" val="3713237873"/>
+      </p:ext>
+    </p:extLst>
+  </p:cSld>
+  <p:clrMapOvr>
+    <a:masterClrMapping/>
+  </p:clrMapOvr>
+</p:sld>
+</file>
+
+<file path=ppt/slides/slide2.xml><?xml version="1.0" encoding="utf-8"?>
+<p:sld xmlns:a="http://schemas.openxmlformats.org/drawingml/2006/main" xmlns:r="http://schemas.openxmlformats.org/officeDocument/2006/relationships" xmlns:p="http://schemas.openxmlformats.org/presentationml/2006/main">
+  <p:cSld>
+    <p:bg>
+      <p:bgPr>
+        <a:solidFill>
+          <a:schemeClr val="bg1"/>
+        </a:solidFill>
+        <a:effectLst/>
+      </p:bgPr>
+    </p:bg>
+    <p:spTree>
+      <p:nvGrpSpPr>
+        <p:cNvPr id="1" name=""/>
+        <p:cNvGrpSpPr/>
+        <p:nvPr/>
+      </p:nvGrpSpPr>
+      <p:grpSpPr>
+        <a:xfrm>
+          <a:off x="0" y="0"/>
+          <a:ext cx="0" cy="0"/>
+          <a:chOff x="0" y="0"/>
+          <a:chExt cx="0" cy="0"/>
+        </a:xfrm>
+      </p:grpSpPr>
+      <p:sp useBgFill="1">
+        <p:nvSpPr>
+          <p:cNvPr id="9" name="Rectangle 8">
+            <a:extLst>
+              <a:ext uri="{FF2B5EF4-FFF2-40B4-BE49-F238E27FC236}">
+                <a16:creationId xmlns:a16="http://schemas.microsoft.com/office/drawing/2014/main" id="{BACC6370-2D7E-4714-9D71-7542949D7D5D}"/>
+              </a:ext>
+              <a:ext uri="{C183D7F6-B498-43B3-948B-1728B52AA6E4}">
+                <adec:decorative xmlns:adec="http://schemas.microsoft.com/office/drawing/2017/decorative" val="1"/>
+              </a:ext>
+            </a:extLst>
+          </p:cNvPr>
+          <p:cNvSpPr>
+            <a:spLocks noGrp="1" noRot="1" noChangeAspect="1" noMove="1" noResize="1" noEditPoints="1" noAdjustHandles="1" noChangeArrowheads="1" noChangeShapeType="1" noTextEdit="1"/>
+          </p:cNvSpPr>
+          <p:nvPr>
+            <p:extLst>
+              <p:ext uri="{386F3935-93C4-4BCD-93E2-E3B085C9AB24}">
+                <p16:designElem xmlns:p16="http://schemas.microsoft.com/office/powerpoint/2015/main" val="1"/>
+              </p:ext>
+            </p:extLst>
+          </p:nvPr>
+        </p:nvSpPr>
+        <p:spPr>
+          <a:xfrm>
+            <a:off x="0" y="0"/>
+            <a:ext cx="12192000" cy="6858000"/>
+          </a:xfrm>
+          <a:prstGeom prst="rect">
+            <a:avLst/>
+          </a:prstGeom>
+          <a:ln w="12700" cap="flat" cmpd="sng" algn="ctr">
+            <a:noFill/>
+            <a:prstDash val="solid"/>
+            <a:miter lim="800000"/>
+          </a:ln>
+          <a:effectLst/>
+          <a:extLst>
+            <a:ext uri="{91240B29-F687-4F45-9708-019B960494DF}">
+              <a14:hiddenLine xmlns:a14="http://schemas.microsoft.com/office/drawing/2010/main" w="12700" cap="flat" cmpd="sng" algn="ctr">
+                <a:solidFill>
+                  <a:schemeClr val="accent1">
+                    <a:shade val="50000"/>
+                  </a:schemeClr>
+                </a:solidFill>
+                <a:prstDash val="solid"/>
+                <a:miter lim="800000"/>
+              </a14:hiddenLine>
+            </a:ext>
+          </a:extLst>
+        </p:spPr>
+        <p:style>
+          <a:lnRef idx="2">
+            <a:schemeClr val="accent1">
+              <a:shade val="50000"/>
+            </a:schemeClr>
+          </a:lnRef>
+          <a:fillRef idx="1">
+            <a:schemeClr val="accent1"/>
+          </a:fillRef>
+          <a:effectRef idx="0">
+            <a:schemeClr val="accent1"/>
+          </a:effectRef>
+          <a:fontRef idx="minor">
+            <a:schemeClr val="lt1"/>
+          </a:fontRef>
+        </p:style>
+        <p:txBody>
+          <a:bodyPr rtlCol="0" anchor="ctr"/>
+          <a:lstStyle/>
+          <a:p>
+            <a:pPr algn="ctr"/>
+            <a:endParaRPr lang="en-US"/>
+          </a:p>
+        </p:txBody>
+      </p:sp>
+      <p:sp>
+        <p:nvSpPr>
+          <p:cNvPr id="11" name="Rectangle 10">
+            <a:extLst>
+              <a:ext uri="{FF2B5EF4-FFF2-40B4-BE49-F238E27FC236}">
+                <a16:creationId xmlns:a16="http://schemas.microsoft.com/office/drawing/2014/main" id="{256B2C21-A230-48C0-8DF1-C46611373C44}"/>
+              </a:ext>
+              <a:ext uri="{C183D7F6-B498-43B3-948B-1728B52AA6E4}">
+                <adec:decorative xmlns:adec="http://schemas.microsoft.com/office/drawing/2017/decorative" val="1"/>
+              </a:ext>
+            </a:extLst>
+          </p:cNvPr>
+          <p:cNvSpPr>
+            <a:spLocks noGrp="1" noRot="1" noChangeAspect="1" noMove="1" noResize="1" noEditPoints="1" noAdjustHandles="1" noChangeArrowheads="1" noChangeShapeType="1" noTextEdit="1"/>
+          </p:cNvSpPr>
+          <p:nvPr>
+            <p:extLst>
+              <p:ext uri="{386F3935-93C4-4BCD-93E2-E3B085C9AB24}">
+                <p16:designElem xmlns:p16="http://schemas.microsoft.com/office/powerpoint/2015/main" val="1"/>
+              </p:ext>
+            </p:extLst>
+          </p:nvPr>
+        </p:nvSpPr>
+        <p:spPr>
+          <a:xfrm rot="5400000" flipH="1">
+            <a:off x="-1410084" y="1410082"/>
+            <a:ext cx="6858000" cy="4037836"/>
+          </a:xfrm>
+          <a:prstGeom prst="rect">
+            <a:avLst/>
+          </a:prstGeom>
+          <a:gradFill>
+            <a:gsLst>
+              <a:gs pos="8000">
+                <a:srgbClr val="000000"/>
+              </a:gs>
+              <a:gs pos="100000">
+                <a:schemeClr val="accent1">
+                  <a:lumMod val="75000"/>
+                </a:schemeClr>
+              </a:gs>
+            </a:gsLst>
+            <a:lin ang="3000000" scaled="0"/>
+          </a:gradFill>
+          <a:ln>
+            <a:noFill/>
+          </a:ln>
+        </p:spPr>
+        <p:style>
+          <a:lnRef idx="2">
+            <a:schemeClr val="accent1">
+              <a:shade val="50000"/>
+            </a:schemeClr>
+          </a:lnRef>
+          <a:fillRef idx="1">
+            <a:schemeClr val="accent1"/>
+          </a:fillRef>
+          <a:effectRef idx="0">
+            <a:schemeClr val="accent1"/>
+          </a:effectRef>
+          <a:fontRef idx="minor">
+            <a:schemeClr val="lt1"/>
+          </a:fontRef>
+        </p:style>
+        <p:txBody>
+          <a:bodyPr rtlCol="0" anchor="ctr"/>
+          <a:lstStyle/>
+          <a:p>
+            <a:pPr algn="ctr"/>
+            <a:endParaRPr lang="en-US"/>
+          </a:p>
+        </p:txBody>
+      </p:sp>
+      <p:sp>
+        <p:nvSpPr>
+          <p:cNvPr id="13" name="Rectangle 12">
+            <a:extLst>
+              <a:ext uri="{FF2B5EF4-FFF2-40B4-BE49-F238E27FC236}">
+                <a16:creationId xmlns:a16="http://schemas.microsoft.com/office/drawing/2014/main" id="{3847E18C-932D-4C95-AABA-FEC7C9499AD7}"/>
+              </a:ext>
+              <a:ext uri="{C183D7F6-B498-43B3-948B-1728B52AA6E4}">
+                <adec:decorative xmlns:adec="http://schemas.microsoft.com/office/drawing/2017/decorative" val="1"/>
+              </a:ext>
+            </a:extLst>
+          </p:cNvPr>
+          <p:cNvSpPr>
+            <a:spLocks noGrp="1" noRot="1" noChangeAspect="1" noMove="1" noResize="1" noEditPoints="1" noAdjustHandles="1" noChangeArrowheads="1" noChangeShapeType="1" noTextEdit="1"/>
+          </p:cNvSpPr>
+          <p:nvPr>
+            <p:extLst>
+              <p:ext uri="{386F3935-93C4-4BCD-93E2-E3B085C9AB24}">
+                <p16:designElem xmlns:p16="http://schemas.microsoft.com/office/powerpoint/2015/main" val="1"/>
+              </p:ext>
+            </p:extLst>
+          </p:nvPr>
+        </p:nvSpPr>
+        <p:spPr>
+          <a:xfrm rot="5400000" flipH="1">
+            <a:off x="-1410085" y="1420219"/>
+            <a:ext cx="6857999" cy="4037839"/>
+          </a:xfrm>
+          <a:prstGeom prst="rect">
+            <a:avLst/>
+          </a:prstGeom>
+          <a:gradFill>
+            <a:gsLst>
+              <a:gs pos="0">
+                <a:srgbClr val="000000">
+                  <a:alpha val="0"/>
+                </a:srgbClr>
+              </a:gs>
+              <a:gs pos="99000">
+                <a:schemeClr val="accent1">
+                  <a:alpha val="46000"/>
+                </a:schemeClr>
+              </a:gs>
+            </a:gsLst>
+            <a:lin ang="1800000" scaled="0"/>
+          </a:gradFill>
+          <a:ln>
+            <a:noFill/>
+          </a:ln>
+        </p:spPr>
+        <p:style>
+          <a:lnRef idx="2">
+            <a:schemeClr val="accent1">
+              <a:shade val="50000"/>
+            </a:schemeClr>
+          </a:lnRef>
+          <a:fillRef idx="1">
+            <a:schemeClr val="accent1"/>
+          </a:fillRef>
+          <a:effectRef idx="0">
+            <a:schemeClr val="accent1"/>
+          </a:effectRef>
+          <a:fontRef idx="minor">
+            <a:schemeClr val="lt1"/>
+          </a:fontRef>
+        </p:style>
+        <p:txBody>
+          <a:bodyPr rtlCol="0" anchor="ctr"/>
+          <a:lstStyle/>
+          <a:p>
+            <a:pPr algn="ctr"/>
+            <a:endParaRPr lang="en-US"/>
+          </a:p>
+        </p:txBody>
+      </p:sp>
+      <p:sp>
+        <p:nvSpPr>
+          <p:cNvPr id="15" name="Rectangle 14">
+            <a:extLst>
+              <a:ext uri="{FF2B5EF4-FFF2-40B4-BE49-F238E27FC236}">
+                <a16:creationId xmlns:a16="http://schemas.microsoft.com/office/drawing/2014/main" id="{3150CB11-0C61-439E-910F-5787759E72A0}"/>
+              </a:ext>
+              <a:ext uri="{C183D7F6-B498-43B3-948B-1728B52AA6E4}">
+                <adec:decorative xmlns:adec="http://schemas.microsoft.com/office/drawing/2017/decorative" val="1"/>
+              </a:ext>
+            </a:extLst>
+          </p:cNvPr>
+          <p:cNvSpPr>
+            <a:spLocks noGrp="1" noRot="1" noChangeAspect="1" noMove="1" noResize="1" noEditPoints="1" noAdjustHandles="1" noChangeArrowheads="1" noChangeShapeType="1" noTextEdit="1"/>
+          </p:cNvSpPr>
+          <p:nvPr>
+            <p:extLst>
+              <p:ext uri="{386F3935-93C4-4BCD-93E2-E3B085C9AB24}">
+                <p16:designElem xmlns:p16="http://schemas.microsoft.com/office/powerpoint/2015/main" val="1"/>
+              </p:ext>
+            </p:extLst>
+          </p:nvPr>
+        </p:nvSpPr>
+        <p:spPr>
+          <a:xfrm rot="5400000" flipH="1">
+            <a:off x="767923" y="3588085"/>
+            <a:ext cx="2501979" cy="4037841"/>
+          </a:xfrm>
+          <a:prstGeom prst="rect">
+            <a:avLst/>
+          </a:prstGeom>
+          <a:gradFill>
+            <a:gsLst>
+              <a:gs pos="2000">
+                <a:schemeClr val="accent1">
+                  <a:alpha val="29000"/>
+                </a:schemeClr>
+              </a:gs>
+              <a:gs pos="100000">
+                <a:srgbClr val="000000">
+                  <a:alpha val="30000"/>
+                </a:srgbClr>
+              </a:gs>
+            </a:gsLst>
+            <a:lin ang="7800000" scaled="0"/>
+          </a:gradFill>
+          <a:ln>
+            <a:noFill/>
+          </a:ln>
+        </p:spPr>
+        <p:style>
+          <a:lnRef idx="2">
+            <a:schemeClr val="accent1">
+              <a:shade val="50000"/>
+            </a:schemeClr>
+          </a:lnRef>
+          <a:fillRef idx="1">
+            <a:schemeClr val="accent1"/>
+          </a:fillRef>
+          <a:effectRef idx="0">
+            <a:schemeClr val="accent1"/>
+          </a:effectRef>
+          <a:fontRef idx="minor">
+            <a:schemeClr val="lt1"/>
+          </a:fontRef>
+        </p:style>
+        <p:txBody>
+          <a:bodyPr rtlCol="0" anchor="ctr"/>
+          <a:lstStyle/>
+          <a:p>
+            <a:pPr algn="ctr"/>
+            <a:endParaRPr lang="en-US" dirty="0"/>
+          </a:p>
+        </p:txBody>
+      </p:sp>
+      <p:sp>
+        <p:nvSpPr>
+          <p:cNvPr id="17" name="Freeform: Shape 16">
+            <a:extLst>
+              <a:ext uri="{FF2B5EF4-FFF2-40B4-BE49-F238E27FC236}">
+                <a16:creationId xmlns:a16="http://schemas.microsoft.com/office/drawing/2014/main" id="{43F8A58B-5155-44CE-A5FF-7647B47D0A7A}"/>
+              </a:ext>
+              <a:ext uri="{C183D7F6-B498-43B3-948B-1728B52AA6E4}">
+                <adec:decorative xmlns:adec="http://schemas.microsoft.com/office/drawing/2017/decorative" val="1"/>
+              </a:ext>
+            </a:extLst>
+          </p:cNvPr>
+          <p:cNvSpPr>
+            <a:spLocks noGrp="1" noRot="1" noChangeAspect="1" noMove="1" noResize="1" noEditPoints="1" noAdjustHandles="1" noChangeArrowheads="1" noChangeShapeType="1" noTextEdit="1"/>
+          </p:cNvSpPr>
+          <p:nvPr>
+            <p:extLst>
+              <p:ext uri="{386F3935-93C4-4BCD-93E2-E3B085C9AB24}">
+                <p16:designElem xmlns:p16="http://schemas.microsoft.com/office/powerpoint/2015/main" val="1"/>
+              </p:ext>
+            </p:extLst>
+          </p:nvPr>
+        </p:nvSpPr>
+        <p:spPr>
+          <a:xfrm rot="20635413">
+            <a:off x="-501737" y="969718"/>
+            <a:ext cx="3900357" cy="4178958"/>
+          </a:xfrm>
+          <a:custGeom>
+            <a:avLst/>
+            <a:gdLst>
+              <a:gd name="connsiteX0" fmla="*/ 2432225 w 3900357"/>
+              <a:gd name="connsiteY0" fmla="*/ 93939 h 4178958"/>
+              <a:gd name="connsiteX1" fmla="*/ 3900357 w 3900357"/>
+              <a:gd name="connsiteY1" fmla="*/ 2089479 h 4178958"/>
+              <a:gd name="connsiteX2" fmla="*/ 1810878 w 3900357"/>
+              <a:gd name="connsiteY2" fmla="*/ 4178958 h 4178958"/>
+              <a:gd name="connsiteX3" fmla="*/ 78249 w 3900357"/>
+              <a:gd name="connsiteY3" fmla="*/ 3257727 h 4178958"/>
+              <a:gd name="connsiteX4" fmla="*/ 0 w 3900357"/>
+              <a:gd name="connsiteY4" fmla="*/ 3128923 h 4178958"/>
+              <a:gd name="connsiteX5" fmla="*/ 831324 w 3900357"/>
+              <a:gd name="connsiteY5" fmla="*/ 244281 h 4178958"/>
+              <a:gd name="connsiteX6" fmla="*/ 997559 w 3900357"/>
+              <a:gd name="connsiteY6" fmla="*/ 164202 h 4178958"/>
+              <a:gd name="connsiteX7" fmla="*/ 1810878 w 3900357"/>
+              <a:gd name="connsiteY7" fmla="*/ 0 h 4178958"/>
+              <a:gd name="connsiteX8" fmla="*/ 2432225 w 3900357"/>
+              <a:gd name="connsiteY8" fmla="*/ 93939 h 4178958"/>
+            </a:gdLst>
+            <a:ahLst/>
+            <a:cxnLst>
+              <a:cxn ang="0">
+                <a:pos x="connsiteX0" y="connsiteY0"/>
+              </a:cxn>
+              <a:cxn ang="0">
+                <a:pos x="connsiteX1" y="connsiteY1"/>
+              </a:cxn>
+              <a:cxn ang="0">
+                <a:pos x="connsiteX2" y="connsiteY2"/>
+              </a:cxn>
+              <a:cxn ang="0">
+                <a:pos x="connsiteX3" y="connsiteY3"/>
+              </a:cxn>
+              <a:cxn ang="0">
+                <a:pos x="connsiteX4" y="connsiteY4"/>
+              </a:cxn>
+              <a:cxn ang="0">
+                <a:pos x="connsiteX5" y="connsiteY5"/>
+              </a:cxn>
+              <a:cxn ang="0">
+                <a:pos x="connsiteX6" y="connsiteY6"/>
+              </a:cxn>
+              <a:cxn ang="0">
+                <a:pos x="connsiteX7" y="connsiteY7"/>
+              </a:cxn>
+              <a:cxn ang="0">
+                <a:pos x="connsiteX8" y="connsiteY8"/>
+              </a:cxn>
+            </a:cxnLst>
+            <a:rect l="l" t="t" r="r" b="b"/>
+            <a:pathLst>
+              <a:path w="3900357" h="4178958">
+                <a:moveTo>
+                  <a:pt x="2432225" y="93939"/>
+                </a:moveTo>
+                <a:cubicBezTo>
+                  <a:pt x="3282786" y="358491"/>
+                  <a:pt x="3900357" y="1151865"/>
+                  <a:pt x="3900357" y="2089479"/>
+                </a:cubicBezTo>
+                <a:cubicBezTo>
+                  <a:pt x="3900357" y="3243466"/>
+                  <a:pt x="2964865" y="4178958"/>
+                  <a:pt x="1810878" y="4178958"/>
+                </a:cubicBezTo>
+                <a:cubicBezTo>
+                  <a:pt x="1089636" y="4178958"/>
+                  <a:pt x="453744" y="3813531"/>
+                  <a:pt x="78249" y="3257727"/>
+                </a:cubicBezTo>
+                <a:lnTo>
+                  <a:pt x="0" y="3128923"/>
+                </a:lnTo>
+                <a:lnTo>
+                  <a:pt x="831324" y="244281"/>
+                </a:lnTo>
+                <a:lnTo>
+                  <a:pt x="997559" y="164202"/>
+                </a:lnTo>
+                <a:cubicBezTo>
+                  <a:pt x="1247540" y="58468"/>
+                  <a:pt x="1522381" y="0"/>
+                  <a:pt x="1810878" y="0"/>
+                </a:cubicBezTo>
+                <a:cubicBezTo>
+                  <a:pt x="2027251" y="0"/>
+                  <a:pt x="2235942" y="32888"/>
+                  <a:pt x="2432225" y="93939"/>
+                </a:cubicBezTo>
+                <a:close/>
+              </a:path>
+            </a:pathLst>
+          </a:custGeom>
+          <a:gradFill>
+            <a:gsLst>
+              <a:gs pos="29000">
+                <a:srgbClr val="000000">
+                  <a:alpha val="0"/>
+                </a:srgbClr>
+              </a:gs>
+              <a:gs pos="100000">
+                <a:schemeClr val="accent1">
+                  <a:alpha val="43000"/>
+                </a:schemeClr>
+              </a:gs>
+            </a:gsLst>
+            <a:lin ang="1800000" scaled="0"/>
+          </a:gradFill>
+          <a:ln>
+            <a:noFill/>
+          </a:ln>
+        </p:spPr>
+        <p:style>
+          <a:lnRef idx="2">
+            <a:schemeClr val="accent1">
+              <a:shade val="50000"/>
+            </a:schemeClr>
+          </a:lnRef>
+          <a:fillRef idx="1">
+            <a:schemeClr val="accent1"/>
+          </a:fillRef>
+          <a:effectRef idx="0">
+            <a:schemeClr val="accent1"/>
+          </a:effectRef>
+          <a:fontRef idx="minor">
+            <a:schemeClr val="lt1"/>
+          </a:fontRef>
+        </p:style>
+        <p:txBody>
+          <a:bodyPr wrap="square" rtlCol="0" anchor="ctr">
+            <a:noAutofit/>
+          </a:bodyPr>
+          <a:lstStyle/>
+          <a:p>
+            <a:pPr algn="ctr"/>
+            <a:endParaRPr lang="en-US" dirty="0"/>
+          </a:p>
+        </p:txBody>
+      </p:sp>
+      <p:sp>
+        <p:nvSpPr>
+          <p:cNvPr id="19" name="Rectangle 18">
+            <a:extLst>
+              <a:ext uri="{FF2B5EF4-FFF2-40B4-BE49-F238E27FC236}">
+                <a16:creationId xmlns:a16="http://schemas.microsoft.com/office/drawing/2014/main" id="{443F2ACA-E6D6-4028-82DD-F03C262D5DE6}"/>
+              </a:ext>
+              <a:ext uri="{C183D7F6-B498-43B3-948B-1728B52AA6E4}">
+                <adec:decorative xmlns:adec="http://schemas.microsoft.com/office/drawing/2017/decorative" val="1"/>
+              </a:ext>
+            </a:extLst>
+          </p:cNvPr>
+          <p:cNvSpPr>
+            <a:spLocks noGrp="1" noRot="1" noChangeAspect="1" noMove="1" noResize="1" noEditPoints="1" noAdjustHandles="1" noChangeArrowheads="1" noChangeShapeType="1" noTextEdit="1"/>
+          </p:cNvSpPr>
+          <p:nvPr>
+            <p:extLst>
+              <p:ext uri="{386F3935-93C4-4BCD-93E2-E3B085C9AB24}">
+                <p16:designElem xmlns:p16="http://schemas.microsoft.com/office/powerpoint/2015/main" val="1"/>
+              </p:ext>
+            </p:extLst>
+          </p:nvPr>
+        </p:nvSpPr>
+        <p:spPr>
+          <a:xfrm rot="5400000" flipH="1">
+            <a:off x="-1410095" y="1410079"/>
+            <a:ext cx="6858003" cy="4037835"/>
+          </a:xfrm>
+          <a:prstGeom prst="rect">
+            <a:avLst/>
+          </a:prstGeom>
+          <a:gradFill>
+            <a:gsLst>
+              <a:gs pos="0">
+                <a:srgbClr val="000000">
+                  <a:alpha val="0"/>
+                </a:srgbClr>
+              </a:gs>
+              <a:gs pos="99000">
+                <a:schemeClr val="accent1">
+                  <a:lumMod val="60000"/>
+                  <a:lumOff val="40000"/>
+                  <a:alpha val="11000"/>
+                </a:schemeClr>
+              </a:gs>
+            </a:gsLst>
+            <a:lin ang="7200000" scaled="0"/>
+          </a:gradFill>
+          <a:ln>
+            <a:noFill/>
+          </a:ln>
+        </p:spPr>
+        <p:style>
+          <a:lnRef idx="2">
+            <a:schemeClr val="accent1">
+              <a:shade val="50000"/>
+            </a:schemeClr>
+          </a:lnRef>
+          <a:fillRef idx="1">
+            <a:schemeClr val="accent1"/>
+          </a:fillRef>
+          <a:effectRef idx="0">
+            <a:schemeClr val="accent1"/>
+          </a:effectRef>
+          <a:fontRef idx="minor">
+            <a:schemeClr val="lt1"/>
+          </a:fontRef>
+        </p:style>
+        <p:txBody>
+          <a:bodyPr rtlCol="0" anchor="ctr"/>
+          <a:lstStyle/>
+          <a:p>
+            <a:pPr algn="ctr"/>
+            <a:endParaRPr lang="en-US"/>
+          </a:p>
+        </p:txBody>
+      </p:sp>
+      <p:sp>
+        <p:nvSpPr>
+          <p:cNvPr id="2" name="Заголовок 1">
+            <a:extLst>
+              <a:ext uri="{FF2B5EF4-FFF2-40B4-BE49-F238E27FC236}">
+                <a16:creationId xmlns:a16="http://schemas.microsoft.com/office/drawing/2014/main" id="{57157543-106D-18C6-0C55-FE8CCD8087C6}"/>
+              </a:ext>
+            </a:extLst>
+          </p:cNvPr>
+          <p:cNvSpPr>
+            <a:spLocks noGrp="1"/>
+          </p:cNvSpPr>
+          <p:nvPr>
+            <p:ph type="title"/>
+          </p:nvPr>
+        </p:nvSpPr>
+        <p:spPr>
+          <a:xfrm>
+            <a:off x="586478" y="1683756"/>
+            <a:ext cx="3115265" cy="2396359"/>
+          </a:xfrm>
+        </p:spPr>
+        <p:txBody>
+          <a:bodyPr anchor="b">
+            <a:normAutofit/>
+          </a:bodyPr>
+          <a:lstStyle/>
+          <a:p>
+            <a:pPr algn="r"/>
+            <a:r>
+              <a:rPr lang="ru-RU" sz="4000">
+                <a:solidFill>
+                  <a:srgbClr val="FFFFFF"/>
+                </a:solidFill>
+              </a:rPr>
+              <a:t>Коротко о сайте</a:t>
+            </a:r>
+          </a:p>
+        </p:txBody>
+      </p:sp>
+      <p:graphicFrame>
+        <p:nvGraphicFramePr>
+          <p:cNvPr id="5" name="Объект 2">
+            <a:extLst>
+              <a:ext uri="{FF2B5EF4-FFF2-40B4-BE49-F238E27FC236}">
+                <a16:creationId xmlns:a16="http://schemas.microsoft.com/office/drawing/2014/main" id="{DBB72B9F-6EA1-B0A0-B4DF-544FCD297962}"/>
+              </a:ext>
+            </a:extLst>
+          </p:cNvPr>
+          <p:cNvGraphicFramePr>
+            <a:graphicFrameLocks noGrp="1"/>
+          </p:cNvGraphicFramePr>
+          <p:nvPr>
+            <p:ph idx="1"/>
+            <p:extLst>
+              <p:ext uri="{D42A27DB-BD31-4B8C-83A1-F6EECF244321}">
+                <p14:modId xmlns:p14="http://schemas.microsoft.com/office/powerpoint/2010/main" val="1290103165"/>
+              </p:ext>
+            </p:extLst>
+          </p:nvPr>
+        </p:nvGraphicFramePr>
+        <p:xfrm>
+          <a:off x="4905052" y="750440"/>
+          <a:ext cx="6666833" cy="5453920"/>
+        </p:xfrm>
+        <a:graphic>
+          <a:graphicData uri="http://schemas.openxmlformats.org/drawingml/2006/diagram">
+            <dgm:relIds xmlns:dgm="http://schemas.openxmlformats.org/drawingml/2006/diagram" xmlns:r="http://schemas.openxmlformats.org/officeDocument/2006/relationships" r:dm="rId2" r:lo="rId3" r:qs="rId4" r:cs="rId5"/>
+          </a:graphicData>
+        </a:graphic>
+      </p:graphicFrame>
+    </p:spTree>
+    <p:extLst>
+      <p:ext uri="{BB962C8B-B14F-4D97-AF65-F5344CB8AC3E}">
+        <p14:creationId xmlns:p14="http://schemas.microsoft.com/office/powerpoint/2010/main" val="2673575909"/>
+      </p:ext>
+    </p:extLst>
+  </p:cSld>
+  <p:clrMapOvr>
+    <a:masterClrMapping/>
+  </p:clrMapOvr>
+</p:sld>
+</file>
+
+<file path=ppt/slides/slide3.xml><?xml version="1.0" encoding="utf-8"?>
+<p:sld xmlns:a="http://schemas.openxmlformats.org/drawingml/2006/main" xmlns:r="http://schemas.openxmlformats.org/officeDocument/2006/relationships" xmlns:p="http://schemas.openxmlformats.org/presentationml/2006/main">
+  <p:cSld>
+    <p:bg>
+      <p:bgPr>
+        <a:solidFill>
+          <a:schemeClr val="bg1"/>
+        </a:solidFill>
+        <a:effectLst/>
+      </p:bgPr>
+    </p:bg>
+    <p:spTree>
+      <p:nvGrpSpPr>
+        <p:cNvPr id="1" name=""/>
+        <p:cNvGrpSpPr/>
+        <p:nvPr/>
+      </p:nvGrpSpPr>
+      <p:grpSpPr>
+        <a:xfrm>
+          <a:off x="0" y="0"/>
+          <a:ext cx="0" cy="0"/>
+          <a:chOff x="0" y="0"/>
+          <a:chExt cx="0" cy="0"/>
+        </a:xfrm>
+      </p:grpSpPr>
+      <p:sp useBgFill="1">
+        <p:nvSpPr>
+          <p:cNvPr id="8" name="Rectangle 7">
+            <a:extLst>
+              <a:ext uri="{FF2B5EF4-FFF2-40B4-BE49-F238E27FC236}">
+                <a16:creationId xmlns:a16="http://schemas.microsoft.com/office/drawing/2014/main" id="{09588DA8-065E-4F6F-8EFD-43104AB2E0CF}"/>
+              </a:ext>
+              <a:ext uri="{C183D7F6-B498-43B3-948B-1728B52AA6E4}">
+                <adec:decorative xmlns:adec="http://schemas.microsoft.com/office/drawing/2017/decorative" val="1"/>
+              </a:ext>
+            </a:extLst>
+          </p:cNvPr>
+          <p:cNvSpPr>
+            <a:spLocks noGrp="1" noRot="1" noChangeAspect="1" noMove="1" noResize="1" noEditPoints="1" noAdjustHandles="1" noChangeArrowheads="1" noChangeShapeType="1" noTextEdit="1"/>
+          </p:cNvSpPr>
+          <p:nvPr>
+            <p:extLst>
+              <p:ext uri="{386F3935-93C4-4BCD-93E2-E3B085C9AB24}">
+                <p16:designElem xmlns:p16="http://schemas.microsoft.com/office/powerpoint/2015/main" val="1"/>
+              </p:ext>
+            </p:extLst>
+          </p:nvPr>
+        </p:nvSpPr>
+        <p:spPr>
+          <a:xfrm>
+            <a:off x="0" y="0"/>
+            <a:ext cx="12192000" cy="6858000"/>
+          </a:xfrm>
+          <a:prstGeom prst="rect">
+            <a:avLst/>
+          </a:prstGeom>
+          <a:ln w="12700" cap="flat" cmpd="sng" algn="ctr">
+            <a:noFill/>
+            <a:prstDash val="solid"/>
+            <a:miter lim="800000"/>
+          </a:ln>
+          <a:effectLst/>
+          <a:extLst>
+            <a:ext uri="{91240B29-F687-4F45-9708-019B960494DF}">
+              <a14:hiddenLine xmlns:a14="http://schemas.microsoft.com/office/drawing/2010/main" w="12700" cap="flat" cmpd="sng" algn="ctr">
+                <a:solidFill>
+                  <a:schemeClr val="accent1">
+                    <a:shade val="50000"/>
+                  </a:schemeClr>
+                </a:solidFill>
+                <a:prstDash val="solid"/>
+                <a:miter lim="800000"/>
+              </a14:hiddenLine>
+            </a:ext>
+          </a:extLst>
+        </p:spPr>
+        <p:style>
+          <a:lnRef idx="2">
+            <a:schemeClr val="accent1">
+              <a:shade val="50000"/>
+            </a:schemeClr>
+          </a:lnRef>
+          <a:fillRef idx="1">
+            <a:schemeClr val="accent1"/>
+          </a:fillRef>
+          <a:effectRef idx="0">
+            <a:schemeClr val="accent1"/>
+          </a:effectRef>
+          <a:fontRef idx="minor">
+            <a:schemeClr val="lt1"/>
+          </a:fontRef>
+        </p:style>
+        <p:txBody>
+          <a:bodyPr rtlCol="0" anchor="ctr"/>
+          <a:lstStyle/>
+          <a:p>
+            <a:pPr algn="ctr"/>
+            <a:endParaRPr lang="en-US"/>
+          </a:p>
+        </p:txBody>
+      </p:sp>
+      <p:sp useBgFill="1">
+        <p:nvSpPr>
+          <p:cNvPr id="10" name="Rectangle 9">
+            <a:extLst>
+              <a:ext uri="{FF2B5EF4-FFF2-40B4-BE49-F238E27FC236}">
+                <a16:creationId xmlns:a16="http://schemas.microsoft.com/office/drawing/2014/main" id="{C4285719-470E-454C-AF62-8323075F1F5B}"/>
+              </a:ext>
+              <a:ext uri="{C183D7F6-B498-43B3-948B-1728B52AA6E4}">
+                <adec:decorative xmlns:adec="http://schemas.microsoft.com/office/drawing/2017/decorative" val="1"/>
+              </a:ext>
+            </a:extLst>
+          </p:cNvPr>
+          <p:cNvSpPr>
+            <a:spLocks noGrp="1" noRot="1" noChangeAspect="1" noMove="1" noResize="1" noEditPoints="1" noAdjustHandles="1" noChangeArrowheads="1" noChangeShapeType="1" noTextEdit="1"/>
+          </p:cNvSpPr>
+          <p:nvPr>
+            <p:extLst>
+              <p:ext uri="{386F3935-93C4-4BCD-93E2-E3B085C9AB24}">
+                <p16:designElem xmlns:p16="http://schemas.microsoft.com/office/powerpoint/2015/main" val="1"/>
+              </p:ext>
+            </p:extLst>
+          </p:nvPr>
+        </p:nvSpPr>
+        <p:spPr>
+          <a:xfrm>
+            <a:off x="0" y="0"/>
+            <a:ext cx="12188952" cy="6858000"/>
+          </a:xfrm>
+          <a:prstGeom prst="rect">
+            <a:avLst/>
+          </a:prstGeom>
+          <a:ln w="12700" cap="flat" cmpd="sng" algn="ctr">
+            <a:noFill/>
+            <a:prstDash val="solid"/>
+            <a:miter lim="800000"/>
+          </a:ln>
+          <a:effectLst/>
+          <a:extLst>
+            <a:ext uri="{91240B29-F687-4F45-9708-019B960494DF}">
+              <a14:hiddenLine xmlns:a14="http://schemas.microsoft.com/office/drawing/2010/main" w="12700" cap="flat" cmpd="sng" algn="ctr">
+                <a:solidFill>
+                  <a:schemeClr val="accent1">
+                    <a:shade val="50000"/>
+                  </a:schemeClr>
+                </a:solidFill>
+                <a:prstDash val="solid"/>
+                <a:miter lim="800000"/>
+              </a14:hiddenLine>
+            </a:ext>
+          </a:extLst>
+        </p:spPr>
+        <p:style>
+          <a:lnRef idx="2">
+            <a:schemeClr val="accent1">
+              <a:shade val="50000"/>
+            </a:schemeClr>
+          </a:lnRef>
+          <a:fillRef idx="1">
+            <a:schemeClr val="accent1"/>
+          </a:fillRef>
+          <a:effectRef idx="0">
+            <a:schemeClr val="accent1"/>
+          </a:effectRef>
+          <a:fontRef idx="minor">
+            <a:schemeClr val="lt1"/>
+          </a:fontRef>
+        </p:style>
+        <p:txBody>
+          <a:bodyPr rtlCol="0" anchor="ctr"/>
+          <a:lstStyle/>
+          <a:p>
+            <a:pPr algn="ctr"/>
+            <a:endParaRPr lang="en-US"/>
+          </a:p>
+        </p:txBody>
+      </p:sp>
+      <p:sp>
+        <p:nvSpPr>
+          <p:cNvPr id="12" name="Rectangle 11">
+            <a:extLst>
+              <a:ext uri="{FF2B5EF4-FFF2-40B4-BE49-F238E27FC236}">
+                <a16:creationId xmlns:a16="http://schemas.microsoft.com/office/drawing/2014/main" id="{CD9FE4EF-C4D8-49A0-B2FF-81D8DB7D8A24}"/>
+              </a:ext>
+              <a:ext uri="{C183D7F6-B498-43B3-948B-1728B52AA6E4}">
+                <adec:decorative xmlns:adec="http://schemas.microsoft.com/office/drawing/2017/decorative" val="1"/>
+              </a:ext>
+            </a:extLst>
+          </p:cNvPr>
+          <p:cNvSpPr>
+            <a:spLocks noGrp="1" noRot="1" noChangeAspect="1" noMove="1" noResize="1" noEditPoints="1" noAdjustHandles="1" noChangeArrowheads="1" noChangeShapeType="1" noTextEdit="1"/>
+          </p:cNvSpPr>
+          <p:nvPr>
+            <p:extLst>
+              <p:ext uri="{386F3935-93C4-4BCD-93E2-E3B085C9AB24}">
+                <p16:designElem xmlns:p16="http://schemas.microsoft.com/office/powerpoint/2015/main" val="1"/>
+              </p:ext>
+            </p:extLst>
+          </p:nvPr>
+        </p:nvSpPr>
+        <p:spPr>
+          <a:xfrm rot="5400000" flipH="1">
+            <a:off x="-1410084" y="1410082"/>
+            <a:ext cx="6858000" cy="4037836"/>
+          </a:xfrm>
+          <a:prstGeom prst="rect">
+            <a:avLst/>
+          </a:prstGeom>
+          <a:gradFill>
+            <a:gsLst>
+              <a:gs pos="8000">
+                <a:srgbClr val="000000"/>
+              </a:gs>
+              <a:gs pos="100000">
+                <a:schemeClr val="accent1">
+                  <a:lumMod val="75000"/>
+                </a:schemeClr>
+              </a:gs>
+            </a:gsLst>
+            <a:lin ang="3000000" scaled="0"/>
+          </a:gradFill>
+          <a:ln>
+            <a:noFill/>
+          </a:ln>
+        </p:spPr>
+        <p:style>
+          <a:lnRef idx="2">
+            <a:schemeClr val="accent1">
+              <a:shade val="50000"/>
+            </a:schemeClr>
+          </a:lnRef>
+          <a:fillRef idx="1">
+            <a:schemeClr val="accent1"/>
+          </a:fillRef>
+          <a:effectRef idx="0">
+            <a:schemeClr val="accent1"/>
+          </a:effectRef>
+          <a:fontRef idx="minor">
+            <a:schemeClr val="lt1"/>
+          </a:fontRef>
+        </p:style>
+        <p:txBody>
+          <a:bodyPr rtlCol="0" anchor="ctr"/>
+          <a:lstStyle/>
+          <a:p>
+            <a:pPr algn="ctr"/>
+            <a:endParaRPr lang="en-US"/>
+          </a:p>
+        </p:txBody>
+      </p:sp>
+      <p:sp>
+        <p:nvSpPr>
+          <p:cNvPr id="14" name="Rectangle 13">
+            <a:extLst>
+              <a:ext uri="{FF2B5EF4-FFF2-40B4-BE49-F238E27FC236}">
+                <a16:creationId xmlns:a16="http://schemas.microsoft.com/office/drawing/2014/main" id="{4300840D-0A0B-4512-BACA-B439D5B9C57C}"/>
+              </a:ext>
+              <a:ext uri="{C183D7F6-B498-43B3-948B-1728B52AA6E4}">
+                <adec:decorative xmlns:adec="http://schemas.microsoft.com/office/drawing/2017/decorative" val="1"/>
+              </a:ext>
+            </a:extLst>
+          </p:cNvPr>
+          <p:cNvSpPr>
+            <a:spLocks noGrp="1" noRot="1" noChangeAspect="1" noMove="1" noResize="1" noEditPoints="1" noAdjustHandles="1" noChangeArrowheads="1" noChangeShapeType="1" noTextEdit="1"/>
+          </p:cNvSpPr>
+          <p:nvPr>
+            <p:extLst>
+              <p:ext uri="{386F3935-93C4-4BCD-93E2-E3B085C9AB24}">
+                <p16:designElem xmlns:p16="http://schemas.microsoft.com/office/powerpoint/2015/main" val="1"/>
+              </p:ext>
+            </p:extLst>
+          </p:nvPr>
+        </p:nvSpPr>
+        <p:spPr>
+          <a:xfrm rot="5400000" flipH="1">
+            <a:off x="-1410085" y="1420219"/>
+            <a:ext cx="6857999" cy="4037839"/>
+          </a:xfrm>
+          <a:prstGeom prst="rect">
+            <a:avLst/>
+          </a:prstGeom>
+          <a:gradFill>
+            <a:gsLst>
+              <a:gs pos="0">
+                <a:srgbClr val="000000">
+                  <a:alpha val="0"/>
+                </a:srgbClr>
+              </a:gs>
+              <a:gs pos="99000">
+                <a:schemeClr val="accent1">
+                  <a:alpha val="46000"/>
+                </a:schemeClr>
+              </a:gs>
+            </a:gsLst>
+            <a:lin ang="1800000" scaled="0"/>
+          </a:gradFill>
+          <a:ln>
+            <a:noFill/>
+          </a:ln>
+        </p:spPr>
+        <p:style>
+          <a:lnRef idx="2">
+            <a:schemeClr val="accent1">
+              <a:shade val="50000"/>
+            </a:schemeClr>
+          </a:lnRef>
+          <a:fillRef idx="1">
+            <a:schemeClr val="accent1"/>
+          </a:fillRef>
+          <a:effectRef idx="0">
+            <a:schemeClr val="accent1"/>
+          </a:effectRef>
+          <a:fontRef idx="minor">
+            <a:schemeClr val="lt1"/>
+          </a:fontRef>
+        </p:style>
+        <p:txBody>
+          <a:bodyPr rtlCol="0" anchor="ctr"/>
+          <a:lstStyle/>
+          <a:p>
+            <a:pPr algn="ctr"/>
+            <a:endParaRPr lang="en-US"/>
+          </a:p>
+        </p:txBody>
+      </p:sp>
+      <p:sp>
+        <p:nvSpPr>
+          <p:cNvPr id="16" name="Rectangle 15">
+            <a:extLst>
+              <a:ext uri="{FF2B5EF4-FFF2-40B4-BE49-F238E27FC236}">
+                <a16:creationId xmlns:a16="http://schemas.microsoft.com/office/drawing/2014/main" id="{D2B78728-A580-49A7-84F9-6EF6F583ADE0}"/>
+              </a:ext>
+              <a:ext uri="{C183D7F6-B498-43B3-948B-1728B52AA6E4}">
+                <adec:decorative xmlns:adec="http://schemas.microsoft.com/office/drawing/2017/decorative" val="1"/>
+              </a:ext>
+            </a:extLst>
+          </p:cNvPr>
+          <p:cNvSpPr>
+            <a:spLocks noGrp="1" noRot="1" noChangeAspect="1" noMove="1" noResize="1" noEditPoints="1" noAdjustHandles="1" noChangeArrowheads="1" noChangeShapeType="1" noTextEdit="1"/>
+          </p:cNvSpPr>
+          <p:nvPr>
+            <p:extLst>
+              <p:ext uri="{386F3935-93C4-4BCD-93E2-E3B085C9AB24}">
+                <p16:designElem xmlns:p16="http://schemas.microsoft.com/office/powerpoint/2015/main" val="1"/>
+              </p:ext>
+            </p:extLst>
+          </p:nvPr>
+        </p:nvSpPr>
+        <p:spPr>
+          <a:xfrm rot="5400000" flipH="1">
+            <a:off x="767923" y="3588085"/>
+            <a:ext cx="2501979" cy="4037841"/>
+          </a:xfrm>
+          <a:prstGeom prst="rect">
+            <a:avLst/>
+          </a:prstGeom>
+          <a:gradFill>
+            <a:gsLst>
+              <a:gs pos="2000">
+                <a:schemeClr val="accent1">
+                  <a:alpha val="29000"/>
+                </a:schemeClr>
+              </a:gs>
+              <a:gs pos="100000">
+                <a:srgbClr val="000000">
+                  <a:alpha val="30000"/>
+                </a:srgbClr>
+              </a:gs>
+            </a:gsLst>
+            <a:lin ang="7800000" scaled="0"/>
+          </a:gradFill>
+          <a:ln>
+            <a:noFill/>
+          </a:ln>
+        </p:spPr>
+        <p:style>
+          <a:lnRef idx="2">
+            <a:schemeClr val="accent1">
+              <a:shade val="50000"/>
+            </a:schemeClr>
+          </a:lnRef>
+          <a:fillRef idx="1">
+            <a:schemeClr val="accent1"/>
+          </a:fillRef>
+          <a:effectRef idx="0">
+            <a:schemeClr val="accent1"/>
+          </a:effectRef>
+          <a:fontRef idx="minor">
+            <a:schemeClr val="lt1"/>
+          </a:fontRef>
+        </p:style>
+        <p:txBody>
+          <a:bodyPr rtlCol="0" anchor="ctr"/>
+          <a:lstStyle/>
+          <a:p>
+            <a:pPr algn="ctr"/>
+            <a:endParaRPr lang="en-US" dirty="0"/>
+          </a:p>
+        </p:txBody>
+      </p:sp>
+      <p:sp>
+        <p:nvSpPr>
+          <p:cNvPr id="18" name="Freeform: Shape 17">
+            <a:extLst>
+              <a:ext uri="{FF2B5EF4-FFF2-40B4-BE49-F238E27FC236}">
+                <a16:creationId xmlns:a16="http://schemas.microsoft.com/office/drawing/2014/main" id="{38FAA1A1-D861-433F-88FA-1E9D6FD31D11}"/>
+              </a:ext>
+              <a:ext uri="{C183D7F6-B498-43B3-948B-1728B52AA6E4}">
+                <adec:decorative xmlns:adec="http://schemas.microsoft.com/office/drawing/2017/decorative" val="1"/>
+              </a:ext>
+            </a:extLst>
+          </p:cNvPr>
+          <p:cNvSpPr>
+            <a:spLocks noGrp="1" noRot="1" noChangeAspect="1" noMove="1" noResize="1" noEditPoints="1" noAdjustHandles="1" noChangeArrowheads="1" noChangeShapeType="1" noTextEdit="1"/>
+          </p:cNvSpPr>
+          <p:nvPr>
+            <p:extLst>
+              <p:ext uri="{386F3935-93C4-4BCD-93E2-E3B085C9AB24}">
+                <p16:designElem xmlns:p16="http://schemas.microsoft.com/office/powerpoint/2015/main" val="1"/>
+              </p:ext>
+            </p:extLst>
+          </p:nvPr>
+        </p:nvSpPr>
+        <p:spPr>
+          <a:xfrm rot="20635413">
+            <a:off x="-501737" y="969718"/>
+            <a:ext cx="3900357" cy="4178958"/>
+          </a:xfrm>
+          <a:custGeom>
+            <a:avLst/>
+            <a:gdLst>
+              <a:gd name="connsiteX0" fmla="*/ 2432225 w 3900357"/>
+              <a:gd name="connsiteY0" fmla="*/ 93939 h 4178958"/>
+              <a:gd name="connsiteX1" fmla="*/ 3900357 w 3900357"/>
+              <a:gd name="connsiteY1" fmla="*/ 2089479 h 4178958"/>
+              <a:gd name="connsiteX2" fmla="*/ 1810878 w 3900357"/>
+              <a:gd name="connsiteY2" fmla="*/ 4178958 h 4178958"/>
+              <a:gd name="connsiteX3" fmla="*/ 78249 w 3900357"/>
+              <a:gd name="connsiteY3" fmla="*/ 3257727 h 4178958"/>
+              <a:gd name="connsiteX4" fmla="*/ 0 w 3900357"/>
+              <a:gd name="connsiteY4" fmla="*/ 3128923 h 4178958"/>
+              <a:gd name="connsiteX5" fmla="*/ 831324 w 3900357"/>
+              <a:gd name="connsiteY5" fmla="*/ 244281 h 4178958"/>
+              <a:gd name="connsiteX6" fmla="*/ 997559 w 3900357"/>
+              <a:gd name="connsiteY6" fmla="*/ 164202 h 4178958"/>
+              <a:gd name="connsiteX7" fmla="*/ 1810878 w 3900357"/>
+              <a:gd name="connsiteY7" fmla="*/ 0 h 4178958"/>
+              <a:gd name="connsiteX8" fmla="*/ 2432225 w 3900357"/>
+              <a:gd name="connsiteY8" fmla="*/ 93939 h 4178958"/>
+            </a:gdLst>
+            <a:ahLst/>
+            <a:cxnLst>
+              <a:cxn ang="0">
+                <a:pos x="connsiteX0" y="connsiteY0"/>
+              </a:cxn>
+              <a:cxn ang="0">
+                <a:pos x="connsiteX1" y="connsiteY1"/>
+              </a:cxn>
+              <a:cxn ang="0">
+                <a:pos x="connsiteX2" y="connsiteY2"/>
+              </a:cxn>
+              <a:cxn ang="0">
+                <a:pos x="connsiteX3" y="connsiteY3"/>
+              </a:cxn>
+              <a:cxn ang="0">
+                <a:pos x="connsiteX4" y="connsiteY4"/>
+              </a:cxn>
+              <a:cxn ang="0">
+                <a:pos x="connsiteX5" y="connsiteY5"/>
+              </a:cxn>
+              <a:cxn ang="0">
+                <a:pos x="connsiteX6" y="connsiteY6"/>
+              </a:cxn>
+              <a:cxn ang="0">
+                <a:pos x="connsiteX7" y="connsiteY7"/>
+              </a:cxn>
+              <a:cxn ang="0">
+                <a:pos x="connsiteX8" y="connsiteY8"/>
+              </a:cxn>
+            </a:cxnLst>
+            <a:rect l="l" t="t" r="r" b="b"/>
+            <a:pathLst>
+              <a:path w="3900357" h="4178958">
+                <a:moveTo>
+                  <a:pt x="2432225" y="93939"/>
+                </a:moveTo>
+                <a:cubicBezTo>
+                  <a:pt x="3282786" y="358491"/>
+                  <a:pt x="3900357" y="1151865"/>
+                  <a:pt x="3900357" y="2089479"/>
+                </a:cubicBezTo>
+                <a:cubicBezTo>
+                  <a:pt x="3900357" y="3243466"/>
+                  <a:pt x="2964865" y="4178958"/>
+                  <a:pt x="1810878" y="4178958"/>
+                </a:cubicBezTo>
+                <a:cubicBezTo>
+                  <a:pt x="1089636" y="4178958"/>
+                  <a:pt x="453744" y="3813531"/>
+                  <a:pt x="78249" y="3257727"/>
+                </a:cubicBezTo>
+                <a:lnTo>
+                  <a:pt x="0" y="3128923"/>
+                </a:lnTo>
+                <a:lnTo>
+                  <a:pt x="831324" y="244281"/>
+                </a:lnTo>
+                <a:lnTo>
+                  <a:pt x="997559" y="164202"/>
+                </a:lnTo>
+                <a:cubicBezTo>
+                  <a:pt x="1247540" y="58468"/>
+                  <a:pt x="1522381" y="0"/>
+                  <a:pt x="1810878" y="0"/>
+                </a:cubicBezTo>
+                <a:cubicBezTo>
+                  <a:pt x="2027251" y="0"/>
+                  <a:pt x="2235942" y="32888"/>
+                  <a:pt x="2432225" y="93939"/>
+                </a:cubicBezTo>
+                <a:close/>
+              </a:path>
+            </a:pathLst>
+          </a:custGeom>
+          <a:gradFill>
+            <a:gsLst>
+              <a:gs pos="29000">
+                <a:srgbClr val="000000">
+                  <a:alpha val="0"/>
+                </a:srgbClr>
+              </a:gs>
+              <a:gs pos="100000">
+                <a:schemeClr val="accent1">
+                  <a:alpha val="43000"/>
+                </a:schemeClr>
+              </a:gs>
+            </a:gsLst>
+            <a:lin ang="1800000" scaled="0"/>
+          </a:gradFill>
+          <a:ln>
+            <a:noFill/>
+          </a:ln>
+        </p:spPr>
+        <p:style>
+          <a:lnRef idx="2">
+            <a:schemeClr val="accent1">
+              <a:shade val="50000"/>
+            </a:schemeClr>
+          </a:lnRef>
+          <a:fillRef idx="1">
+            <a:schemeClr val="accent1"/>
+          </a:fillRef>
+          <a:effectRef idx="0">
+            <a:schemeClr val="accent1"/>
+          </a:effectRef>
+          <a:fontRef idx="minor">
+            <a:schemeClr val="lt1"/>
+          </a:fontRef>
+        </p:style>
+        <p:txBody>
+          <a:bodyPr wrap="square" rtlCol="0" anchor="ctr">
+            <a:noAutofit/>
+          </a:bodyPr>
+          <a:lstStyle/>
+          <a:p>
+            <a:pPr algn="ctr"/>
+            <a:endParaRPr lang="en-US" dirty="0"/>
+          </a:p>
+        </p:txBody>
+      </p:sp>
+      <p:sp>
+        <p:nvSpPr>
+          <p:cNvPr id="20" name="Rectangle 19">
+            <a:extLst>
+              <a:ext uri="{FF2B5EF4-FFF2-40B4-BE49-F238E27FC236}">
+                <a16:creationId xmlns:a16="http://schemas.microsoft.com/office/drawing/2014/main" id="{8D71EDA1-87BF-4D5D-AB79-F346FD19278A}"/>
+              </a:ext>
+              <a:ext uri="{C183D7F6-B498-43B3-948B-1728B52AA6E4}">
+                <adec:decorative xmlns:adec="http://schemas.microsoft.com/office/drawing/2017/decorative" val="1"/>
+              </a:ext>
+            </a:extLst>
+          </p:cNvPr>
+          <p:cNvSpPr>
+            <a:spLocks noGrp="1" noRot="1" noChangeAspect="1" noMove="1" noResize="1" noEditPoints="1" noAdjustHandles="1" noChangeArrowheads="1" noChangeShapeType="1" noTextEdit="1"/>
+          </p:cNvSpPr>
+          <p:nvPr>
+            <p:extLst>
+              <p:ext uri="{386F3935-93C4-4BCD-93E2-E3B085C9AB24}">
+                <p16:designElem xmlns:p16="http://schemas.microsoft.com/office/powerpoint/2015/main" val="1"/>
+              </p:ext>
+            </p:extLst>
+          </p:nvPr>
+        </p:nvSpPr>
+        <p:spPr>
+          <a:xfrm rot="5400000" flipH="1">
+            <a:off x="-1410093" y="1399943"/>
+            <a:ext cx="6858003" cy="4037835"/>
+          </a:xfrm>
+          <a:prstGeom prst="rect">
+            <a:avLst/>
+          </a:prstGeom>
+          <a:gradFill>
+            <a:gsLst>
+              <a:gs pos="0">
+                <a:srgbClr val="000000">
+                  <a:alpha val="0"/>
+                </a:srgbClr>
+              </a:gs>
+              <a:gs pos="99000">
+                <a:schemeClr val="accent1">
+                  <a:lumMod val="60000"/>
+                  <a:lumOff val="40000"/>
+                  <a:alpha val="11000"/>
+                </a:schemeClr>
+              </a:gs>
+            </a:gsLst>
+            <a:lin ang="7200000" scaled="0"/>
+          </a:gradFill>
+          <a:ln>
+            <a:noFill/>
+          </a:ln>
+        </p:spPr>
+        <p:style>
+          <a:lnRef idx="2">
+            <a:schemeClr val="accent1">
+              <a:shade val="50000"/>
+            </a:schemeClr>
+          </a:lnRef>
+          <a:fillRef idx="1">
+            <a:schemeClr val="accent1"/>
+          </a:fillRef>
+          <a:effectRef idx="0">
+            <a:schemeClr val="accent1"/>
+          </a:effectRef>
+          <a:fontRef idx="minor">
+            <a:schemeClr val="lt1"/>
+          </a:fontRef>
+        </p:style>
+        <p:txBody>
+          <a:bodyPr rtlCol="0" anchor="ctr"/>
+          <a:lstStyle/>
+          <a:p>
+            <a:pPr algn="ctr"/>
+            <a:endParaRPr lang="en-US"/>
+          </a:p>
+        </p:txBody>
+      </p:sp>
+      <p:sp>
+        <p:nvSpPr>
+          <p:cNvPr id="2" name="Заголовок 1">
+            <a:extLst>
+              <a:ext uri="{FF2B5EF4-FFF2-40B4-BE49-F238E27FC236}">
+                <a16:creationId xmlns:a16="http://schemas.microsoft.com/office/drawing/2014/main" id="{F8F64E0F-E5BE-53DE-301B-4D61C559AC6B}"/>
+              </a:ext>
+            </a:extLst>
+          </p:cNvPr>
+          <p:cNvSpPr>
+            <a:spLocks noGrp="1"/>
+          </p:cNvSpPr>
+          <p:nvPr>
+            <p:ph type="title"/>
+          </p:nvPr>
+        </p:nvSpPr>
+        <p:spPr>
+          <a:xfrm>
+            <a:off x="466722" y="586855"/>
+            <a:ext cx="3201366" cy="3387497"/>
+          </a:xfrm>
+        </p:spPr>
+        <p:txBody>
+          <a:bodyPr anchor="b">
+            <a:normAutofit/>
+          </a:bodyPr>
+          <a:lstStyle/>
+          <a:p>
+            <a:pPr algn="r"/>
+            <a:r>
+              <a:rPr lang="ru-RU" sz="4000">
+                <a:solidFill>
+                  <a:srgbClr val="FFFFFF"/>
+                </a:solidFill>
+              </a:rPr>
+              <a:t>Строки кода</a:t>
+            </a:r>
+          </a:p>
+        </p:txBody>
+      </p:sp>
+      <p:sp>
+        <p:nvSpPr>
+          <p:cNvPr id="3" name="Объект 2">
+            <a:extLst>
+              <a:ext uri="{FF2B5EF4-FFF2-40B4-BE49-F238E27FC236}">
+                <a16:creationId xmlns:a16="http://schemas.microsoft.com/office/drawing/2014/main" id="{E2450A41-BF74-A307-7EEB-7C8713D625D7}"/>
+              </a:ext>
+            </a:extLst>
+          </p:cNvPr>
+          <p:cNvSpPr>
+            <a:spLocks noGrp="1"/>
+          </p:cNvSpPr>
+          <p:nvPr>
+            <p:ph idx="1"/>
+          </p:nvPr>
+        </p:nvSpPr>
+        <p:spPr>
+          <a:xfrm>
+            <a:off x="4810259" y="649480"/>
+            <a:ext cx="6555347" cy="5546047"/>
+          </a:xfrm>
+        </p:spPr>
+        <p:txBody>
+          <a:bodyPr anchor="ctr">
+            <a:normAutofit/>
+          </a:bodyPr>
+          <a:lstStyle/>
+          <a:p>
+            <a:r>
+              <a:rPr lang="ru-RU" sz="2000"/>
+              <a:t>Их точно больше 500, т.к. только два файла </a:t>
+            </a:r>
+            <a:r>
+              <a:rPr lang="en-US" sz="2000"/>
+              <a:t>tester.py </a:t>
+            </a:r>
+            <a:r>
+              <a:rPr lang="ru-RU" sz="2000"/>
+              <a:t>и </a:t>
+            </a:r>
+            <a:r>
+              <a:rPr lang="en-US" sz="2000"/>
+              <a:t>main.py </a:t>
+            </a:r>
+            <a:r>
+              <a:rPr lang="ru-RU" sz="2000"/>
+              <a:t>уже дают больше </a:t>
+            </a:r>
+            <a:r>
+              <a:rPr lang="en-US" sz="2000"/>
+              <a:t>700</a:t>
+            </a:r>
+            <a:r>
+              <a:rPr lang="ru-RU" sz="2000"/>
+              <a:t> строк</a:t>
+            </a:r>
+            <a:br>
+              <a:rPr lang="ru-RU" sz="2000"/>
+            </a:br>
+            <a:endParaRPr lang="ru-RU" sz="2000"/>
+          </a:p>
+        </p:txBody>
+      </p:sp>
+    </p:spTree>
+    <p:extLst>
+      <p:ext uri="{BB962C8B-B14F-4D97-AF65-F5344CB8AC3E}">
+        <p14:creationId xmlns:p14="http://schemas.microsoft.com/office/powerpoint/2010/main" val="1319883804"/>
+      </p:ext>
+    </p:extLst>
+  </p:cSld>
+  <p:clrMapOvr>
+    <a:masterClrMapping/>
+  </p:clrMapOvr>
+  <p:timing>
+    <p:tnLst>
+      <p:par>
+        <p:cTn id="1" dur="indefinite" restart="never" nodeType="tmRoot">
+          <p:childTnLst>
+            <p:seq concurrent="1" nextAc="seek">
+              <p:cTn id="2" dur="indefinite" nodeType="mainSeq">
+                <p:childTnLst>
+                  <p:par>
+                    <p:cTn id="3" fill="hold">
+                      <p:stCondLst>
+                        <p:cond delay="indefinite"/>
+                        <p:cond evt="onBegin" delay="0">
+                          <p:tn val="2"/>
+                        </p:cond>
+                      </p:stCondLst>
+                      <p:childTnLst>
+                        <p:par>
+                          <p:cTn id="4" fill="hold">
+                            <p:stCondLst>
+                              <p:cond delay="0"/>
+                            </p:stCondLst>
+                            <p:childTnLst>
+                              <p:par>
+                                <p:cTn id="5" presetID="10" presetClass="entr" presetSubtype="0" fill="hold" grpId="0" nodeType="withEffect">
+                                  <p:stCondLst>
+                                    <p:cond delay="500"/>
+                                  </p:stCondLst>
+                                  <p:iterate type="wd">
+                                    <p:tmPct val="15000"/>
+                                  </p:iterate>
+                                  <p:childTnLst>
+                                    <p:set>
+                                      <p:cBhvr>
+                                        <p:cTn id="6" dur="1" fill="hold">
+                                          <p:stCondLst>
+                                            <p:cond delay="0"/>
+                                          </p:stCondLst>
+                                        </p:cTn>
+                                        <p:tgtEl>
+                                          <p:spTgt spid="2"/>
+                                        </p:tgtEl>
+                                        <p:attrNameLst>
+                                          <p:attrName>style.visibility</p:attrName>
+                                        </p:attrNameLst>
+                                      </p:cBhvr>
+                                      <p:to>
+                                        <p:strVal val="visible"/>
+                                      </p:to>
+                                    </p:set>
+                                    <p:animEffect transition="in" filter="fade">
+                                      <p:cBhvr>
+                                        <p:cTn id="7" dur="1000"/>
+                                        <p:tgtEl>
+                                          <p:spTgt spid="2"/>
+                                        </p:tgtEl>
+                                      </p:cBhvr>
+                                    </p:animEffect>
+                                  </p:childTnLst>
+                                </p:cTn>
+                              </p:par>
+                            </p:childTnLst>
+                          </p:cTn>
+                        </p:par>
+                      </p:childTnLst>
+                    </p:cTn>
+                  </p:par>
+                </p:childTnLst>
+              </p:cTn>
+              <p:prevCondLst>
+                <p:cond evt="onPrev" delay="0">
+                  <p:tgtEl>
+                    <p:sldTgt/>
+                  </p:tgtEl>
+                </p:cond>
+              </p:prevCondLst>
+              <p:nextCondLst>
+                <p:cond evt="onNext" delay="0">
+                  <p:tgtEl>
+                    <p:sldTgt/>
+                  </p:tgtEl>
+                </p:cond>
+              </p:nextCondLst>
+            </p:seq>
+          </p:childTnLst>
+        </p:cTn>
+      </p:par>
+    </p:tnLst>
+    <p:bldLst>
+      <p:bldP spid="2" grpId="0"/>
+    </p:bldLst>
+  </p:timing>
+</p:sld>
+</file>
+
+<file path=ppt/slides/slide4.xml><?xml version="1.0" encoding="utf-8"?>
+<p:sld xmlns:a="http://schemas.openxmlformats.org/drawingml/2006/main" xmlns:r="http://schemas.openxmlformats.org/officeDocument/2006/relationships" xmlns:p="http://schemas.openxmlformats.org/presentationml/2006/main">
+  <p:cSld>
+    <p:spTree>
+      <p:nvGrpSpPr>
+        <p:cNvPr id="1" name=""/>
+        <p:cNvGrpSpPr/>
+        <p:nvPr/>
+      </p:nvGrpSpPr>
+      <p:grpSpPr>
+        <a:xfrm>
+          <a:off x="0" y="0"/>
+          <a:ext cx="0" cy="0"/>
+          <a:chOff x="0" y="0"/>
+          <a:chExt cx="0" cy="0"/>
+        </a:xfrm>
+      </p:grpSpPr>
+      <p:sp>
+        <p:nvSpPr>
+          <p:cNvPr id="2" name="Заголовок 1">
+            <a:extLst>
+              <a:ext uri="{FF2B5EF4-FFF2-40B4-BE49-F238E27FC236}">
+                <a16:creationId xmlns:a16="http://schemas.microsoft.com/office/drawing/2014/main" id="{213DB23A-761E-24A5-0BF2-C86585163EBF}"/>
+              </a:ext>
+            </a:extLst>
+          </p:cNvPr>
+          <p:cNvSpPr>
+            <a:spLocks noGrp="1"/>
+          </p:cNvSpPr>
+          <p:nvPr>
+            <p:ph type="title"/>
+          </p:nvPr>
+        </p:nvSpPr>
+        <p:spPr/>
+        <p:txBody>
+          <a:bodyPr/>
+          <a:lstStyle/>
+          <a:p>
+            <a:r>
+              <a:rPr lang="ru-RU" dirty="0"/>
+              <a:t>Структура</a:t>
+            </a:r>
+          </a:p>
+        </p:txBody>
+      </p:sp>
+      <p:pic>
+        <p:nvPicPr>
+          <p:cNvPr id="5" name="Объект 4" descr="Изображение выглядит как текст, снимок экрана, дисплей, программное обеспечение&#10;&#10;Контент, сгенерированный ИИ, может содержать ошибки.">
+            <a:extLst>
+              <a:ext uri="{FF2B5EF4-FFF2-40B4-BE49-F238E27FC236}">
+                <a16:creationId xmlns:a16="http://schemas.microsoft.com/office/drawing/2014/main" id="{5A944E30-BE87-60C5-9819-DE7D7D0A4539}"/>
+              </a:ext>
+            </a:extLst>
+          </p:cNvPr>
+          <p:cNvPicPr>
+            <a:picLocks noGrp="1" noChangeAspect="1"/>
+          </p:cNvPicPr>
+          <p:nvPr>
+            <p:ph idx="1"/>
+          </p:nvPr>
+        </p:nvPicPr>
+        <p:blipFill>
+          <a:blip r:embed="rId2">
+            <a:extLst>
+              <a:ext uri="{28A0092B-C50C-407E-A947-70E740481C1C}">
+                <a14:useLocalDpi xmlns:a14="http://schemas.microsoft.com/office/drawing/2010/main" val="0"/>
+              </a:ext>
+            </a:extLst>
+          </a:blip>
+          <a:stretch>
+            <a:fillRect/>
+          </a:stretch>
+        </p:blipFill>
+        <p:spPr>
+          <a:xfrm>
+            <a:off x="2228144" y="1825625"/>
+            <a:ext cx="7735712" cy="4351338"/>
+          </a:xfrm>
+        </p:spPr>
+      </p:pic>
+      <mc:AlternateContent xmlns:mc="http://schemas.openxmlformats.org/markup-compatibility/2006" xmlns:p14="http://schemas.microsoft.com/office/powerpoint/2010/main">
+        <mc:Choice Requires="p14">
           <p:contentPart p14:bwMode="auto" r:id="rId3">
             <p14:nvContentPartPr>
               <p14:cNvPr id="6" name="Рукописный ввод 5">
@@ -3845,7 +8566,7 @@
             </p14:xfrm>
           </p:contentPart>
         </mc:Choice>
-        <mc:Fallback>
+        <mc:Fallback xmlns="">
           <p:pic>
             <p:nvPicPr>
               <p:cNvPr id="6" name="Рукописный ввод 5">
@@ -3876,8 +8597,8 @@
           </p:pic>
         </mc:Fallback>
       </mc:AlternateContent>
-      <mc:AlternateContent xmlns:mc="http://schemas.openxmlformats.org/markup-compatibility/2006">
-        <mc:Choice xmlns:p14="http://schemas.microsoft.com/office/powerpoint/2010/main" Requires="p14">
+      <mc:AlternateContent xmlns:mc="http://schemas.openxmlformats.org/markup-compatibility/2006" xmlns:p14="http://schemas.microsoft.com/office/powerpoint/2010/main">
+        <mc:Choice Requires="p14">
           <p:contentPart p14:bwMode="auto" r:id="rId5">
             <p14:nvContentPartPr>
               <p14:cNvPr id="8" name="Рукописный ввод 7">
@@ -3896,7 +8617,7 @@
             </p14:xfrm>
           </p:contentPart>
         </mc:Choice>
-        <mc:Fallback>
+        <mc:Fallback xmlns="">
           <p:pic>
             <p:nvPicPr>
               <p:cNvPr id="8" name="Рукописный ввод 7">
@@ -3927,8 +8648,8 @@
           </p:pic>
         </mc:Fallback>
       </mc:AlternateContent>
-      <mc:AlternateContent xmlns:mc="http://schemas.openxmlformats.org/markup-compatibility/2006">
-        <mc:Choice xmlns:p14="http://schemas.microsoft.com/office/powerpoint/2010/main" Requires="p14">
+      <mc:AlternateContent xmlns:mc="http://schemas.openxmlformats.org/markup-compatibility/2006" xmlns:p14="http://schemas.microsoft.com/office/powerpoint/2010/main">
+        <mc:Choice Requires="p14">
           <p:contentPart p14:bwMode="auto" r:id="rId7">
             <p14:nvContentPartPr>
               <p14:cNvPr id="9" name="Рукописный ввод 8">
@@ -3947,7 +8668,7 @@
             </p14:xfrm>
           </p:contentPart>
         </mc:Choice>
-        <mc:Fallback>
+        <mc:Fallback xmlns="">
           <p:pic>
             <p:nvPicPr>
               <p:cNvPr id="9" name="Рукописный ввод 8">
@@ -3991,7 +8712,7 @@
 </p:sld>
 </file>
 
-<file path=ppt/slides/slide4.xml><?xml version="1.0" encoding="utf-8"?>
+<file path=ppt/slides/slide5.xml><?xml version="1.0" encoding="utf-8"?>
 <p:sld xmlns:a="http://schemas.openxmlformats.org/drawingml/2006/main" xmlns:r="http://schemas.openxmlformats.org/officeDocument/2006/relationships" xmlns:p="http://schemas.openxmlformats.org/presentationml/2006/main">
   <p:cSld>
     <p:spTree>
@@ -4072,8 +8793,8 @@
           </a:xfrm>
         </p:spPr>
       </p:pic>
-      <mc:AlternateContent xmlns:mc="http://schemas.openxmlformats.org/markup-compatibility/2006">
-        <mc:Choice xmlns:p14="http://schemas.microsoft.com/office/powerpoint/2010/main" Requires="p14">
+      <mc:AlternateContent xmlns:mc="http://schemas.openxmlformats.org/markup-compatibility/2006" xmlns:p14="http://schemas.microsoft.com/office/powerpoint/2010/main">
+        <mc:Choice Requires="p14">
           <p:contentPart p14:bwMode="auto" r:id="rId3">
             <p14:nvContentPartPr>
               <p14:cNvPr id="4" name="Рукописный ввод 3">
@@ -4092,7 +8813,7 @@
             </p14:xfrm>
           </p:contentPart>
         </mc:Choice>
-        <mc:Fallback>
+        <mc:Fallback xmlns="">
           <p:pic>
             <p:nvPicPr>
               <p:cNvPr id="4" name="Рукописный ввод 3">
@@ -4123,8 +8844,8 @@
           </p:pic>
         </mc:Fallback>
       </mc:AlternateContent>
-      <mc:AlternateContent xmlns:mc="http://schemas.openxmlformats.org/markup-compatibility/2006">
-        <mc:Choice xmlns:p14="http://schemas.microsoft.com/office/powerpoint/2010/main" Requires="p14">
+      <mc:AlternateContent xmlns:mc="http://schemas.openxmlformats.org/markup-compatibility/2006" xmlns:p14="http://schemas.microsoft.com/office/powerpoint/2010/main">
+        <mc:Choice Requires="p14">
           <p:contentPart p14:bwMode="auto" r:id="rId5">
             <p14:nvContentPartPr>
               <p14:cNvPr id="5" name="Рукописный ввод 4">
@@ -4143,7 +8864,7 @@
             </p14:xfrm>
           </p:contentPart>
         </mc:Choice>
-        <mc:Fallback>
+        <mc:Fallback xmlns="">
           <p:pic>
             <p:nvPicPr>
               <p:cNvPr id="5" name="Рукописный ввод 4">
@@ -4187,99 +8908,6 @@
 </p:sld>
 </file>
 
-<file path=ppt/slides/slide5.xml><?xml version="1.0" encoding="utf-8"?>
-<p:sld xmlns:a="http://schemas.openxmlformats.org/drawingml/2006/main" xmlns:r="http://schemas.openxmlformats.org/officeDocument/2006/relationships" xmlns:p="http://schemas.openxmlformats.org/presentationml/2006/main">
-  <p:cSld>
-    <p:spTree>
-      <p:nvGrpSpPr>
-        <p:cNvPr id="1" name=""/>
-        <p:cNvGrpSpPr/>
-        <p:nvPr/>
-      </p:nvGrpSpPr>
-      <p:grpSpPr>
-        <a:xfrm>
-          <a:off x="0" y="0"/>
-          <a:ext cx="0" cy="0"/>
-          <a:chOff x="0" y="0"/>
-          <a:chExt cx="0" cy="0"/>
-        </a:xfrm>
-      </p:grpSpPr>
-      <p:sp>
-        <p:nvSpPr>
-          <p:cNvPr id="2" name="Заголовок 1">
-            <a:extLst>
-              <a:ext uri="{FF2B5EF4-FFF2-40B4-BE49-F238E27FC236}">
-                <a16:creationId xmlns:a16="http://schemas.microsoft.com/office/drawing/2014/main" id="{955AEADE-CA34-C355-2F54-AB7192DDCE68}"/>
-              </a:ext>
-            </a:extLst>
-          </p:cNvPr>
-          <p:cNvSpPr>
-            <a:spLocks noGrp="1"/>
-          </p:cNvSpPr>
-          <p:nvPr>
-            <p:ph type="title"/>
-          </p:nvPr>
-        </p:nvSpPr>
-        <p:spPr/>
-        <p:txBody>
-          <a:bodyPr/>
-          <a:lstStyle/>
-          <a:p>
-            <a:r>
-              <a:rPr lang="ru-RU" dirty="0"/>
-              <a:t>Примеры тестирования</a:t>
-            </a:r>
-          </a:p>
-        </p:txBody>
-      </p:sp>
-      <p:pic>
-        <p:nvPicPr>
-          <p:cNvPr id="7" name="Объект 6" descr="Изображение выглядит как текст, снимок экрана, программное обеспечение, Мультимедийное программное обеспечение&#10;&#10;Контент, сгенерированный ИИ, может содержать ошибки.">
-            <a:extLst>
-              <a:ext uri="{FF2B5EF4-FFF2-40B4-BE49-F238E27FC236}">
-                <a16:creationId xmlns:a16="http://schemas.microsoft.com/office/drawing/2014/main" id="{534A5FA6-39D1-CC4B-7FAA-9AFBBFEBEF79}"/>
-              </a:ext>
-            </a:extLst>
-          </p:cNvPr>
-          <p:cNvPicPr>
-            <a:picLocks noGrp="1" noChangeAspect="1"/>
-          </p:cNvPicPr>
-          <p:nvPr>
-            <p:ph idx="1"/>
-          </p:nvPr>
-        </p:nvPicPr>
-        <p:blipFill>
-          <a:blip r:embed="rId2">
-            <a:extLst>
-              <a:ext uri="{28A0092B-C50C-407E-A947-70E740481C1C}">
-                <a14:useLocalDpi xmlns:a14="http://schemas.microsoft.com/office/drawing/2010/main" val="0"/>
-              </a:ext>
-            </a:extLst>
-          </a:blip>
-          <a:stretch>
-            <a:fillRect/>
-          </a:stretch>
-        </p:blipFill>
-        <p:spPr>
-          <a:xfrm>
-            <a:off x="2228144" y="1825625"/>
-            <a:ext cx="7735712" cy="4351338"/>
-          </a:xfrm>
-        </p:spPr>
-      </p:pic>
-    </p:spTree>
-    <p:extLst>
-      <p:ext uri="{BB962C8B-B14F-4D97-AF65-F5344CB8AC3E}">
-        <p14:creationId xmlns:p14="http://schemas.microsoft.com/office/powerpoint/2010/main" val="2585062507"/>
-      </p:ext>
-    </p:extLst>
-  </p:cSld>
-  <p:clrMapOvr>
-    <a:masterClrMapping/>
-  </p:clrMapOvr>
-</p:sld>
-</file>
-
 <file path=ppt/slides/slide6.xml><?xml version="1.0" encoding="utf-8"?>
 <p:sld xmlns:a="http://schemas.openxmlformats.org/drawingml/2006/main" xmlns:r="http://schemas.openxmlformats.org/officeDocument/2006/relationships" xmlns:p="http://schemas.openxmlformats.org/presentationml/2006/main">
   <p:cSld>
@@ -4302,7 +8930,7 @@
           <p:cNvPr id="2" name="Заголовок 1">
             <a:extLst>
               <a:ext uri="{FF2B5EF4-FFF2-40B4-BE49-F238E27FC236}">
-                <a16:creationId xmlns:a16="http://schemas.microsoft.com/office/drawing/2014/main" id="{44DDBBCA-4CEF-A08C-1312-F8A2AACBA2EE}"/>
+                <a16:creationId xmlns:a16="http://schemas.microsoft.com/office/drawing/2014/main" id="{955AEADE-CA34-C355-2F54-AB7192DDCE68}"/>
               </a:ext>
             </a:extLst>
           </p:cNvPr>
@@ -4320,40 +8948,50 @@
           <a:p>
             <a:r>
               <a:rPr lang="ru-RU" dirty="0"/>
-              <a:t>Так, теперь пример того, как это работает</a:t>
+              <a:t>Примеры тестирования</a:t>
             </a:r>
           </a:p>
         </p:txBody>
       </p:sp>
-      <p:sp>
-        <p:nvSpPr>
-          <p:cNvPr id="3" name="Текст 2">
-            <a:extLst>
-              <a:ext uri="{FF2B5EF4-FFF2-40B4-BE49-F238E27FC236}">
-                <a16:creationId xmlns:a16="http://schemas.microsoft.com/office/drawing/2014/main" id="{81967CF1-72D6-E113-0317-6CBC8CF1BD62}"/>
-              </a:ext>
-            </a:extLst>
-          </p:cNvPr>
-          <p:cNvSpPr>
-            <a:spLocks noGrp="1"/>
-          </p:cNvSpPr>
-          <p:nvPr>
-            <p:ph type="body" idx="1"/>
-          </p:nvPr>
-        </p:nvSpPr>
-        <p:spPr/>
-        <p:txBody>
-          <a:bodyPr/>
-          <a:lstStyle/>
-          <a:p>
-            <a:endParaRPr lang="ru-RU"/>
-          </a:p>
-        </p:txBody>
-      </p:sp>
+      <p:pic>
+        <p:nvPicPr>
+          <p:cNvPr id="7" name="Объект 6" descr="Изображение выглядит как текст, снимок экрана, программное обеспечение, Мультимедийное программное обеспечение&#10;&#10;Контент, сгенерированный ИИ, может содержать ошибки.">
+            <a:extLst>
+              <a:ext uri="{FF2B5EF4-FFF2-40B4-BE49-F238E27FC236}">
+                <a16:creationId xmlns:a16="http://schemas.microsoft.com/office/drawing/2014/main" id="{534A5FA6-39D1-CC4B-7FAA-9AFBBFEBEF79}"/>
+              </a:ext>
+            </a:extLst>
+          </p:cNvPr>
+          <p:cNvPicPr>
+            <a:picLocks noGrp="1" noChangeAspect="1"/>
+          </p:cNvPicPr>
+          <p:nvPr>
+            <p:ph idx="1"/>
+          </p:nvPr>
+        </p:nvPicPr>
+        <p:blipFill>
+          <a:blip r:embed="rId2">
+            <a:extLst>
+              <a:ext uri="{28A0092B-C50C-407E-A947-70E740481C1C}">
+                <a14:useLocalDpi xmlns:a14="http://schemas.microsoft.com/office/drawing/2010/main" val="0"/>
+              </a:ext>
+            </a:extLst>
+          </a:blip>
+          <a:stretch>
+            <a:fillRect/>
+          </a:stretch>
+        </p:blipFill>
+        <p:spPr>
+          <a:xfrm>
+            <a:off x="2228144" y="1825625"/>
+            <a:ext cx="7735712" cy="4351338"/>
+          </a:xfrm>
+        </p:spPr>
+      </p:pic>
     </p:spTree>
     <p:extLst>
       <p:ext uri="{BB962C8B-B14F-4D97-AF65-F5344CB8AC3E}">
-        <p14:creationId xmlns:p14="http://schemas.microsoft.com/office/powerpoint/2010/main" val="3790824658"/>
+        <p14:creationId xmlns:p14="http://schemas.microsoft.com/office/powerpoint/2010/main" val="2585062507"/>
       </p:ext>
     </p:extLst>
   </p:cSld>
@@ -4385,7 +9023,7 @@
           <p:cNvPr id="2" name="Заголовок 1">
             <a:extLst>
               <a:ext uri="{FF2B5EF4-FFF2-40B4-BE49-F238E27FC236}">
-                <a16:creationId xmlns:a16="http://schemas.microsoft.com/office/drawing/2014/main" id="{909DA51A-F19D-F846-E1BA-E891F9BE6928}"/>
+                <a16:creationId xmlns:a16="http://schemas.microsoft.com/office/drawing/2014/main" id="{44DDBBCA-4CEF-A08C-1312-F8A2AACBA2EE}"/>
               </a:ext>
             </a:extLst>
           </p:cNvPr>
@@ -4403,46 +9041,94 @@
           <a:p>
             <a:r>
               <a:rPr lang="ru-RU" dirty="0"/>
+              <a:t>Так, теперь пример того, как это работает</a:t>
+            </a:r>
+          </a:p>
+        </p:txBody>
+      </p:sp>
+      <p:sp>
+        <p:nvSpPr>
+          <p:cNvPr id="3" name="Текст 2">
+            <a:extLst>
+              <a:ext uri="{FF2B5EF4-FFF2-40B4-BE49-F238E27FC236}">
+                <a16:creationId xmlns:a16="http://schemas.microsoft.com/office/drawing/2014/main" id="{81967CF1-72D6-E113-0317-6CBC8CF1BD62}"/>
+              </a:ext>
+            </a:extLst>
+          </p:cNvPr>
+          <p:cNvSpPr>
+            <a:spLocks noGrp="1"/>
+          </p:cNvSpPr>
+          <p:nvPr>
+            <p:ph type="body" idx="1"/>
+          </p:nvPr>
+        </p:nvSpPr>
+        <p:spPr/>
+        <p:txBody>
+          <a:bodyPr/>
+          <a:lstStyle/>
+          <a:p>
+            <a:endParaRPr lang="ru-RU"/>
+          </a:p>
+        </p:txBody>
+      </p:sp>
+    </p:spTree>
+    <p:extLst>
+      <p:ext uri="{BB962C8B-B14F-4D97-AF65-F5344CB8AC3E}">
+        <p14:creationId xmlns:p14="http://schemas.microsoft.com/office/powerpoint/2010/main" val="3790824658"/>
+      </p:ext>
+    </p:extLst>
+  </p:cSld>
+  <p:clrMapOvr>
+    <a:masterClrMapping/>
+  </p:clrMapOvr>
+</p:sld>
+</file>
+
+<file path=ppt/slides/slide8.xml><?xml version="1.0" encoding="utf-8"?>
+<p:sld xmlns:a="http://schemas.openxmlformats.org/drawingml/2006/main" xmlns:r="http://schemas.openxmlformats.org/officeDocument/2006/relationships" xmlns:p="http://schemas.openxmlformats.org/presentationml/2006/main">
+  <p:cSld>
+    <p:spTree>
+      <p:nvGrpSpPr>
+        <p:cNvPr id="1" name=""/>
+        <p:cNvGrpSpPr/>
+        <p:nvPr/>
+      </p:nvGrpSpPr>
+      <p:grpSpPr>
+        <a:xfrm>
+          <a:off x="0" y="0"/>
+          <a:ext cx="0" cy="0"/>
+          <a:chOff x="0" y="0"/>
+          <a:chExt cx="0" cy="0"/>
+        </a:xfrm>
+      </p:grpSpPr>
+      <p:sp>
+        <p:nvSpPr>
+          <p:cNvPr id="2" name="Заголовок 1">
+            <a:extLst>
+              <a:ext uri="{FF2B5EF4-FFF2-40B4-BE49-F238E27FC236}">
+                <a16:creationId xmlns:a16="http://schemas.microsoft.com/office/drawing/2014/main" id="{909DA51A-F19D-F846-E1BA-E891F9BE6928}"/>
+              </a:ext>
+            </a:extLst>
+          </p:cNvPr>
+          <p:cNvSpPr>
+            <a:spLocks noGrp="1"/>
+          </p:cNvSpPr>
+          <p:nvPr>
+            <p:ph type="title"/>
+          </p:nvPr>
+        </p:nvSpPr>
+        <p:spPr/>
+        <p:txBody>
+          <a:bodyPr/>
+          <a:lstStyle/>
+          <a:p>
+            <a:r>
+              <a:rPr lang="ru-RU" dirty="0"/>
               <a:t>Сдача задачи</a:t>
             </a:r>
           </a:p>
         </p:txBody>
       </p:sp>
-      <p:pic>
-        <p:nvPicPr>
-          <p:cNvPr id="7" name="Объект 6" descr="Изображение выглядит как текст, снимок экрана, программное обеспечение, Значок на компьютере&#10;&#10;Контент, сгенерированный ИИ, может содержать ошибки.">
-            <a:extLst>
-              <a:ext uri="{FF2B5EF4-FFF2-40B4-BE49-F238E27FC236}">
-                <a16:creationId xmlns:a16="http://schemas.microsoft.com/office/drawing/2014/main" id="{054C1352-1CFD-A18D-BFBF-9B9982B3F061}"/>
-              </a:ext>
-            </a:extLst>
-          </p:cNvPr>
-          <p:cNvPicPr>
-            <a:picLocks noGrp="1" noChangeAspect="1"/>
-          </p:cNvPicPr>
-          <p:nvPr>
-            <p:ph idx="1"/>
-          </p:nvPr>
-        </p:nvPicPr>
-        <p:blipFill>
-          <a:blip r:embed="rId2">
-            <a:extLst>
-              <a:ext uri="{28A0092B-C50C-407E-A947-70E740481C1C}">
-                <a14:useLocalDpi xmlns:a14="http://schemas.microsoft.com/office/drawing/2010/main" val="0"/>
-              </a:ext>
-            </a:extLst>
-          </a:blip>
-          <a:stretch>
-            <a:fillRect/>
-          </a:stretch>
-        </p:blipFill>
-        <p:spPr>
-          <a:xfrm>
-            <a:off x="2228144" y="1825625"/>
-            <a:ext cx="7735712" cy="4351338"/>
-          </a:xfrm>
-        </p:spPr>
-      </p:pic>
       <p:sp>
         <p:nvSpPr>
           <p:cNvPr id="8" name="Прямоугольник 7">
@@ -4489,70 +9175,12 @@
           </a:p>
         </p:txBody>
       </p:sp>
-    </p:spTree>
-    <p:extLst>
-      <p:ext uri="{BB962C8B-B14F-4D97-AF65-F5344CB8AC3E}">
-        <p14:creationId xmlns:p14="http://schemas.microsoft.com/office/powerpoint/2010/main" val="1003697643"/>
-      </p:ext>
-    </p:extLst>
-  </p:cSld>
-  <p:clrMapOvr>
-    <a:masterClrMapping/>
-  </p:clrMapOvr>
-</p:sld>
-</file>
-
-<file path=ppt/slides/slide8.xml><?xml version="1.0" encoding="utf-8"?>
-<p:sld xmlns:a="http://schemas.openxmlformats.org/drawingml/2006/main" xmlns:r="http://schemas.openxmlformats.org/officeDocument/2006/relationships" xmlns:p="http://schemas.openxmlformats.org/presentationml/2006/main">
-  <p:cSld>
-    <p:spTree>
-      <p:nvGrpSpPr>
-        <p:cNvPr id="1" name=""/>
-        <p:cNvGrpSpPr/>
-        <p:nvPr/>
-      </p:nvGrpSpPr>
-      <p:grpSpPr>
-        <a:xfrm>
-          <a:off x="0" y="0"/>
-          <a:ext cx="0" cy="0"/>
-          <a:chOff x="0" y="0"/>
-          <a:chExt cx="0" cy="0"/>
-        </a:xfrm>
-      </p:grpSpPr>
-      <p:sp>
-        <p:nvSpPr>
-          <p:cNvPr id="2" name="Заголовок 1">
-            <a:extLst>
-              <a:ext uri="{FF2B5EF4-FFF2-40B4-BE49-F238E27FC236}">
-                <a16:creationId xmlns:a16="http://schemas.microsoft.com/office/drawing/2014/main" id="{C87D4BE9-456D-E340-C014-0BB04C3A1B12}"/>
-              </a:ext>
-            </a:extLst>
-          </p:cNvPr>
-          <p:cNvSpPr>
-            <a:spLocks noGrp="1"/>
-          </p:cNvSpPr>
-          <p:nvPr>
-            <p:ph type="title"/>
-          </p:nvPr>
-        </p:nvSpPr>
-        <p:spPr/>
-        <p:txBody>
-          <a:bodyPr/>
-          <a:lstStyle/>
-          <a:p>
-            <a:r>
-              <a:rPr lang="ru-RU" dirty="0"/>
-              <a:t>Она сдалась</a:t>
-            </a:r>
-          </a:p>
-        </p:txBody>
-      </p:sp>
       <p:pic>
         <p:nvPicPr>
-          <p:cNvPr id="7" name="Объект 6" descr="Изображение выглядит как текст, снимок экрана, программное обеспечение, Значок на компьютере&#10;&#10;Контент, сгенерированный ИИ, может содержать ошибки.">
-            <a:extLst>
-              <a:ext uri="{FF2B5EF4-FFF2-40B4-BE49-F238E27FC236}">
-                <a16:creationId xmlns:a16="http://schemas.microsoft.com/office/drawing/2014/main" id="{17339BC8-44D9-7F4F-7FD7-D89B8986CD6D}"/>
+          <p:cNvPr id="16" name="Объект 15" descr="Изображение выглядит как текст, снимок экрана, программное обеспечение, Значок на компьютере&#10;&#10;Контент, сгенерированный ИИ, может содержать ошибки.">
+            <a:extLst>
+              <a:ext uri="{FF2B5EF4-FFF2-40B4-BE49-F238E27FC236}">
+                <a16:creationId xmlns:a16="http://schemas.microsoft.com/office/drawing/2014/main" id="{70EEB47A-405E-084A-660A-EF6EE8F1E923}"/>
               </a:ext>
             </a:extLst>
           </p:cNvPr>
@@ -4582,56 +9210,10 @@
           </a:xfrm>
         </p:spPr>
       </p:pic>
-      <p:sp>
-        <p:nvSpPr>
-          <p:cNvPr id="8" name="Прямоугольник 7">
-            <a:extLst>
-              <a:ext uri="{FF2B5EF4-FFF2-40B4-BE49-F238E27FC236}">
-                <a16:creationId xmlns:a16="http://schemas.microsoft.com/office/drawing/2014/main" id="{AB0A79A8-B4D7-BAB8-C3C0-341482C9F4DE}"/>
-              </a:ext>
-            </a:extLst>
-          </p:cNvPr>
-          <p:cNvSpPr/>
-          <p:nvPr/>
-        </p:nvSpPr>
-        <p:spPr>
-          <a:xfrm>
-            <a:off x="2501291" y="1850927"/>
-            <a:ext cx="5417024" cy="172425"/>
-          </a:xfrm>
-          <a:prstGeom prst="rect">
-            <a:avLst/>
-          </a:prstGeom>
-        </p:spPr>
-        <p:style>
-          <a:lnRef idx="2">
-            <a:schemeClr val="accent1">
-              <a:shade val="15000"/>
-            </a:schemeClr>
-          </a:lnRef>
-          <a:fillRef idx="1">
-            <a:schemeClr val="accent1"/>
-          </a:fillRef>
-          <a:effectRef idx="0">
-            <a:schemeClr val="accent1"/>
-          </a:effectRef>
-          <a:fontRef idx="minor">
-            <a:schemeClr val="lt1"/>
-          </a:fontRef>
-        </p:style>
-        <p:txBody>
-          <a:bodyPr rtlCol="0" anchor="ctr"/>
-          <a:lstStyle/>
-          <a:p>
-            <a:pPr algn="ctr"/>
-            <a:endParaRPr lang="ru-RU"/>
-          </a:p>
-        </p:txBody>
-      </p:sp>
     </p:spTree>
     <p:extLst>
       <p:ext uri="{BB962C8B-B14F-4D97-AF65-F5344CB8AC3E}">
-        <p14:creationId xmlns:p14="http://schemas.microsoft.com/office/powerpoint/2010/main" val="2335608656"/>
+        <p14:creationId xmlns:p14="http://schemas.microsoft.com/office/powerpoint/2010/main" val="1003697643"/>
       </p:ext>
     </p:extLst>
   </p:cSld>
@@ -4663,7 +9245,7 @@
           <p:cNvPr id="2" name="Заголовок 1">
             <a:extLst>
               <a:ext uri="{FF2B5EF4-FFF2-40B4-BE49-F238E27FC236}">
-                <a16:creationId xmlns:a16="http://schemas.microsoft.com/office/drawing/2014/main" id="{94A5F694-1417-F1B2-C1D1-35344825C1DA}"/>
+                <a16:creationId xmlns:a16="http://schemas.microsoft.com/office/drawing/2014/main" id="{B47904D8-22EC-8344-5AE3-7E1F09156E1C}"/>
               </a:ext>
             </a:extLst>
           </p:cNvPr>
@@ -4679,23 +9261,16 @@
           <a:bodyPr/>
           <a:lstStyle/>
           <a:p>
-            <a:r>
-              <a:rPr lang="ru-RU" dirty="0" err="1"/>
-              <a:t>Лидерборд</a:t>
-            </a:r>
-            <a:r>
-              <a:rPr lang="ru-RU" dirty="0"/>
-              <a:t> адекватный</a:t>
-            </a:r>
+            <a:endParaRPr lang="ru-RU"/>
           </a:p>
         </p:txBody>
       </p:sp>
       <p:pic>
         <p:nvPicPr>
-          <p:cNvPr id="6" name="Объект 5" descr="Изображение выглядит как текст, снимок экрана, программное обеспечение, дисплей&#10;&#10;Контент, сгенерированный ИИ, может содержать ошибки.">
-            <a:extLst>
-              <a:ext uri="{FF2B5EF4-FFF2-40B4-BE49-F238E27FC236}">
-                <a16:creationId xmlns:a16="http://schemas.microsoft.com/office/drawing/2014/main" id="{522B6E8C-9146-24EC-BBA8-0F1004F550FD}"/>
+          <p:cNvPr id="5" name="Объект 4" descr="Изображение выглядит как текст, снимок экрана, программное обеспечение, Мультимедийное программное обеспечение&#10;&#10;Контент, сгенерированный ИИ, может содержать ошибки.">
+            <a:extLst>
+              <a:ext uri="{FF2B5EF4-FFF2-40B4-BE49-F238E27FC236}">
+                <a16:creationId xmlns:a16="http://schemas.microsoft.com/office/drawing/2014/main" id="{D9ADCB27-0BED-8975-A719-C1ED05B4F524}"/>
               </a:ext>
             </a:extLst>
           </p:cNvPr>
@@ -4703,7 +9278,7 @@
             <a:picLocks noGrp="1" noChangeAspect="1"/>
           </p:cNvPicPr>
           <p:nvPr>
-            <p:ph sz="half" idx="1"/>
+            <p:ph idx="1"/>
           </p:nvPr>
         </p:nvPicPr>
         <p:blipFill>
@@ -4720,142 +9295,15 @@
         </p:blipFill>
         <p:spPr>
           <a:xfrm>
-            <a:off x="808055" y="2533921"/>
-            <a:ext cx="5181600" cy="2914650"/>
+            <a:off x="2228144" y="1825625"/>
+            <a:ext cx="7735712" cy="4351338"/>
           </a:xfrm>
         </p:spPr>
       </p:pic>
-      <p:pic>
-        <p:nvPicPr>
-          <p:cNvPr id="8" name="Объект 7" descr="Изображение выглядит как текст, снимок экрана, программное обеспечение, дисплей&#10;&#10;Контент, сгенерированный ИИ, может содержать ошибки.">
-            <a:extLst>
-              <a:ext uri="{FF2B5EF4-FFF2-40B4-BE49-F238E27FC236}">
-                <a16:creationId xmlns:a16="http://schemas.microsoft.com/office/drawing/2014/main" id="{98421FD2-E861-98E3-88E6-451E449EDD44}"/>
-              </a:ext>
-            </a:extLst>
-          </p:cNvPr>
-          <p:cNvPicPr>
-            <a:picLocks noGrp="1" noChangeAspect="1"/>
-          </p:cNvPicPr>
-          <p:nvPr>
-            <p:ph sz="half" idx="2"/>
-          </p:nvPr>
-        </p:nvPicPr>
-        <p:blipFill>
-          <a:blip r:embed="rId3">
-            <a:extLst>
-              <a:ext uri="{28A0092B-C50C-407E-A947-70E740481C1C}">
-                <a14:useLocalDpi xmlns:a14="http://schemas.microsoft.com/office/drawing/2010/main" val="0"/>
-              </a:ext>
-            </a:extLst>
-          </a:blip>
-          <a:stretch>
-            <a:fillRect/>
-          </a:stretch>
-        </p:blipFill>
-        <p:spPr>
-          <a:xfrm>
-            <a:off x="6172200" y="2543969"/>
-            <a:ext cx="5181600" cy="2914650"/>
-          </a:xfrm>
-        </p:spPr>
-      </p:pic>
-      <p:sp>
-        <p:nvSpPr>
-          <p:cNvPr id="9" name="Прямоугольник 8">
-            <a:extLst>
-              <a:ext uri="{FF2B5EF4-FFF2-40B4-BE49-F238E27FC236}">
-                <a16:creationId xmlns:a16="http://schemas.microsoft.com/office/drawing/2014/main" id="{6A83AA91-22B5-0D6E-9D0A-2C8CFED2FBF7}"/>
-              </a:ext>
-            </a:extLst>
-          </p:cNvPr>
-          <p:cNvSpPr/>
-          <p:nvPr/>
-        </p:nvSpPr>
-        <p:spPr>
-          <a:xfrm>
-            <a:off x="954593" y="2522136"/>
-            <a:ext cx="3647552" cy="150726"/>
-          </a:xfrm>
-          <a:prstGeom prst="rect">
-            <a:avLst/>
-          </a:prstGeom>
-        </p:spPr>
-        <p:style>
-          <a:lnRef idx="2">
-            <a:schemeClr val="accent1">
-              <a:shade val="15000"/>
-            </a:schemeClr>
-          </a:lnRef>
-          <a:fillRef idx="1">
-            <a:schemeClr val="accent1"/>
-          </a:fillRef>
-          <a:effectRef idx="0">
-            <a:schemeClr val="accent1"/>
-          </a:effectRef>
-          <a:fontRef idx="minor">
-            <a:schemeClr val="lt1"/>
-          </a:fontRef>
-        </p:style>
-        <p:txBody>
-          <a:bodyPr rtlCol="0" anchor="ctr"/>
-          <a:lstStyle/>
-          <a:p>
-            <a:pPr algn="ctr"/>
-            <a:endParaRPr lang="ru-RU"/>
-          </a:p>
-        </p:txBody>
-      </p:sp>
-      <p:sp>
-        <p:nvSpPr>
-          <p:cNvPr id="10" name="Прямоугольник 9">
-            <a:extLst>
-              <a:ext uri="{FF2B5EF4-FFF2-40B4-BE49-F238E27FC236}">
-                <a16:creationId xmlns:a16="http://schemas.microsoft.com/office/drawing/2014/main" id="{957BCBD0-F253-348B-836C-BB31787F5850}"/>
-              </a:ext>
-            </a:extLst>
-          </p:cNvPr>
-          <p:cNvSpPr/>
-          <p:nvPr/>
-        </p:nvSpPr>
-        <p:spPr>
-          <a:xfrm>
-            <a:off x="6369656" y="2548077"/>
-            <a:ext cx="3647552" cy="150726"/>
-          </a:xfrm>
-          <a:prstGeom prst="rect">
-            <a:avLst/>
-          </a:prstGeom>
-        </p:spPr>
-        <p:style>
-          <a:lnRef idx="2">
-            <a:schemeClr val="accent1">
-              <a:shade val="15000"/>
-            </a:schemeClr>
-          </a:lnRef>
-          <a:fillRef idx="1">
-            <a:schemeClr val="accent1"/>
-          </a:fillRef>
-          <a:effectRef idx="0">
-            <a:schemeClr val="accent1"/>
-          </a:effectRef>
-          <a:fontRef idx="minor">
-            <a:schemeClr val="lt1"/>
-          </a:fontRef>
-        </p:style>
-        <p:txBody>
-          <a:bodyPr rtlCol="0" anchor="ctr"/>
-          <a:lstStyle/>
-          <a:p>
-            <a:pPr algn="ctr"/>
-            <a:endParaRPr lang="ru-RU"/>
-          </a:p>
-        </p:txBody>
-      </p:sp>
     </p:spTree>
     <p:extLst>
       <p:ext uri="{BB962C8B-B14F-4D97-AF65-F5344CB8AC3E}">
-        <p14:creationId xmlns:p14="http://schemas.microsoft.com/office/powerpoint/2010/main" val="2913436065"/>
+        <p14:creationId xmlns:p14="http://schemas.microsoft.com/office/powerpoint/2010/main" val="3037175984"/>
       </p:ext>
     </p:extLst>
   </p:cSld>
